--- a/Documents/発表用資料/2グループ 制作発表.pptx
+++ b/Documents/発表用資料/2グループ 制作発表.pptx
@@ -5,36 +5,37 @@
     <p:sldMasterId id="2147483840" r:id="rId1"/>
   </p:sldMasterIdLst>
   <p:notesMasterIdLst>
-    <p:notesMasterId r:id="rId29"/>
+    <p:notesMasterId r:id="rId30"/>
   </p:notesMasterIdLst>
   <p:sldIdLst>
     <p:sldId id="256" r:id="rId2"/>
     <p:sldId id="257" r:id="rId3"/>
-    <p:sldId id="258" r:id="rId4"/>
-    <p:sldId id="259" r:id="rId5"/>
-    <p:sldId id="260" r:id="rId6"/>
-    <p:sldId id="268" r:id="rId7"/>
-    <p:sldId id="273" r:id="rId8"/>
-    <p:sldId id="276" r:id="rId9"/>
-    <p:sldId id="277" r:id="rId10"/>
-    <p:sldId id="281" r:id="rId11"/>
-    <p:sldId id="282" r:id="rId12"/>
-    <p:sldId id="283" r:id="rId13"/>
-    <p:sldId id="284" r:id="rId14"/>
-    <p:sldId id="278" r:id="rId15"/>
-    <p:sldId id="274" r:id="rId16"/>
-    <p:sldId id="285" r:id="rId17"/>
-    <p:sldId id="286" r:id="rId18"/>
-    <p:sldId id="287" r:id="rId19"/>
-    <p:sldId id="288" r:id="rId20"/>
-    <p:sldId id="275" r:id="rId21"/>
-    <p:sldId id="289" r:id="rId22"/>
-    <p:sldId id="290" r:id="rId23"/>
-    <p:sldId id="267" r:id="rId24"/>
-    <p:sldId id="265" r:id="rId25"/>
-    <p:sldId id="272" r:id="rId26"/>
-    <p:sldId id="269" r:id="rId27"/>
-    <p:sldId id="270" r:id="rId28"/>
+    <p:sldId id="259" r:id="rId4"/>
+    <p:sldId id="260" r:id="rId5"/>
+    <p:sldId id="268" r:id="rId6"/>
+    <p:sldId id="291" r:id="rId7"/>
+    <p:sldId id="292" r:id="rId8"/>
+    <p:sldId id="273" r:id="rId9"/>
+    <p:sldId id="276" r:id="rId10"/>
+    <p:sldId id="277" r:id="rId11"/>
+    <p:sldId id="281" r:id="rId12"/>
+    <p:sldId id="282" r:id="rId13"/>
+    <p:sldId id="283" r:id="rId14"/>
+    <p:sldId id="284" r:id="rId15"/>
+    <p:sldId id="278" r:id="rId16"/>
+    <p:sldId id="274" r:id="rId17"/>
+    <p:sldId id="285" r:id="rId18"/>
+    <p:sldId id="286" r:id="rId19"/>
+    <p:sldId id="287" r:id="rId20"/>
+    <p:sldId id="288" r:id="rId21"/>
+    <p:sldId id="267" r:id="rId22"/>
+    <p:sldId id="275" r:id="rId23"/>
+    <p:sldId id="289" r:id="rId24"/>
+    <p:sldId id="290" r:id="rId25"/>
+    <p:sldId id="265" r:id="rId26"/>
+    <p:sldId id="272" r:id="rId27"/>
+    <p:sldId id="269" r:id="rId28"/>
+    <p:sldId id="270" r:id="rId29"/>
   </p:sldIdLst>
   <p:sldSz cx="12192000" cy="6858000"/>
   <p:notesSz cx="6858000" cy="9144000"/>
@@ -237,7 +238,7 @@
           <a:p>
             <a:fld id="{A5D95F8B-4728-4C3A-91C5-CBAC6FD1D267}" type="datetimeFigureOut">
               <a:rPr kumimoji="1" lang="ja-JP" altLang="en-US" smtClean="0"/>
-              <a:t>2017/12/22</a:t>
+              <a:t>2017/12/25</a:t>
             </a:fld>
             <a:endParaRPr kumimoji="1" lang="ja-JP" altLang="en-US"/>
           </a:p>
@@ -720,7 +721,7 @@
           <a:p>
             <a:fld id="{E20E91FF-FA08-4CD4-B84A-8EF6F34AF3B1}" type="slidenum">
               <a:rPr kumimoji="1" lang="ja-JP" altLang="en-US" smtClean="0"/>
-              <a:t>11</a:t>
+              <a:t>10</a:t>
             </a:fld>
             <a:endParaRPr kumimoji="1" lang="ja-JP" altLang="en-US"/>
           </a:p>
@@ -729,7 +730,7 @@
     </p:spTree>
     <p:extLst>
       <p:ext uri="{BB962C8B-B14F-4D97-AF65-F5344CB8AC3E}">
-        <p14:creationId xmlns:p14="http://schemas.microsoft.com/office/powerpoint/2010/main" val="304205561"/>
+        <p14:creationId xmlns:p14="http://schemas.microsoft.com/office/powerpoint/2010/main" val="2738671247"/>
       </p:ext>
     </p:extLst>
   </p:cSld>
@@ -838,7 +839,7 @@
           <a:p>
             <a:fld id="{E20E91FF-FA08-4CD4-B84A-8EF6F34AF3B1}" type="slidenum">
               <a:rPr kumimoji="1" lang="ja-JP" altLang="en-US" smtClean="0"/>
-              <a:t>12</a:t>
+              <a:t>11</a:t>
             </a:fld>
             <a:endParaRPr kumimoji="1" lang="ja-JP" altLang="en-US"/>
           </a:p>
@@ -847,7 +848,7 @@
     </p:spTree>
     <p:extLst>
       <p:ext uri="{BB962C8B-B14F-4D97-AF65-F5344CB8AC3E}">
-        <p14:creationId xmlns:p14="http://schemas.microsoft.com/office/powerpoint/2010/main" val="3012849438"/>
+        <p14:creationId xmlns:p14="http://schemas.microsoft.com/office/powerpoint/2010/main" val="1883128109"/>
       </p:ext>
     </p:extLst>
   </p:cSld>
@@ -956,7 +957,7 @@
           <a:p>
             <a:fld id="{E20E91FF-FA08-4CD4-B84A-8EF6F34AF3B1}" type="slidenum">
               <a:rPr kumimoji="1" lang="ja-JP" altLang="en-US" smtClean="0"/>
-              <a:t>13</a:t>
+              <a:t>12</a:t>
             </a:fld>
             <a:endParaRPr kumimoji="1" lang="ja-JP" altLang="en-US"/>
           </a:p>
@@ -965,7 +966,7 @@
     </p:spTree>
     <p:extLst>
       <p:ext uri="{BB962C8B-B14F-4D97-AF65-F5344CB8AC3E}">
-        <p14:creationId xmlns:p14="http://schemas.microsoft.com/office/powerpoint/2010/main" val="1814968506"/>
+        <p14:creationId xmlns:p14="http://schemas.microsoft.com/office/powerpoint/2010/main" val="304205561"/>
       </p:ext>
     </p:extLst>
   </p:cSld>
@@ -1074,7 +1075,7 @@
           <a:p>
             <a:fld id="{E20E91FF-FA08-4CD4-B84A-8EF6F34AF3B1}" type="slidenum">
               <a:rPr kumimoji="1" lang="ja-JP" altLang="en-US" smtClean="0"/>
-              <a:t>14</a:t>
+              <a:t>13</a:t>
             </a:fld>
             <a:endParaRPr kumimoji="1" lang="ja-JP" altLang="en-US"/>
           </a:p>
@@ -1083,7 +1084,7 @@
     </p:spTree>
     <p:extLst>
       <p:ext uri="{BB962C8B-B14F-4D97-AF65-F5344CB8AC3E}">
-        <p14:creationId xmlns:p14="http://schemas.microsoft.com/office/powerpoint/2010/main" val="4112022632"/>
+        <p14:creationId xmlns:p14="http://schemas.microsoft.com/office/powerpoint/2010/main" val="3012849438"/>
       </p:ext>
     </p:extLst>
   </p:cSld>
@@ -1139,19 +1140,19 @@
           <a:p>
             <a:r>
               <a:rPr kumimoji="1" lang="ja-JP" altLang="en-US" dirty="0" smtClean="0"/>
-              <a:t>ブラウザからサーバへ情報を取得する要請を出した後、具体的なデータの更新があるまで</a:t>
-            </a:r>
-          </a:p>
-          <a:p>
-            <a:r>
-              <a:rPr kumimoji="1" lang="ja-JP" altLang="en-US" dirty="0" smtClean="0"/>
-              <a:t>サーバがデータを送り渋るような処理で遅延させ、しかるべきタイミングでデータを送信。</a:t>
-            </a:r>
-          </a:p>
-          <a:p>
-            <a:r>
-              <a:rPr kumimoji="1" lang="ja-JP" altLang="en-US" dirty="0" smtClean="0"/>
-              <a:t>つまり、ブラウザから受けた要請に対して遅延でタイミングを合わせる処理を、「ロングポーリング」と言います。</a:t>
+              <a:t>例えばチャットなどを想像してください。</a:t>
+            </a:r>
+          </a:p>
+          <a:p>
+            <a:r>
+              <a:rPr kumimoji="1" lang="ja-JP" altLang="en-US" dirty="0" smtClean="0"/>
+              <a:t>サーバとブラウザの内容を同一にしたい場合、通常であれば、その都度更新を行って内容を取得する必要があります。</a:t>
+            </a:r>
+          </a:p>
+          <a:p>
+            <a:r>
+              <a:rPr kumimoji="1" lang="ja-JP" altLang="en-US" dirty="0" smtClean="0"/>
+              <a:t>ブラウザから一定周期で更新を行い、サーバからデータを取得するような実装を、「ポーリング」と言います。</a:t>
             </a:r>
           </a:p>
           <a:p>
@@ -1160,7 +1161,7 @@
           <a:p>
             <a:r>
               <a:rPr kumimoji="1" lang="ja-JP" altLang="en-US" dirty="0" smtClean="0"/>
-              <a:t>チャットであれば、こちらが発言したら、相手が発言するまで画面が更新されなくなります。</a:t>
+              <a:t>このポーリングは、対戦相手と画面が同期できない問題を抱えていました。</a:t>
             </a:r>
           </a:p>
           <a:p>
@@ -1169,25 +1170,8 @@
           <a:p>
             <a:r>
               <a:rPr kumimoji="1" lang="ja-JP" altLang="en-US" dirty="0" smtClean="0"/>
-              <a:t>ロングポーリングでは、対戦相手と画面の同期ができるようになりましたが、</a:t>
-            </a:r>
-          </a:p>
-          <a:p>
-            <a:r>
-              <a:rPr kumimoji="1" lang="ja-JP" altLang="en-US" dirty="0" smtClean="0"/>
-              <a:t>サーバから一方的にデータを送信したいケースに対応できませんでした。</a:t>
-            </a:r>
-          </a:p>
-          <a:p>
-            <a:endParaRPr kumimoji="1" lang="ja-JP" altLang="en-US" dirty="0" smtClean="0"/>
-          </a:p>
-          <a:p>
-            <a:r>
-              <a:rPr kumimoji="1" lang="ja-JP" altLang="en-US" dirty="0" smtClean="0"/>
-              <a:t>なので、チャットであれば、こちらが発言しない限り、画面は更新できません。</a:t>
-            </a:r>
-          </a:p>
-          <a:p>
+              <a:t>チャットであれば、相手も自分も発言なしに画面が更新されて、ネットワークに結構な負荷がかかります。</a:t>
+            </a:r>
             <a:endParaRPr kumimoji="1" lang="ja-JP" altLang="en-US" dirty="0"/>
           </a:p>
         </p:txBody>
@@ -1209,7 +1193,7 @@
           <a:p>
             <a:fld id="{E20E91FF-FA08-4CD4-B84A-8EF6F34AF3B1}" type="slidenum">
               <a:rPr kumimoji="1" lang="ja-JP" altLang="en-US" smtClean="0"/>
-              <a:t>15</a:t>
+              <a:t>14</a:t>
             </a:fld>
             <a:endParaRPr kumimoji="1" lang="ja-JP" altLang="en-US"/>
           </a:p>
@@ -1218,7 +1202,7 @@
     </p:spTree>
     <p:extLst>
       <p:ext uri="{BB962C8B-B14F-4D97-AF65-F5344CB8AC3E}">
-        <p14:creationId xmlns:p14="http://schemas.microsoft.com/office/powerpoint/2010/main" val="1033909363"/>
+        <p14:creationId xmlns:p14="http://schemas.microsoft.com/office/powerpoint/2010/main" val="1814968506"/>
       </p:ext>
     </p:extLst>
   </p:cSld>
@@ -1274,19 +1258,19 @@
           <a:p>
             <a:r>
               <a:rPr kumimoji="1" lang="ja-JP" altLang="en-US" dirty="0" smtClean="0"/>
-              <a:t>ブラウザからサーバへ情報を取得する要請を出した後、具体的なデータの更新があるまで</a:t>
-            </a:r>
-          </a:p>
-          <a:p>
-            <a:r>
-              <a:rPr kumimoji="1" lang="ja-JP" altLang="en-US" dirty="0" smtClean="0"/>
-              <a:t>サーバがデータを送り渋るような処理で遅延させ、しかるべきタイミングでデータを送信。</a:t>
-            </a:r>
-          </a:p>
-          <a:p>
-            <a:r>
-              <a:rPr kumimoji="1" lang="ja-JP" altLang="en-US" dirty="0" smtClean="0"/>
-              <a:t>つまり、ブラウザから受けた要請に対して遅延でタイミングを合わせる処理を、「ロングポーリング」と言います。</a:t>
+              <a:t>例えばチャットなどを想像してください。</a:t>
+            </a:r>
+          </a:p>
+          <a:p>
+            <a:r>
+              <a:rPr kumimoji="1" lang="ja-JP" altLang="en-US" dirty="0" smtClean="0"/>
+              <a:t>サーバとブラウザの内容を同一にしたい場合、通常であれば、その都度更新を行って内容を取得する必要があります。</a:t>
+            </a:r>
+          </a:p>
+          <a:p>
+            <a:r>
+              <a:rPr kumimoji="1" lang="ja-JP" altLang="en-US" dirty="0" smtClean="0"/>
+              <a:t>ブラウザから一定周期で更新を行い、サーバからデータを取得するような実装を、「ポーリング」と言います。</a:t>
             </a:r>
           </a:p>
           <a:p>
@@ -1295,7 +1279,7 @@
           <a:p>
             <a:r>
               <a:rPr kumimoji="1" lang="ja-JP" altLang="en-US" dirty="0" smtClean="0"/>
-              <a:t>チャットであれば、こちらが発言したら、相手が発言するまで画面が更新されなくなります。</a:t>
+              <a:t>このポーリングは、対戦相手と画面が同期できない問題を抱えていました。</a:t>
             </a:r>
           </a:p>
           <a:p>
@@ -1304,25 +1288,8 @@
           <a:p>
             <a:r>
               <a:rPr kumimoji="1" lang="ja-JP" altLang="en-US" dirty="0" smtClean="0"/>
-              <a:t>ロングポーリングでは、対戦相手と画面の同期ができるようになりましたが、</a:t>
-            </a:r>
-          </a:p>
-          <a:p>
-            <a:r>
-              <a:rPr kumimoji="1" lang="ja-JP" altLang="en-US" dirty="0" smtClean="0"/>
-              <a:t>サーバから一方的にデータを送信したいケースに対応できませんでした。</a:t>
-            </a:r>
-          </a:p>
-          <a:p>
-            <a:endParaRPr kumimoji="1" lang="ja-JP" altLang="en-US" dirty="0" smtClean="0"/>
-          </a:p>
-          <a:p>
-            <a:r>
-              <a:rPr kumimoji="1" lang="ja-JP" altLang="en-US" dirty="0" smtClean="0"/>
-              <a:t>なので、チャットであれば、こちらが発言しない限り、画面は更新できません。</a:t>
-            </a:r>
-          </a:p>
-          <a:p>
+              <a:t>チャットであれば、相手も自分も発言なしに画面が更新されて、ネットワークに結構な負荷がかかります。</a:t>
+            </a:r>
             <a:endParaRPr kumimoji="1" lang="ja-JP" altLang="en-US" dirty="0"/>
           </a:p>
         </p:txBody>
@@ -1344,7 +1311,7 @@
           <a:p>
             <a:fld id="{E20E91FF-FA08-4CD4-B84A-8EF6F34AF3B1}" type="slidenum">
               <a:rPr kumimoji="1" lang="ja-JP" altLang="en-US" smtClean="0"/>
-              <a:t>16</a:t>
+              <a:t>15</a:t>
             </a:fld>
             <a:endParaRPr kumimoji="1" lang="ja-JP" altLang="en-US"/>
           </a:p>
@@ -1353,7 +1320,7 @@
     </p:spTree>
     <p:extLst>
       <p:ext uri="{BB962C8B-B14F-4D97-AF65-F5344CB8AC3E}">
-        <p14:creationId xmlns:p14="http://schemas.microsoft.com/office/powerpoint/2010/main" val="3843401062"/>
+        <p14:creationId xmlns:p14="http://schemas.microsoft.com/office/powerpoint/2010/main" val="4112022632"/>
       </p:ext>
     </p:extLst>
   </p:cSld>
@@ -1479,7 +1446,7 @@
           <a:p>
             <a:fld id="{E20E91FF-FA08-4CD4-B84A-8EF6F34AF3B1}" type="slidenum">
               <a:rPr kumimoji="1" lang="ja-JP" altLang="en-US" smtClean="0"/>
-              <a:t>17</a:t>
+              <a:t>16</a:t>
             </a:fld>
             <a:endParaRPr kumimoji="1" lang="ja-JP" altLang="en-US"/>
           </a:p>
@@ -1488,7 +1455,7 @@
     </p:spTree>
     <p:extLst>
       <p:ext uri="{BB962C8B-B14F-4D97-AF65-F5344CB8AC3E}">
-        <p14:creationId xmlns:p14="http://schemas.microsoft.com/office/powerpoint/2010/main" val="1802852777"/>
+        <p14:creationId xmlns:p14="http://schemas.microsoft.com/office/powerpoint/2010/main" val="1033909363"/>
       </p:ext>
     </p:extLst>
   </p:cSld>
@@ -1614,7 +1581,7 @@
           <a:p>
             <a:fld id="{E20E91FF-FA08-4CD4-B84A-8EF6F34AF3B1}" type="slidenum">
               <a:rPr kumimoji="1" lang="ja-JP" altLang="en-US" smtClean="0"/>
-              <a:t>18</a:t>
+              <a:t>17</a:t>
             </a:fld>
             <a:endParaRPr kumimoji="1" lang="ja-JP" altLang="en-US"/>
           </a:p>
@@ -1623,7 +1590,7 @@
     </p:spTree>
     <p:extLst>
       <p:ext uri="{BB962C8B-B14F-4D97-AF65-F5344CB8AC3E}">
-        <p14:creationId xmlns:p14="http://schemas.microsoft.com/office/powerpoint/2010/main" val="3216187844"/>
+        <p14:creationId xmlns:p14="http://schemas.microsoft.com/office/powerpoint/2010/main" val="3843401062"/>
       </p:ext>
     </p:extLst>
   </p:cSld>
@@ -1749,7 +1716,7 @@
           <a:p>
             <a:fld id="{E20E91FF-FA08-4CD4-B84A-8EF6F34AF3B1}" type="slidenum">
               <a:rPr kumimoji="1" lang="ja-JP" altLang="en-US" smtClean="0"/>
-              <a:t>19</a:t>
+              <a:t>18</a:t>
             </a:fld>
             <a:endParaRPr kumimoji="1" lang="ja-JP" altLang="en-US"/>
           </a:p>
@@ -1758,7 +1725,7 @@
     </p:spTree>
     <p:extLst>
       <p:ext uri="{BB962C8B-B14F-4D97-AF65-F5344CB8AC3E}">
-        <p14:creationId xmlns:p14="http://schemas.microsoft.com/office/powerpoint/2010/main" val="1976067319"/>
+        <p14:creationId xmlns:p14="http://schemas.microsoft.com/office/powerpoint/2010/main" val="1802852777"/>
       </p:ext>
     </p:extLst>
   </p:cSld>
@@ -1814,27 +1781,19 @@
           <a:p>
             <a:r>
               <a:rPr kumimoji="1" lang="ja-JP" altLang="en-US" dirty="0" smtClean="0"/>
-              <a:t>ブラウザとサーバで、常に接続されたセッションを確立し、双方向からの一方的なデータの送信が可能となる。</a:t>
-            </a:r>
-          </a:p>
-          <a:p>
-            <a:r>
-              <a:rPr kumimoji="1" lang="ja-JP" altLang="en-US" dirty="0" smtClean="0"/>
-              <a:t>これを実現する仕組みが</a:t>
-            </a:r>
-            <a:r>
-              <a:rPr kumimoji="1" lang="en-US" altLang="ja-JP" dirty="0" err="1" smtClean="0"/>
-              <a:t>WebSocket</a:t>
-            </a:r>
-            <a:r>
-              <a:rPr kumimoji="1" lang="ja-JP" altLang="en-US" dirty="0" smtClean="0"/>
-              <a:t>です。</a:t>
-            </a:r>
-          </a:p>
-          <a:p>
-            <a:r>
-              <a:rPr kumimoji="1" lang="ja-JP" altLang="en-US" dirty="0" smtClean="0"/>
-              <a:t>これにより、サーバ側からの一方的な送信が可能になりました。</a:t>
+              <a:t>ブラウザからサーバへ情報を取得する要請を出した後、具体的なデータの更新があるまで</a:t>
+            </a:r>
+          </a:p>
+          <a:p>
+            <a:r>
+              <a:rPr kumimoji="1" lang="ja-JP" altLang="en-US" dirty="0" smtClean="0"/>
+              <a:t>サーバがデータを送り渋るような処理で遅延させ、しかるべきタイミングでデータを送信。</a:t>
+            </a:r>
+          </a:p>
+          <a:p>
+            <a:r>
+              <a:rPr kumimoji="1" lang="ja-JP" altLang="en-US" dirty="0" smtClean="0"/>
+              <a:t>つまり、ブラウザから受けた要請に対して遅延でタイミングを合わせる処理を、「ロングポーリング」と言います。</a:t>
             </a:r>
           </a:p>
           <a:p>
@@ -1843,8 +1802,34 @@
           <a:p>
             <a:r>
               <a:rPr kumimoji="1" lang="ja-JP" altLang="en-US" dirty="0" smtClean="0"/>
-              <a:t>これにより、自分の発言、相手の発言、いずれのタイミングでも両者の内容が同期されます。</a:t>
-            </a:r>
+              <a:t>チャットであれば、こちらが発言したら、相手が発言するまで画面が更新されなくなります。</a:t>
+            </a:r>
+          </a:p>
+          <a:p>
+            <a:endParaRPr kumimoji="1" lang="ja-JP" altLang="en-US" dirty="0" smtClean="0"/>
+          </a:p>
+          <a:p>
+            <a:r>
+              <a:rPr kumimoji="1" lang="ja-JP" altLang="en-US" dirty="0" smtClean="0"/>
+              <a:t>ロングポーリングでは、対戦相手と画面の同期ができるようになりましたが、</a:t>
+            </a:r>
+          </a:p>
+          <a:p>
+            <a:r>
+              <a:rPr kumimoji="1" lang="ja-JP" altLang="en-US" dirty="0" smtClean="0"/>
+              <a:t>サーバから一方的にデータを送信したいケースに対応できませんでした。</a:t>
+            </a:r>
+          </a:p>
+          <a:p>
+            <a:endParaRPr kumimoji="1" lang="ja-JP" altLang="en-US" dirty="0" smtClean="0"/>
+          </a:p>
+          <a:p>
+            <a:r>
+              <a:rPr kumimoji="1" lang="ja-JP" altLang="en-US" dirty="0" smtClean="0"/>
+              <a:t>なので、チャットであれば、こちらが発言しない限り、画面は更新できません。</a:t>
+            </a:r>
+          </a:p>
+          <a:p>
             <a:endParaRPr kumimoji="1" lang="ja-JP" altLang="en-US" dirty="0"/>
           </a:p>
         </p:txBody>
@@ -1866,7 +1851,7 @@
           <a:p>
             <a:fld id="{E20E91FF-FA08-4CD4-B84A-8EF6F34AF3B1}" type="slidenum">
               <a:rPr kumimoji="1" lang="ja-JP" altLang="en-US" smtClean="0"/>
-              <a:t>20</a:t>
+              <a:t>19</a:t>
             </a:fld>
             <a:endParaRPr kumimoji="1" lang="ja-JP" altLang="en-US"/>
           </a:p>
@@ -1875,7 +1860,7 @@
     </p:spTree>
     <p:extLst>
       <p:ext uri="{BB962C8B-B14F-4D97-AF65-F5344CB8AC3E}">
-        <p14:creationId xmlns:p14="http://schemas.microsoft.com/office/powerpoint/2010/main" val="1890992428"/>
+        <p14:creationId xmlns:p14="http://schemas.microsoft.com/office/powerpoint/2010/main" val="3216187844"/>
       </p:ext>
     </p:extLst>
   </p:cSld>
@@ -2092,42 +2077,20 @@
           <a:lstStyle/>
           <a:p>
             <a:r>
-              <a:rPr kumimoji="1" lang="en-US" altLang="ja-JP" dirty="0" smtClean="0"/>
-              <a:t>※</a:t>
-            </a:r>
-            <a:r>
-              <a:rPr kumimoji="1" lang="ja-JP" altLang="en-US" dirty="0" smtClean="0"/>
-              <a:t>スライド進める</a:t>
-            </a:r>
-            <a:endParaRPr kumimoji="1" lang="en-US" altLang="ja-JP" dirty="0" smtClean="0"/>
-          </a:p>
-          <a:p>
-            <a:endParaRPr kumimoji="1" lang="en-US" altLang="ja-JP" dirty="0" smtClean="0"/>
-          </a:p>
-          <a:p>
-            <a:r>
-              <a:rPr kumimoji="1" lang="ja-JP" altLang="en-US" dirty="0" smtClean="0"/>
-              <a:t>ブラウザとサーバで、常に接続されたセッションを確立し、双方向からの一方的なデータの送信が可能となる。</a:t>
-            </a:r>
-          </a:p>
-          <a:p>
-            <a:r>
-              <a:rPr kumimoji="1" lang="ja-JP" altLang="en-US" dirty="0" smtClean="0"/>
-              <a:t>これを実現する仕組みが</a:t>
-            </a:r>
-            <a:r>
-              <a:rPr kumimoji="1" lang="en-US" altLang="ja-JP" dirty="0" err="1" smtClean="0"/>
-              <a:t>WebSocket</a:t>
-            </a:r>
-            <a:r>
-              <a:rPr kumimoji="1" lang="ja-JP" altLang="en-US" dirty="0" smtClean="0"/>
-              <a:t>です。</a:t>
-            </a:r>
-          </a:p>
-          <a:p>
-            <a:r>
-              <a:rPr kumimoji="1" lang="ja-JP" altLang="en-US" dirty="0" smtClean="0"/>
-              <a:t>これにより、サーバ側からの一方的な送信が可能になりました。</a:t>
+              <a:rPr kumimoji="1" lang="ja-JP" altLang="en-US" dirty="0" smtClean="0"/>
+              <a:t>ブラウザからサーバへ情報を取得する要請を出した後、具体的なデータの更新があるまで</a:t>
+            </a:r>
+          </a:p>
+          <a:p>
+            <a:r>
+              <a:rPr kumimoji="1" lang="ja-JP" altLang="en-US" dirty="0" smtClean="0"/>
+              <a:t>サーバがデータを送り渋るような処理で遅延させ、しかるべきタイミングでデータを送信。</a:t>
+            </a:r>
+          </a:p>
+          <a:p>
+            <a:r>
+              <a:rPr kumimoji="1" lang="ja-JP" altLang="en-US" dirty="0" smtClean="0"/>
+              <a:t>つまり、ブラウザから受けた要請に対して遅延でタイミングを合わせる処理を、「ロングポーリング」と言います。</a:t>
             </a:r>
           </a:p>
           <a:p>
@@ -2136,8 +2099,34 @@
           <a:p>
             <a:r>
               <a:rPr kumimoji="1" lang="ja-JP" altLang="en-US" dirty="0" smtClean="0"/>
-              <a:t>これにより、自分の発言、相手の発言、いずれのタイミングでも両者の内容が同期されます。</a:t>
-            </a:r>
+              <a:t>チャットであれば、こちらが発言したら、相手が発言するまで画面が更新されなくなります。</a:t>
+            </a:r>
+          </a:p>
+          <a:p>
+            <a:endParaRPr kumimoji="1" lang="ja-JP" altLang="en-US" dirty="0" smtClean="0"/>
+          </a:p>
+          <a:p>
+            <a:r>
+              <a:rPr kumimoji="1" lang="ja-JP" altLang="en-US" dirty="0" smtClean="0"/>
+              <a:t>ロングポーリングでは、対戦相手と画面の同期ができるようになりましたが、</a:t>
+            </a:r>
+          </a:p>
+          <a:p>
+            <a:r>
+              <a:rPr kumimoji="1" lang="ja-JP" altLang="en-US" dirty="0" smtClean="0"/>
+              <a:t>サーバから一方的にデータを送信したいケースに対応できませんでした。</a:t>
+            </a:r>
+          </a:p>
+          <a:p>
+            <a:endParaRPr kumimoji="1" lang="ja-JP" altLang="en-US" dirty="0" smtClean="0"/>
+          </a:p>
+          <a:p>
+            <a:r>
+              <a:rPr kumimoji="1" lang="ja-JP" altLang="en-US" dirty="0" smtClean="0"/>
+              <a:t>なので、チャットであれば、こちらが発言しない限り、画面は更新できません。</a:t>
+            </a:r>
+          </a:p>
+          <a:p>
             <a:endParaRPr kumimoji="1" lang="ja-JP" altLang="en-US" dirty="0"/>
           </a:p>
         </p:txBody>
@@ -2159,7 +2148,7 @@
           <a:p>
             <a:fld id="{E20E91FF-FA08-4CD4-B84A-8EF6F34AF3B1}" type="slidenum">
               <a:rPr kumimoji="1" lang="ja-JP" altLang="en-US" smtClean="0"/>
-              <a:t>21</a:t>
+              <a:t>20</a:t>
             </a:fld>
             <a:endParaRPr kumimoji="1" lang="ja-JP" altLang="en-US"/>
           </a:p>
@@ -2168,7 +2157,7 @@
     </p:spTree>
     <p:extLst>
       <p:ext uri="{BB962C8B-B14F-4D97-AF65-F5344CB8AC3E}">
-        <p14:creationId xmlns:p14="http://schemas.microsoft.com/office/powerpoint/2010/main" val="4218203647"/>
+        <p14:creationId xmlns:p14="http://schemas.microsoft.com/office/powerpoint/2010/main" val="1976067319"/>
       </p:ext>
     </p:extLst>
   </p:cSld>
@@ -2222,46 +2211,15 @@
           <a:bodyPr/>
           <a:lstStyle/>
           <a:p>
-            <a:pPr marL="0" marR="0" indent="0" algn="l" defTabSz="914400" rtl="0" eaLnBrk="1" fontAlgn="auto" latinLnBrk="0" hangingPunct="1">
-              <a:lnSpc>
-                <a:spcPct val="100000"/>
-              </a:lnSpc>
-              <a:spcBef>
-                <a:spcPts val="0"/>
-              </a:spcBef>
-              <a:spcAft>
-                <a:spcPts val="0"/>
-              </a:spcAft>
-              <a:buClrTx/>
-              <a:buSzTx/>
-              <a:buFontTx/>
-              <a:buNone/>
-              <a:tabLst/>
-              <a:defRPr/>
-            </a:pPr>
-            <a:r>
-              <a:rPr kumimoji="1" lang="en-US" altLang="ja-JP" dirty="0" smtClean="0"/>
-              <a:t>※</a:t>
-            </a:r>
-            <a:r>
-              <a:rPr kumimoji="1" lang="ja-JP" altLang="en-US" dirty="0" smtClean="0"/>
-              <a:t>スライド戻す</a:t>
-            </a:r>
-            <a:endParaRPr kumimoji="1" lang="en-US" altLang="ja-JP" dirty="0" smtClean="0"/>
-          </a:p>
-          <a:p>
-            <a:endParaRPr kumimoji="1" lang="en-US" altLang="ja-JP" dirty="0" smtClean="0"/>
-          </a:p>
-          <a:p>
-            <a:r>
-              <a:rPr kumimoji="1" lang="ja-JP" altLang="en-US" dirty="0" smtClean="0"/>
-              <a:t>ブラウザとサーバで、常に接続されたセッションを確立し、双方向からの一方的なデータの送信が可能となる。</a:t>
-            </a:r>
-          </a:p>
-          <a:p>
-            <a:r>
-              <a:rPr kumimoji="1" lang="ja-JP" altLang="en-US" dirty="0" smtClean="0"/>
-              <a:t>これを実現する仕組みが</a:t>
+            <a:r>
+              <a:rPr kumimoji="1" lang="ja-JP" altLang="en-US" dirty="0" smtClean="0"/>
+              <a:t>非同期通信を行いたい場合、ポーリングやロングポーリングだとネットワークやサーバに大幅な負荷がかかります。</a:t>
+            </a:r>
+          </a:p>
+          <a:p>
+            <a:r>
+              <a:rPr kumimoji="1" lang="ja-JP" altLang="en-US" dirty="0" smtClean="0"/>
+              <a:t>この無駄を省き、より少ない情報のやりとりで実現させよう規格が、</a:t>
             </a:r>
             <a:r>
               <a:rPr kumimoji="1" lang="en-US" altLang="ja-JP" dirty="0" err="1" smtClean="0"/>
@@ -2273,19 +2231,55 @@
             </a:r>
           </a:p>
           <a:p>
-            <a:r>
-              <a:rPr kumimoji="1" lang="ja-JP" altLang="en-US" dirty="0" smtClean="0"/>
-              <a:t>これにより、サーバ側からの一方的な送信が可能になりました。</a:t>
-            </a:r>
-          </a:p>
-          <a:p>
             <a:endParaRPr kumimoji="1" lang="ja-JP" altLang="en-US" dirty="0" smtClean="0"/>
           </a:p>
           <a:p>
             <a:r>
               <a:rPr kumimoji="1" lang="ja-JP" altLang="en-US" dirty="0" smtClean="0"/>
-              <a:t>これにより、自分の発言、相手の発言、いずれのタイミングでも両者の内容が同期されます。</a:t>
-            </a:r>
+              <a:t>これは</a:t>
+            </a:r>
+            <a:r>
+              <a:rPr kumimoji="1" lang="en-US" altLang="ja-JP" dirty="0" smtClean="0"/>
+              <a:t>HTTP</a:t>
+            </a:r>
+            <a:r>
+              <a:rPr kumimoji="1" lang="ja-JP" altLang="en-US" dirty="0" smtClean="0"/>
+              <a:t>の形でやりとりされるプロトコルであり、</a:t>
+            </a:r>
+            <a:r>
+              <a:rPr kumimoji="1" lang="en-US" altLang="ja-JP" dirty="0" smtClean="0"/>
+              <a:t>2011</a:t>
+            </a:r>
+            <a:r>
+              <a:rPr kumimoji="1" lang="ja-JP" altLang="en-US" dirty="0" smtClean="0"/>
+              <a:t>年末に発表されました。</a:t>
+            </a:r>
+          </a:p>
+          <a:p>
+            <a:r>
+              <a:rPr kumimoji="1" lang="ja-JP" altLang="en-US" dirty="0" smtClean="0"/>
+              <a:t>各開発言語に提供される</a:t>
+            </a:r>
+            <a:r>
+              <a:rPr kumimoji="1" lang="en-US" altLang="ja-JP" dirty="0" smtClean="0"/>
+              <a:t>API</a:t>
+            </a:r>
+            <a:r>
+              <a:rPr kumimoji="1" lang="ja-JP" altLang="en-US" dirty="0" smtClean="0"/>
+              <a:t>でもあり、対応言語が増えるまでに時間がかかりましたが、</a:t>
+            </a:r>
+          </a:p>
+          <a:p>
+            <a:r>
+              <a:rPr kumimoji="1" lang="en-US" altLang="ja-JP" dirty="0" smtClean="0"/>
+              <a:t>Java</a:t>
+            </a:r>
+            <a:r>
+              <a:rPr kumimoji="1" lang="ja-JP" altLang="en-US" dirty="0" smtClean="0"/>
+              <a:t>は対応済みである為、何も難しい記述をすることなく、この規格を使うことが出来ます。</a:t>
+            </a:r>
+          </a:p>
+          <a:p>
             <a:endParaRPr kumimoji="1" lang="ja-JP" altLang="en-US" dirty="0"/>
           </a:p>
         </p:txBody>
@@ -2307,7 +2301,7 @@
           <a:p>
             <a:fld id="{E20E91FF-FA08-4CD4-B84A-8EF6F34AF3B1}" type="slidenum">
               <a:rPr kumimoji="1" lang="ja-JP" altLang="en-US" smtClean="0"/>
-              <a:t>22</a:t>
+              <a:t>21</a:t>
             </a:fld>
             <a:endParaRPr kumimoji="1" lang="ja-JP" altLang="en-US"/>
           </a:p>
@@ -2316,7 +2310,7 @@
     </p:spTree>
     <p:extLst>
       <p:ext uri="{BB962C8B-B14F-4D97-AF65-F5344CB8AC3E}">
-        <p14:creationId xmlns:p14="http://schemas.microsoft.com/office/powerpoint/2010/main" val="3321855157"/>
+        <p14:creationId xmlns:p14="http://schemas.microsoft.com/office/powerpoint/2010/main" val="89265564"/>
       </p:ext>
     </p:extLst>
   </p:cSld>
@@ -2372,13 +2366,13 @@
           <a:p>
             <a:r>
               <a:rPr kumimoji="1" lang="ja-JP" altLang="en-US" dirty="0" smtClean="0"/>
-              <a:t>非同期通信を行いたい場合、ポーリングやロングポーリングだとネットワークやサーバに大幅な負荷がかかります。</a:t>
-            </a:r>
-          </a:p>
-          <a:p>
-            <a:r>
-              <a:rPr kumimoji="1" lang="ja-JP" altLang="en-US" dirty="0" smtClean="0"/>
-              <a:t>この無駄を省き、より少ない情報のやりとりで実現させよう規格が、</a:t>
+              <a:t>ブラウザとサーバで、常に接続されたセッションを確立し、双方向からの一方的なデータの送信が可能となる。</a:t>
+            </a:r>
+          </a:p>
+          <a:p>
+            <a:r>
+              <a:rPr kumimoji="1" lang="ja-JP" altLang="en-US" dirty="0" smtClean="0"/>
+              <a:t>これを実現する仕組みが</a:t>
             </a:r>
             <a:r>
               <a:rPr kumimoji="1" lang="en-US" altLang="ja-JP" dirty="0" err="1" smtClean="0"/>
@@ -2390,55 +2384,19 @@
             </a:r>
           </a:p>
           <a:p>
+            <a:r>
+              <a:rPr kumimoji="1" lang="ja-JP" altLang="en-US" dirty="0" smtClean="0"/>
+              <a:t>これにより、サーバ側からの一方的な送信が可能になりました。</a:t>
+            </a:r>
+          </a:p>
+          <a:p>
             <a:endParaRPr kumimoji="1" lang="ja-JP" altLang="en-US" dirty="0" smtClean="0"/>
           </a:p>
           <a:p>
             <a:r>
               <a:rPr kumimoji="1" lang="ja-JP" altLang="en-US" dirty="0" smtClean="0"/>
-              <a:t>これは</a:t>
-            </a:r>
-            <a:r>
-              <a:rPr kumimoji="1" lang="en-US" altLang="ja-JP" dirty="0" smtClean="0"/>
-              <a:t>HTTP</a:t>
-            </a:r>
-            <a:r>
-              <a:rPr kumimoji="1" lang="ja-JP" altLang="en-US" dirty="0" smtClean="0"/>
-              <a:t>の形でやりとりされるプロトコルであり、</a:t>
-            </a:r>
-            <a:r>
-              <a:rPr kumimoji="1" lang="en-US" altLang="ja-JP" dirty="0" smtClean="0"/>
-              <a:t>2011</a:t>
-            </a:r>
-            <a:r>
-              <a:rPr kumimoji="1" lang="ja-JP" altLang="en-US" dirty="0" smtClean="0"/>
-              <a:t>年末に発表されました。</a:t>
-            </a:r>
-          </a:p>
-          <a:p>
-            <a:r>
-              <a:rPr kumimoji="1" lang="ja-JP" altLang="en-US" dirty="0" smtClean="0"/>
-              <a:t>各開発言語に提供される</a:t>
-            </a:r>
-            <a:r>
-              <a:rPr kumimoji="1" lang="en-US" altLang="ja-JP" dirty="0" smtClean="0"/>
-              <a:t>API</a:t>
-            </a:r>
-            <a:r>
-              <a:rPr kumimoji="1" lang="ja-JP" altLang="en-US" dirty="0" smtClean="0"/>
-              <a:t>でもあり、対応言語が増えるまでに時間がかかりましたが、</a:t>
-            </a:r>
-          </a:p>
-          <a:p>
-            <a:r>
-              <a:rPr kumimoji="1" lang="en-US" altLang="ja-JP" dirty="0" smtClean="0"/>
-              <a:t>Java</a:t>
-            </a:r>
-            <a:r>
-              <a:rPr kumimoji="1" lang="ja-JP" altLang="en-US" dirty="0" smtClean="0"/>
-              <a:t>は対応済みである為、何も難しい記述をすることなく、この規格を使うことが出来ます。</a:t>
-            </a:r>
-          </a:p>
-          <a:p>
+              <a:t>これにより、自分の発言、相手の発言、いずれのタイミングでも両者の内容が同期されます。</a:t>
+            </a:r>
             <a:endParaRPr kumimoji="1" lang="ja-JP" altLang="en-US" dirty="0"/>
           </a:p>
         </p:txBody>
@@ -2460,7 +2418,7 @@
           <a:p>
             <a:fld id="{E20E91FF-FA08-4CD4-B84A-8EF6F34AF3B1}" type="slidenum">
               <a:rPr kumimoji="1" lang="ja-JP" altLang="en-US" smtClean="0"/>
-              <a:t>23</a:t>
+              <a:t>22</a:t>
             </a:fld>
             <a:endParaRPr kumimoji="1" lang="ja-JP" altLang="en-US"/>
           </a:p>
@@ -2469,7 +2427,7 @@
     </p:spTree>
     <p:extLst>
       <p:ext uri="{BB962C8B-B14F-4D97-AF65-F5344CB8AC3E}">
-        <p14:creationId xmlns:p14="http://schemas.microsoft.com/office/powerpoint/2010/main" val="89265564"/>
+        <p14:creationId xmlns:p14="http://schemas.microsoft.com/office/powerpoint/2010/main" val="1890992428"/>
       </p:ext>
     </p:extLst>
   </p:cSld>
@@ -2524,8 +2482,28 @@
           <a:lstStyle/>
           <a:p>
             <a:r>
-              <a:rPr kumimoji="1" lang="ja-JP" altLang="en-US" dirty="0" smtClean="0"/>
-              <a:t>その上で、</a:t>
+              <a:rPr kumimoji="1" lang="en-US" altLang="ja-JP" dirty="0" smtClean="0"/>
+              <a:t>※</a:t>
+            </a:r>
+            <a:r>
+              <a:rPr kumimoji="1" lang="ja-JP" altLang="en-US" dirty="0" smtClean="0"/>
+              <a:t>スライド進める</a:t>
+            </a:r>
+            <a:endParaRPr kumimoji="1" lang="en-US" altLang="ja-JP" dirty="0" smtClean="0"/>
+          </a:p>
+          <a:p>
+            <a:endParaRPr kumimoji="1" lang="en-US" altLang="ja-JP" dirty="0" smtClean="0"/>
+          </a:p>
+          <a:p>
+            <a:r>
+              <a:rPr kumimoji="1" lang="ja-JP" altLang="en-US" dirty="0" smtClean="0"/>
+              <a:t>ブラウザとサーバで、常に接続されたセッションを確立し、双方向からの一方的なデータの送信が可能となる。</a:t>
+            </a:r>
+          </a:p>
+          <a:p>
+            <a:r>
+              <a:rPr kumimoji="1" lang="ja-JP" altLang="en-US" dirty="0" smtClean="0"/>
+              <a:t>これを実現する仕組みが</a:t>
             </a:r>
             <a:r>
               <a:rPr kumimoji="1" lang="en-US" altLang="ja-JP" dirty="0" err="1" smtClean="0"/>
@@ -2533,19 +2511,147 @@
             </a:r>
             <a:r>
               <a:rPr kumimoji="1" lang="ja-JP" altLang="en-US" dirty="0" smtClean="0"/>
-              <a:t>を実装するに際して、難しい問題も生まれました。</a:t>
-            </a:r>
-          </a:p>
-          <a:p>
-            <a:r>
-              <a:rPr kumimoji="1" lang="ja-JP" altLang="en-US" dirty="0" smtClean="0"/>
-              <a:t>どのユーザが問い合わせしたのかを特定する必要がでてきました。</a:t>
-            </a:r>
-          </a:p>
-          <a:p>
-            <a:r>
-              <a:rPr kumimoji="1" lang="ja-JP" altLang="en-US" dirty="0" smtClean="0"/>
-              <a:t>これを特定しないと、すべての</a:t>
+              <a:t>です。</a:t>
+            </a:r>
+          </a:p>
+          <a:p>
+            <a:r>
+              <a:rPr kumimoji="1" lang="ja-JP" altLang="en-US" dirty="0" smtClean="0"/>
+              <a:t>これにより、サーバ側からの一方的な送信が可能になりました。</a:t>
+            </a:r>
+          </a:p>
+          <a:p>
+            <a:endParaRPr kumimoji="1" lang="ja-JP" altLang="en-US" dirty="0" smtClean="0"/>
+          </a:p>
+          <a:p>
+            <a:r>
+              <a:rPr kumimoji="1" lang="ja-JP" altLang="en-US" dirty="0" smtClean="0"/>
+              <a:t>これにより、自分の発言、相手の発言、いずれのタイミングでも両者の内容が同期されます。</a:t>
+            </a:r>
+            <a:endParaRPr kumimoji="1" lang="ja-JP" altLang="en-US" dirty="0"/>
+          </a:p>
+        </p:txBody>
+      </p:sp>
+      <p:sp>
+        <p:nvSpPr>
+          <p:cNvPr id="4" name="スライド番号プレースホルダー 3"/>
+          <p:cNvSpPr>
+            <a:spLocks noGrp="1"/>
+          </p:cNvSpPr>
+          <p:nvPr>
+            <p:ph type="sldNum" sz="quarter" idx="10"/>
+          </p:nvPr>
+        </p:nvSpPr>
+        <p:spPr/>
+        <p:txBody>
+          <a:bodyPr/>
+          <a:lstStyle/>
+          <a:p>
+            <a:fld id="{E20E91FF-FA08-4CD4-B84A-8EF6F34AF3B1}" type="slidenum">
+              <a:rPr kumimoji="1" lang="ja-JP" altLang="en-US" smtClean="0"/>
+              <a:t>23</a:t>
+            </a:fld>
+            <a:endParaRPr kumimoji="1" lang="ja-JP" altLang="en-US"/>
+          </a:p>
+        </p:txBody>
+      </p:sp>
+    </p:spTree>
+    <p:extLst>
+      <p:ext uri="{BB962C8B-B14F-4D97-AF65-F5344CB8AC3E}">
+        <p14:creationId xmlns:p14="http://schemas.microsoft.com/office/powerpoint/2010/main" val="4218203647"/>
+      </p:ext>
+    </p:extLst>
+  </p:cSld>
+  <p:clrMapOvr>
+    <a:masterClrMapping/>
+  </p:clrMapOvr>
+</p:notes>
+</file>
+
+<file path=ppt/notesSlides/notesSlide24.xml><?xml version="1.0" encoding="utf-8"?>
+<p:notes xmlns:a="http://schemas.openxmlformats.org/drawingml/2006/main" xmlns:r="http://schemas.openxmlformats.org/officeDocument/2006/relationships" xmlns:p="http://schemas.openxmlformats.org/presentationml/2006/main">
+  <p:cSld>
+    <p:spTree>
+      <p:nvGrpSpPr>
+        <p:cNvPr id="1" name=""/>
+        <p:cNvGrpSpPr/>
+        <p:nvPr/>
+      </p:nvGrpSpPr>
+      <p:grpSpPr>
+        <a:xfrm>
+          <a:off x="0" y="0"/>
+          <a:ext cx="0" cy="0"/>
+          <a:chOff x="0" y="0"/>
+          <a:chExt cx="0" cy="0"/>
+        </a:xfrm>
+      </p:grpSpPr>
+      <p:sp>
+        <p:nvSpPr>
+          <p:cNvPr id="2" name="スライド イメージ プレースホルダー 1"/>
+          <p:cNvSpPr>
+            <a:spLocks noGrp="1" noRot="1" noChangeAspect="1"/>
+          </p:cNvSpPr>
+          <p:nvPr>
+            <p:ph type="sldImg"/>
+          </p:nvPr>
+        </p:nvSpPr>
+        <p:spPr/>
+      </p:sp>
+      <p:sp>
+        <p:nvSpPr>
+          <p:cNvPr id="3" name="ノート プレースホルダー 2"/>
+          <p:cNvSpPr>
+            <a:spLocks noGrp="1"/>
+          </p:cNvSpPr>
+          <p:nvPr>
+            <p:ph type="body" idx="1"/>
+          </p:nvPr>
+        </p:nvSpPr>
+        <p:spPr/>
+        <p:txBody>
+          <a:bodyPr/>
+          <a:lstStyle/>
+          <a:p>
+            <a:pPr marL="0" marR="0" indent="0" algn="l" defTabSz="914400" rtl="0" eaLnBrk="1" fontAlgn="auto" latinLnBrk="0" hangingPunct="1">
+              <a:lnSpc>
+                <a:spcPct val="100000"/>
+              </a:lnSpc>
+              <a:spcBef>
+                <a:spcPts val="0"/>
+              </a:spcBef>
+              <a:spcAft>
+                <a:spcPts val="0"/>
+              </a:spcAft>
+              <a:buClrTx/>
+              <a:buSzTx/>
+              <a:buFontTx/>
+              <a:buNone/>
+              <a:tabLst/>
+              <a:defRPr/>
+            </a:pPr>
+            <a:r>
+              <a:rPr kumimoji="1" lang="en-US" altLang="ja-JP" dirty="0" smtClean="0"/>
+              <a:t>※</a:t>
+            </a:r>
+            <a:r>
+              <a:rPr kumimoji="1" lang="ja-JP" altLang="en-US" dirty="0" smtClean="0"/>
+              <a:t>スライド戻す</a:t>
+            </a:r>
+            <a:endParaRPr kumimoji="1" lang="en-US" altLang="ja-JP" dirty="0" smtClean="0"/>
+          </a:p>
+          <a:p>
+            <a:endParaRPr kumimoji="1" lang="en-US" altLang="ja-JP" dirty="0" smtClean="0"/>
+          </a:p>
+          <a:p>
+            <a:r>
+              <a:rPr kumimoji="1" lang="ja-JP" altLang="en-US" dirty="0" smtClean="0"/>
+              <a:t>ブラウザとサーバで、常に接続されたセッションを確立し、双方向からの一方的なデータの送信が可能となる。</a:t>
+            </a:r>
+          </a:p>
+          <a:p>
+            <a:r>
+              <a:rPr kumimoji="1" lang="ja-JP" altLang="en-US" dirty="0" smtClean="0"/>
+              <a:t>これを実現する仕組みが</a:t>
             </a:r>
             <a:r>
               <a:rPr kumimoji="1" lang="en-US" altLang="ja-JP" dirty="0" err="1" smtClean="0"/>
@@ -2553,7 +2659,13 @@
             </a:r>
             <a:r>
               <a:rPr kumimoji="1" lang="ja-JP" altLang="en-US" dirty="0" smtClean="0"/>
-              <a:t>を確立しているブラウザに対して、同一のゲーム画面を送信してしまいます。</a:t>
+              <a:t>です。</a:t>
+            </a:r>
+          </a:p>
+          <a:p>
+            <a:r>
+              <a:rPr kumimoji="1" lang="ja-JP" altLang="en-US" dirty="0" smtClean="0"/>
+              <a:t>これにより、サーバ側からの一方的な送信が可能になりました。</a:t>
             </a:r>
           </a:p>
           <a:p>
@@ -2562,62 +2674,7 @@
           <a:p>
             <a:r>
               <a:rPr kumimoji="1" lang="ja-JP" altLang="en-US" dirty="0" smtClean="0"/>
-              <a:t>このため、セッションの確立と同時に、ユーザを一意に特定できる文字列であるキーを組み合わせて登録し</a:t>
-            </a:r>
-          </a:p>
-          <a:p>
-            <a:r>
-              <a:rPr kumimoji="1" lang="ja-JP" altLang="en-US" dirty="0" smtClean="0"/>
-              <a:t>両者を組み合わせてサーバ内のオブジェクトを検索することで</a:t>
-            </a:r>
-          </a:p>
-          <a:p>
-            <a:r>
-              <a:rPr kumimoji="1" lang="ja-JP" altLang="en-US" dirty="0" smtClean="0"/>
-              <a:t>特定のブラウザに対して合致したゲーム画面を送信できるようになりました。</a:t>
-            </a:r>
-          </a:p>
-          <a:p>
-            <a:endParaRPr kumimoji="1" lang="ja-JP" altLang="en-US" dirty="0" smtClean="0"/>
-          </a:p>
-          <a:p>
-            <a:r>
-              <a:rPr kumimoji="1" lang="ja-JP" altLang="en-US" dirty="0" smtClean="0"/>
-              <a:t>これを実現できたことにより、２つの機能が実現できました。</a:t>
-            </a:r>
-          </a:p>
-          <a:p>
-            <a:r>
-              <a:rPr kumimoji="1" lang="ja-JP" altLang="en-US" dirty="0" smtClean="0"/>
-              <a:t>ひとつめは、対戦を希望するユーザ同士で自動的にマッチングし、ゲーム画面に同時に移動させること。</a:t>
-            </a:r>
-          </a:p>
-          <a:p>
-            <a:r>
-              <a:rPr kumimoji="1" lang="ja-JP" altLang="en-US" dirty="0" smtClean="0"/>
-              <a:t>ふたつ</a:t>
-            </a:r>
-            <a:r>
-              <a:rPr kumimoji="1" lang="ja-JP" altLang="en-US" dirty="0" err="1" smtClean="0"/>
-              <a:t>めは</a:t>
-            </a:r>
-            <a:r>
-              <a:rPr kumimoji="1" lang="ja-JP" altLang="en-US" dirty="0" smtClean="0"/>
-              <a:t>、ユーザがパネルを選択したと同時に、両者のゲーム画面が、しかるべき内容で更新されること。</a:t>
-            </a:r>
-          </a:p>
-          <a:p>
-            <a:r>
-              <a:rPr kumimoji="1" lang="ja-JP" altLang="en-US" dirty="0" smtClean="0"/>
-              <a:t>みっつ</a:t>
-            </a:r>
-            <a:r>
-              <a:rPr kumimoji="1" lang="ja-JP" altLang="en-US" dirty="0" err="1" smtClean="0"/>
-              <a:t>めは</a:t>
-            </a:r>
-            <a:r>
-              <a:rPr kumimoji="1" lang="ja-JP" altLang="en-US" dirty="0" smtClean="0"/>
-              <a:t>、時間制限を過ぎたユーザであっても、両者のゲーム画面が、しかるべき内容で更新されること。</a:t>
+              <a:t>これにより、自分の発言、相手の発言、いずれのタイミングでも両者の内容が同期されます。</a:t>
             </a:r>
             <a:endParaRPr kumimoji="1" lang="ja-JP" altLang="en-US" dirty="0"/>
           </a:p>
@@ -2641,6 +2698,186 @@
             <a:fld id="{E20E91FF-FA08-4CD4-B84A-8EF6F34AF3B1}" type="slidenum">
               <a:rPr kumimoji="1" lang="ja-JP" altLang="en-US" smtClean="0"/>
               <a:t>24</a:t>
+            </a:fld>
+            <a:endParaRPr kumimoji="1" lang="ja-JP" altLang="en-US"/>
+          </a:p>
+        </p:txBody>
+      </p:sp>
+    </p:spTree>
+    <p:extLst>
+      <p:ext uri="{BB962C8B-B14F-4D97-AF65-F5344CB8AC3E}">
+        <p14:creationId xmlns:p14="http://schemas.microsoft.com/office/powerpoint/2010/main" val="3321855157"/>
+      </p:ext>
+    </p:extLst>
+  </p:cSld>
+  <p:clrMapOvr>
+    <a:masterClrMapping/>
+  </p:clrMapOvr>
+</p:notes>
+</file>
+
+<file path=ppt/notesSlides/notesSlide25.xml><?xml version="1.0" encoding="utf-8"?>
+<p:notes xmlns:a="http://schemas.openxmlformats.org/drawingml/2006/main" xmlns:r="http://schemas.openxmlformats.org/officeDocument/2006/relationships" xmlns:p="http://schemas.openxmlformats.org/presentationml/2006/main">
+  <p:cSld>
+    <p:spTree>
+      <p:nvGrpSpPr>
+        <p:cNvPr id="1" name=""/>
+        <p:cNvGrpSpPr/>
+        <p:nvPr/>
+      </p:nvGrpSpPr>
+      <p:grpSpPr>
+        <a:xfrm>
+          <a:off x="0" y="0"/>
+          <a:ext cx="0" cy="0"/>
+          <a:chOff x="0" y="0"/>
+          <a:chExt cx="0" cy="0"/>
+        </a:xfrm>
+      </p:grpSpPr>
+      <p:sp>
+        <p:nvSpPr>
+          <p:cNvPr id="2" name="スライド イメージ プレースホルダー 1"/>
+          <p:cNvSpPr>
+            <a:spLocks noGrp="1" noRot="1" noChangeAspect="1"/>
+          </p:cNvSpPr>
+          <p:nvPr>
+            <p:ph type="sldImg"/>
+          </p:nvPr>
+        </p:nvSpPr>
+        <p:spPr/>
+      </p:sp>
+      <p:sp>
+        <p:nvSpPr>
+          <p:cNvPr id="3" name="ノート プレースホルダー 2"/>
+          <p:cNvSpPr>
+            <a:spLocks noGrp="1"/>
+          </p:cNvSpPr>
+          <p:nvPr>
+            <p:ph type="body" idx="1"/>
+          </p:nvPr>
+        </p:nvSpPr>
+        <p:spPr/>
+        <p:txBody>
+          <a:bodyPr/>
+          <a:lstStyle/>
+          <a:p>
+            <a:r>
+              <a:rPr kumimoji="1" lang="ja-JP" altLang="en-US" dirty="0" smtClean="0"/>
+              <a:t>その上で、</a:t>
+            </a:r>
+            <a:r>
+              <a:rPr kumimoji="1" lang="en-US" altLang="ja-JP" dirty="0" err="1" smtClean="0"/>
+              <a:t>WebSocket</a:t>
+            </a:r>
+            <a:r>
+              <a:rPr kumimoji="1" lang="ja-JP" altLang="en-US" dirty="0" smtClean="0"/>
+              <a:t>を実装するに際して、難しい問題も生まれました。</a:t>
+            </a:r>
+          </a:p>
+          <a:p>
+            <a:r>
+              <a:rPr kumimoji="1" lang="ja-JP" altLang="en-US" dirty="0" smtClean="0"/>
+              <a:t>どのユーザが問い合わせしたのかを特定する必要がでてきました。</a:t>
+            </a:r>
+          </a:p>
+          <a:p>
+            <a:r>
+              <a:rPr kumimoji="1" lang="ja-JP" altLang="en-US" dirty="0" smtClean="0"/>
+              <a:t>これを特定しないと、すべての</a:t>
+            </a:r>
+            <a:r>
+              <a:rPr kumimoji="1" lang="en-US" altLang="ja-JP" dirty="0" err="1" smtClean="0"/>
+              <a:t>WebSocket</a:t>
+            </a:r>
+            <a:r>
+              <a:rPr kumimoji="1" lang="ja-JP" altLang="en-US" dirty="0" smtClean="0"/>
+              <a:t>を確立しているブラウザに対して、同一のゲーム画面を送信してしまいます。</a:t>
+            </a:r>
+          </a:p>
+          <a:p>
+            <a:endParaRPr kumimoji="1" lang="ja-JP" altLang="en-US" dirty="0" smtClean="0"/>
+          </a:p>
+          <a:p>
+            <a:r>
+              <a:rPr kumimoji="1" lang="ja-JP" altLang="en-US" dirty="0" smtClean="0"/>
+              <a:t>このため、セッションの確立と同時に、ユーザを一意に特定できる文字列であるキーを組み合わせて登録し</a:t>
+            </a:r>
+          </a:p>
+          <a:p>
+            <a:r>
+              <a:rPr kumimoji="1" lang="ja-JP" altLang="en-US" dirty="0" smtClean="0"/>
+              <a:t>両者を組み合わせてサーバ内のオブジェクトを検索することで</a:t>
+            </a:r>
+          </a:p>
+          <a:p>
+            <a:r>
+              <a:rPr kumimoji="1" lang="ja-JP" altLang="en-US" dirty="0" smtClean="0"/>
+              <a:t>特定のブラウザに対して合致したゲーム画面を送信できるようになりました。</a:t>
+            </a:r>
+          </a:p>
+          <a:p>
+            <a:endParaRPr kumimoji="1" lang="ja-JP" altLang="en-US" dirty="0" smtClean="0"/>
+          </a:p>
+          <a:p>
+            <a:r>
+              <a:rPr kumimoji="1" lang="ja-JP" altLang="en-US" dirty="0" smtClean="0"/>
+              <a:t>これを実現できたことにより、３つの機能が実現できました。</a:t>
+            </a:r>
+          </a:p>
+          <a:p>
+            <a:r>
+              <a:rPr kumimoji="1" lang="ja-JP" altLang="en-US" dirty="0" smtClean="0"/>
+              <a:t>ひとつめは、対戦を希望するユーザ同士で自動的にマッチングし、ゲーム画面に同時に移動させること。</a:t>
+            </a:r>
+          </a:p>
+          <a:p>
+            <a:r>
+              <a:rPr kumimoji="1" lang="ja-JP" altLang="en-US" dirty="0" smtClean="0"/>
+              <a:t>ふたつ</a:t>
+            </a:r>
+            <a:r>
+              <a:rPr kumimoji="1" lang="ja-JP" altLang="en-US" dirty="0" err="1" smtClean="0"/>
+              <a:t>めは</a:t>
+            </a:r>
+            <a:r>
+              <a:rPr kumimoji="1" lang="ja-JP" altLang="en-US" dirty="0" smtClean="0"/>
+              <a:t>、ユーザがパネルを選択したと同時に、両者のゲーム画面が、しかるべき内容で更新されること。</a:t>
+            </a:r>
+          </a:p>
+          <a:p>
+            <a:r>
+              <a:rPr kumimoji="1" lang="ja-JP" altLang="en-US" dirty="0" smtClean="0"/>
+              <a:t>みっつ</a:t>
+            </a:r>
+            <a:r>
+              <a:rPr kumimoji="1" lang="ja-JP" altLang="en-US" dirty="0" err="1" smtClean="0"/>
+              <a:t>めは</a:t>
+            </a:r>
+            <a:r>
+              <a:rPr kumimoji="1" lang="ja-JP" altLang="en-US" dirty="0" smtClean="0"/>
+              <a:t>、時間制限を過ぎたユーザであっても、両者のゲーム画面が、しかるべき内容で更新されること。</a:t>
+            </a:r>
+            <a:endParaRPr kumimoji="1" lang="ja-JP" altLang="en-US" dirty="0"/>
+          </a:p>
+        </p:txBody>
+      </p:sp>
+      <p:sp>
+        <p:nvSpPr>
+          <p:cNvPr id="4" name="スライド番号プレースホルダー 3"/>
+          <p:cNvSpPr>
+            <a:spLocks noGrp="1"/>
+          </p:cNvSpPr>
+          <p:nvPr>
+            <p:ph type="sldNum" sz="quarter" idx="10"/>
+          </p:nvPr>
+        </p:nvSpPr>
+        <p:spPr/>
+        <p:txBody>
+          <a:bodyPr/>
+          <a:lstStyle/>
+          <a:p>
+            <a:fld id="{E20E91FF-FA08-4CD4-B84A-8EF6F34AF3B1}" type="slidenum">
+              <a:rPr kumimoji="1" lang="ja-JP" altLang="en-US" smtClean="0"/>
+              <a:t>25</a:t>
             </a:fld>
             <a:endParaRPr kumimoji="1" lang="ja-JP" altLang="en-US"/>
           </a:p>
@@ -2802,7 +3039,7 @@
           <a:p>
             <a:fld id="{E20E91FF-FA08-4CD4-B84A-8EF6F34AF3B1}" type="slidenum">
               <a:rPr kumimoji="1" lang="ja-JP" altLang="en-US" smtClean="0"/>
-              <a:t>4</a:t>
+              <a:t>3</a:t>
             </a:fld>
             <a:endParaRPr kumimoji="1" lang="ja-JP" altLang="en-US"/>
           </a:p>
@@ -2969,7 +3206,7 @@
           <a:p>
             <a:fld id="{E20E91FF-FA08-4CD4-B84A-8EF6F34AF3B1}" type="slidenum">
               <a:rPr kumimoji="1" lang="ja-JP" altLang="en-US" smtClean="0"/>
-              <a:t>5</a:t>
+              <a:t>4</a:t>
             </a:fld>
             <a:endParaRPr kumimoji="1" lang="ja-JP" altLang="en-US"/>
           </a:p>
@@ -3101,7 +3338,7 @@
           <a:p>
             <a:fld id="{E20E91FF-FA08-4CD4-B84A-8EF6F34AF3B1}" type="slidenum">
               <a:rPr kumimoji="1" lang="ja-JP" altLang="en-US" smtClean="0"/>
-              <a:t>6</a:t>
+              <a:t>5</a:t>
             </a:fld>
             <a:endParaRPr kumimoji="1" lang="ja-JP" altLang="en-US"/>
           </a:p>
@@ -3166,19 +3403,21 @@
           <a:p>
             <a:r>
               <a:rPr kumimoji="1" lang="ja-JP" altLang="en-US" dirty="0" smtClean="0"/>
-              <a:t>例えばチャットなどを想像してください。</a:t>
-            </a:r>
-          </a:p>
-          <a:p>
-            <a:r>
-              <a:rPr kumimoji="1" lang="ja-JP" altLang="en-US" dirty="0" smtClean="0"/>
-              <a:t>サーバとブラウザの内容を同一にしたい場合、通常であれば、その都度更新を行って内容を取得する必要があります。</a:t>
-            </a:r>
-          </a:p>
-          <a:p>
-            <a:r>
-              <a:rPr kumimoji="1" lang="ja-JP" altLang="en-US" dirty="0" smtClean="0"/>
-              <a:t>ブラウザから一定周期で更新を行い、サーバからデータを取得するような実装を、「ポーリング」と言います。</a:t>
+              <a:t>ゲームを設計するノウハウが通常と全く異なる事は、ゲームデザインの担当者を一人定めたことで解決しました。</a:t>
+            </a:r>
+          </a:p>
+          <a:p>
+            <a:r>
+              <a:rPr kumimoji="1" lang="ja-JP" altLang="en-US" dirty="0" smtClean="0"/>
+              <a:t>担当者が中長期的なプランを持ったことで、ルールや</a:t>
+            </a:r>
+            <a:r>
+              <a:rPr kumimoji="1" lang="en-US" altLang="ja-JP" dirty="0" smtClean="0"/>
+              <a:t>UI</a:t>
+            </a:r>
+            <a:r>
+              <a:rPr kumimoji="1" lang="ja-JP" altLang="en-US" dirty="0" smtClean="0"/>
+              <a:t>の問題などをスムーズに消化できました。</a:t>
             </a:r>
           </a:p>
           <a:p>
@@ -3187,7 +3426,13 @@
           <a:p>
             <a:r>
               <a:rPr kumimoji="1" lang="ja-JP" altLang="en-US" dirty="0" smtClean="0"/>
-              <a:t>このポーリングは、対戦相手と画面が同期できない問題を抱えていました。</a:t>
+              <a:t>ゲームとして面白くないことは、新機能として「ユーザによるパネル登録機能」を追加することで解決しました。</a:t>
+            </a:r>
+          </a:p>
+          <a:p>
+            <a:r>
+              <a:rPr kumimoji="1" lang="ja-JP" altLang="en-US" dirty="0" smtClean="0"/>
+              <a:t>ユーザが自由に設定したパネルが対戦中に登場することで、混沌としたゲーム性が生まれました。</a:t>
             </a:r>
           </a:p>
           <a:p>
@@ -3196,7 +3441,13 @@
           <a:p>
             <a:r>
               <a:rPr kumimoji="1" lang="ja-JP" altLang="en-US" dirty="0" smtClean="0"/>
-              <a:t>チャットであれば、相手も自分も発言なしに画面が更新されて、ネットワークに結構な負荷がかかります。</a:t>
+              <a:t>更新が必要でインタラクティブでない問題は、「サーバ・ブラウザ間での非同期通信」を用いて解決しました。</a:t>
+            </a:r>
+          </a:p>
+          <a:p>
+            <a:r>
+              <a:rPr kumimoji="1" lang="ja-JP" altLang="en-US" dirty="0" smtClean="0"/>
+              <a:t>次のスライドから詳細を解説していきます。</a:t>
             </a:r>
             <a:endParaRPr kumimoji="1" lang="ja-JP" altLang="en-US" dirty="0"/>
           </a:p>
@@ -3219,7 +3470,7 @@
           <a:p>
             <a:fld id="{E20E91FF-FA08-4CD4-B84A-8EF6F34AF3B1}" type="slidenum">
               <a:rPr kumimoji="1" lang="ja-JP" altLang="en-US" smtClean="0"/>
-              <a:t>7</a:t>
+              <a:t>6</a:t>
             </a:fld>
             <a:endParaRPr kumimoji="1" lang="ja-JP" altLang="en-US"/>
           </a:p>
@@ -3228,7 +3479,7 @@
     </p:spTree>
     <p:extLst>
       <p:ext uri="{BB962C8B-B14F-4D97-AF65-F5344CB8AC3E}">
-        <p14:creationId xmlns:p14="http://schemas.microsoft.com/office/powerpoint/2010/main" val="1579071644"/>
+        <p14:creationId xmlns:p14="http://schemas.microsoft.com/office/powerpoint/2010/main" val="2739206868"/>
       </p:ext>
     </p:extLst>
   </p:cSld>
@@ -3284,19 +3535,21 @@
           <a:p>
             <a:r>
               <a:rPr kumimoji="1" lang="ja-JP" altLang="en-US" dirty="0" smtClean="0"/>
-              <a:t>例えばチャットなどを想像してください。</a:t>
-            </a:r>
-          </a:p>
-          <a:p>
-            <a:r>
-              <a:rPr kumimoji="1" lang="ja-JP" altLang="en-US" dirty="0" smtClean="0"/>
-              <a:t>サーバとブラウザの内容を同一にしたい場合、通常であれば、その都度更新を行って内容を取得する必要があります。</a:t>
-            </a:r>
-          </a:p>
-          <a:p>
-            <a:r>
-              <a:rPr kumimoji="1" lang="ja-JP" altLang="en-US" dirty="0" smtClean="0"/>
-              <a:t>ブラウザから一定周期で更新を行い、サーバからデータを取得するような実装を、「ポーリング」と言います。</a:t>
+              <a:t>ゲームを設計するノウハウが通常と全く異なる事は、ゲームデザインの担当者を一人定めたことで解決しました。</a:t>
+            </a:r>
+          </a:p>
+          <a:p>
+            <a:r>
+              <a:rPr kumimoji="1" lang="ja-JP" altLang="en-US" dirty="0" smtClean="0"/>
+              <a:t>担当者が中長期的なプランを持ったことで、ルールや</a:t>
+            </a:r>
+            <a:r>
+              <a:rPr kumimoji="1" lang="en-US" altLang="ja-JP" dirty="0" smtClean="0"/>
+              <a:t>UI</a:t>
+            </a:r>
+            <a:r>
+              <a:rPr kumimoji="1" lang="ja-JP" altLang="en-US" dirty="0" smtClean="0"/>
+              <a:t>の問題などをスムーズに消化できました。</a:t>
             </a:r>
           </a:p>
           <a:p>
@@ -3305,7 +3558,13 @@
           <a:p>
             <a:r>
               <a:rPr kumimoji="1" lang="ja-JP" altLang="en-US" dirty="0" smtClean="0"/>
-              <a:t>このポーリングは、対戦相手と画面が同期できない問題を抱えていました。</a:t>
+              <a:t>ゲームとして面白くないことは、新機能として「ユーザによるパネル登録機能」を追加することで解決しました。</a:t>
+            </a:r>
+          </a:p>
+          <a:p>
+            <a:r>
+              <a:rPr kumimoji="1" lang="ja-JP" altLang="en-US" dirty="0" smtClean="0"/>
+              <a:t>ユーザが自由に設定したパネルが対戦中に登場することで、混沌としたゲーム性が生まれました。</a:t>
             </a:r>
           </a:p>
           <a:p>
@@ -3314,7 +3573,13 @@
           <a:p>
             <a:r>
               <a:rPr kumimoji="1" lang="ja-JP" altLang="en-US" dirty="0" smtClean="0"/>
-              <a:t>チャットであれば、相手も自分も発言なしに画面が更新されて、ネットワークに結構な負荷がかかります。</a:t>
+              <a:t>更新が必要でインタラクティブでない問題は、「サーバ・ブラウザ間での非同期通信」を用いて解決しました。</a:t>
+            </a:r>
+          </a:p>
+          <a:p>
+            <a:r>
+              <a:rPr kumimoji="1" lang="ja-JP" altLang="en-US" dirty="0" smtClean="0"/>
+              <a:t>次のスライドから詳細を解説していきます。</a:t>
             </a:r>
             <a:endParaRPr kumimoji="1" lang="ja-JP" altLang="en-US" dirty="0"/>
           </a:p>
@@ -3337,7 +3602,7 @@
           <a:p>
             <a:fld id="{E20E91FF-FA08-4CD4-B84A-8EF6F34AF3B1}" type="slidenum">
               <a:rPr kumimoji="1" lang="ja-JP" altLang="en-US" smtClean="0"/>
-              <a:t>8</a:t>
+              <a:t>7</a:t>
             </a:fld>
             <a:endParaRPr kumimoji="1" lang="ja-JP" altLang="en-US"/>
           </a:p>
@@ -3346,7 +3611,7 @@
     </p:spTree>
     <p:extLst>
       <p:ext uri="{BB962C8B-B14F-4D97-AF65-F5344CB8AC3E}">
-        <p14:creationId xmlns:p14="http://schemas.microsoft.com/office/powerpoint/2010/main" val="262739468"/>
+        <p14:creationId xmlns:p14="http://schemas.microsoft.com/office/powerpoint/2010/main" val="400121281"/>
       </p:ext>
     </p:extLst>
   </p:cSld>
@@ -3455,7 +3720,7 @@
           <a:p>
             <a:fld id="{E20E91FF-FA08-4CD4-B84A-8EF6F34AF3B1}" type="slidenum">
               <a:rPr kumimoji="1" lang="ja-JP" altLang="en-US" smtClean="0"/>
-              <a:t>9</a:t>
+              <a:t>8</a:t>
             </a:fld>
             <a:endParaRPr kumimoji="1" lang="ja-JP" altLang="en-US"/>
           </a:p>
@@ -3464,7 +3729,7 @@
     </p:spTree>
     <p:extLst>
       <p:ext uri="{BB962C8B-B14F-4D97-AF65-F5344CB8AC3E}">
-        <p14:creationId xmlns:p14="http://schemas.microsoft.com/office/powerpoint/2010/main" val="2738671247"/>
+        <p14:creationId xmlns:p14="http://schemas.microsoft.com/office/powerpoint/2010/main" val="1579071644"/>
       </p:ext>
     </p:extLst>
   </p:cSld>
@@ -3573,7 +3838,7 @@
           <a:p>
             <a:fld id="{E20E91FF-FA08-4CD4-B84A-8EF6F34AF3B1}" type="slidenum">
               <a:rPr kumimoji="1" lang="ja-JP" altLang="en-US" smtClean="0"/>
-              <a:t>10</a:t>
+              <a:t>9</a:t>
             </a:fld>
             <a:endParaRPr kumimoji="1" lang="ja-JP" altLang="en-US"/>
           </a:p>
@@ -3582,7 +3847,7 @@
     </p:spTree>
     <p:extLst>
       <p:ext uri="{BB962C8B-B14F-4D97-AF65-F5344CB8AC3E}">
-        <p14:creationId xmlns:p14="http://schemas.microsoft.com/office/powerpoint/2010/main" val="1883128109"/>
+        <p14:creationId xmlns:p14="http://schemas.microsoft.com/office/powerpoint/2010/main" val="262739468"/>
       </p:ext>
     </p:extLst>
   </p:cSld>
@@ -3815,7 +4080,7 @@
             <a:fld id="{5586B75A-687E-405C-8A0B-8D00578BA2C3}" type="datetimeFigureOut">
               <a:rPr lang="en-US" dirty="0"/>
               <a:pPr/>
-              <a:t>12/22/2017</a:t>
+              <a:t>12/25/2017</a:t>
             </a:fld>
             <a:endParaRPr lang="en-US" dirty="0"/>
           </a:p>
@@ -4021,7 +4286,7 @@
             <a:fld id="{5586B75A-687E-405C-8A0B-8D00578BA2C3}" type="datetimeFigureOut">
               <a:rPr lang="en-US" dirty="0"/>
               <a:pPr/>
-              <a:t>12/22/2017</a:t>
+              <a:t>12/25/2017</a:t>
             </a:fld>
             <a:endParaRPr lang="en-US" dirty="0"/>
           </a:p>
@@ -4237,7 +4502,7 @@
             <a:fld id="{5586B75A-687E-405C-8A0B-8D00578BA2C3}" type="datetimeFigureOut">
               <a:rPr lang="en-US" dirty="0"/>
               <a:pPr/>
-              <a:t>12/22/2017</a:t>
+              <a:t>12/25/2017</a:t>
             </a:fld>
             <a:endParaRPr lang="en-US" dirty="0"/>
           </a:p>
@@ -4499,7 +4764,7 @@
             <a:fld id="{5586B75A-687E-405C-8A0B-8D00578BA2C3}" type="datetimeFigureOut">
               <a:rPr lang="en-US" dirty="0"/>
               <a:pPr/>
-              <a:t>12/22/2017</a:t>
+              <a:t>12/25/2017</a:t>
             </a:fld>
             <a:endParaRPr lang="en-US" dirty="0"/>
           </a:p>
@@ -4766,7 +5031,7 @@
             <a:fld id="{5586B75A-687E-405C-8A0B-8D00578BA2C3}" type="datetimeFigureOut">
               <a:rPr lang="en-US" dirty="0"/>
               <a:pPr/>
-              <a:t>12/22/2017</a:t>
+              <a:t>12/25/2017</a:t>
             </a:fld>
             <a:endParaRPr lang="en-US" dirty="0"/>
           </a:p>
@@ -5122,7 +5387,7 @@
             <a:fld id="{5586B75A-687E-405C-8A0B-8D00578BA2C3}" type="datetimeFigureOut">
               <a:rPr lang="en-US" dirty="0"/>
               <a:pPr/>
-              <a:t>12/22/2017</a:t>
+              <a:t>12/25/2017</a:t>
             </a:fld>
             <a:endParaRPr lang="en-US" dirty="0"/>
           </a:p>
@@ -5632,7 +5897,7 @@
             <a:fld id="{5586B75A-687E-405C-8A0B-8D00578BA2C3}" type="datetimeFigureOut">
               <a:rPr lang="en-US" dirty="0"/>
               <a:pPr/>
-              <a:t>12/22/2017</a:t>
+              <a:t>12/25/2017</a:t>
             </a:fld>
             <a:endParaRPr lang="en-US" dirty="0"/>
           </a:p>
@@ -5754,7 +6019,7 @@
             <a:fld id="{5586B75A-687E-405C-8A0B-8D00578BA2C3}" type="datetimeFigureOut">
               <a:rPr lang="en-US" dirty="0"/>
               <a:pPr/>
-              <a:t>12/22/2017</a:t>
+              <a:t>12/25/2017</a:t>
             </a:fld>
             <a:endParaRPr lang="en-US" dirty="0"/>
           </a:p>
@@ -5853,7 +6118,7 @@
             <a:fld id="{5586B75A-687E-405C-8A0B-8D00578BA2C3}" type="datetimeFigureOut">
               <a:rPr lang="en-US" dirty="0"/>
               <a:pPr/>
-              <a:t>12/22/2017</a:t>
+              <a:t>12/25/2017</a:t>
             </a:fld>
             <a:endParaRPr lang="en-US" dirty="0"/>
           </a:p>
@@ -6177,7 +6442,7 @@
             <a:fld id="{5586B75A-687E-405C-8A0B-8D00578BA2C3}" type="datetimeFigureOut">
               <a:rPr lang="en-US" dirty="0"/>
               <a:pPr/>
-              <a:t>12/22/2017</a:t>
+              <a:t>12/25/2017</a:t>
             </a:fld>
             <a:endParaRPr lang="en-US" dirty="0"/>
           </a:p>
@@ -6454,7 +6719,7 @@
             <a:fld id="{5586B75A-687E-405C-8A0B-8D00578BA2C3}" type="datetimeFigureOut">
               <a:rPr lang="en-US" dirty="0"/>
               <a:pPr/>
-              <a:t>12/22/2017</a:t>
+              <a:t>12/25/2017</a:t>
             </a:fld>
             <a:endParaRPr lang="en-US" dirty="0"/>
           </a:p>
@@ -6787,7 +7052,7 @@
             <a:fld id="{5586B75A-687E-405C-8A0B-8D00578BA2C3}" type="datetimeFigureOut">
               <a:rPr lang="en-US" dirty="0"/>
               <a:pPr/>
-              <a:t>12/22/2017</a:t>
+              <a:t>12/25/2017</a:t>
             </a:fld>
             <a:endParaRPr lang="en-US" dirty="0"/>
           </a:p>
@@ -7259,6 +7524,19 @@
 <file path=ppt/slides/slide1.xml><?xml version="1.0" encoding="utf-8"?>
 <p:sld xmlns:a="http://schemas.openxmlformats.org/drawingml/2006/main" xmlns:r="http://schemas.openxmlformats.org/officeDocument/2006/relationships" xmlns:p="http://schemas.openxmlformats.org/presentationml/2006/main">
   <p:cSld>
+    <p:bg>
+      <p:bgPr>
+        <a:pattFill prst="dotGrid">
+          <a:fgClr>
+            <a:schemeClr val="accent1"/>
+          </a:fgClr>
+          <a:bgClr>
+            <a:schemeClr val="bg1"/>
+          </a:bgClr>
+        </a:pattFill>
+        <a:effectLst/>
+      </p:bgPr>
+    </p:bg>
     <p:spTree>
       <p:nvGrpSpPr>
         <p:cNvPr id="1" name=""/>
@@ -7430,9 +7708,83 @@
           </a:p>
         </p:txBody>
       </p:sp>
+      <p:sp>
+        <p:nvSpPr>
+          <p:cNvPr id="4" name="テキスト ボックス 3"/>
+          <p:cNvSpPr txBox="1"/>
+          <p:nvPr/>
+        </p:nvSpPr>
+        <p:spPr>
+          <a:xfrm>
+            <a:off x="3869268" y="6273800"/>
+            <a:ext cx="2660726" cy="461665"/>
+          </a:xfrm>
+          <a:prstGeom prst="rect">
+            <a:avLst/>
+          </a:prstGeom>
+          <a:noFill/>
+        </p:spPr>
+        <p:txBody>
+          <a:bodyPr wrap="square" rtlCol="0">
+            <a:spAutoFit/>
+          </a:bodyPr>
+          <a:lstStyle/>
+          <a:p>
+            <a:pPr algn="ctr"/>
+            <a:r>
+              <a:rPr kumimoji="1" lang="ja-JP" altLang="en-US" sz="2400" dirty="0" smtClean="0">
+                <a:latin typeface="HG創英角ﾎﾟｯﾌﾟ体" panose="040B0A09000000000000" pitchFamily="49" charset="-128"/>
+                <a:ea typeface="HG創英角ﾎﾟｯﾌﾟ体" panose="040B0A09000000000000" pitchFamily="49" charset="-128"/>
+              </a:rPr>
+              <a:t>クライアント</a:t>
+            </a:r>
+            <a:endParaRPr kumimoji="1" lang="ja-JP" altLang="en-US" sz="2400" dirty="0">
+              <a:latin typeface="HG創英角ﾎﾟｯﾌﾟ体" panose="040B0A09000000000000" pitchFamily="49" charset="-128"/>
+              <a:ea typeface="HG創英角ﾎﾟｯﾌﾟ体" panose="040B0A09000000000000" pitchFamily="49" charset="-128"/>
+            </a:endParaRPr>
+          </a:p>
+        </p:txBody>
+      </p:sp>
+      <p:sp>
+        <p:nvSpPr>
+          <p:cNvPr id="7" name="テキスト ボックス 6"/>
+          <p:cNvSpPr txBox="1"/>
+          <p:nvPr/>
+        </p:nvSpPr>
+        <p:spPr>
+          <a:xfrm>
+            <a:off x="8784168" y="6273800"/>
+            <a:ext cx="2498224" cy="461665"/>
+          </a:xfrm>
+          <a:prstGeom prst="rect">
+            <a:avLst/>
+          </a:prstGeom>
+          <a:noFill/>
+        </p:spPr>
+        <p:txBody>
+          <a:bodyPr wrap="square" rtlCol="0">
+            <a:spAutoFit/>
+          </a:bodyPr>
+          <a:lstStyle/>
+          <a:p>
+            <a:pPr algn="ctr"/>
+            <a:r>
+              <a:rPr kumimoji="1" lang="ja-JP" altLang="en-US" sz="2400" dirty="0" smtClean="0">
+                <a:latin typeface="HG創英角ﾎﾟｯﾌﾟ体" panose="040B0A09000000000000" pitchFamily="49" charset="-128"/>
+                <a:ea typeface="HG創英角ﾎﾟｯﾌﾟ体" panose="040B0A09000000000000" pitchFamily="49" charset="-128"/>
+              </a:rPr>
+              <a:t>サーバ</a:t>
+            </a:r>
+            <a:endParaRPr kumimoji="1" lang="ja-JP" altLang="en-US" sz="2400" dirty="0">
+              <a:latin typeface="HG創英角ﾎﾟｯﾌﾟ体" panose="040B0A09000000000000" pitchFamily="49" charset="-128"/>
+              <a:ea typeface="HG創英角ﾎﾟｯﾌﾟ体" panose="040B0A09000000000000" pitchFamily="49" charset="-128"/>
+            </a:endParaRPr>
+          </a:p>
+        </p:txBody>
+      </p:sp>
       <p:pic>
         <p:nvPicPr>
-          <p:cNvPr id="2" name="図 1"/>
+          <p:cNvPr id="5" name="図 4"/>
           <p:cNvPicPr>
             <a:picLocks noChangeAspect="1"/>
           </p:cNvPicPr>
@@ -7452,91 +7804,17 @@
         </p:blipFill>
         <p:spPr>
           <a:xfrm>
-            <a:off x="8784168" y="2793248"/>
-            <a:ext cx="2498224" cy="3366251"/>
+            <a:off x="7804319" y="2681426"/>
+            <a:ext cx="3478073" cy="3478073"/>
           </a:xfrm>
           <a:prstGeom prst="rect">
             <a:avLst/>
           </a:prstGeom>
         </p:spPr>
       </p:pic>
-      <p:sp>
-        <p:nvSpPr>
-          <p:cNvPr id="4" name="テキスト ボックス 3"/>
-          <p:cNvSpPr txBox="1"/>
-          <p:nvPr/>
-        </p:nvSpPr>
-        <p:spPr>
-          <a:xfrm>
-            <a:off x="3869268" y="6273800"/>
-            <a:ext cx="2660726" cy="461665"/>
-          </a:xfrm>
-          <a:prstGeom prst="rect">
-            <a:avLst/>
-          </a:prstGeom>
-          <a:noFill/>
-        </p:spPr>
-        <p:txBody>
-          <a:bodyPr wrap="square" rtlCol="0">
-            <a:spAutoFit/>
-          </a:bodyPr>
-          <a:lstStyle/>
-          <a:p>
-            <a:pPr algn="ctr"/>
-            <a:r>
-              <a:rPr kumimoji="1" lang="ja-JP" altLang="en-US" sz="2400" dirty="0" smtClean="0">
-                <a:latin typeface="HG創英角ﾎﾟｯﾌﾟ体" panose="040B0A09000000000000" pitchFamily="49" charset="-128"/>
-                <a:ea typeface="HG創英角ﾎﾟｯﾌﾟ体" panose="040B0A09000000000000" pitchFamily="49" charset="-128"/>
-              </a:rPr>
-              <a:t>クライアント</a:t>
-            </a:r>
-            <a:endParaRPr kumimoji="1" lang="ja-JP" altLang="en-US" sz="2400" dirty="0">
-              <a:latin typeface="HG創英角ﾎﾟｯﾌﾟ体" panose="040B0A09000000000000" pitchFamily="49" charset="-128"/>
-              <a:ea typeface="HG創英角ﾎﾟｯﾌﾟ体" panose="040B0A09000000000000" pitchFamily="49" charset="-128"/>
-            </a:endParaRPr>
-          </a:p>
-        </p:txBody>
-      </p:sp>
-      <p:sp>
-        <p:nvSpPr>
-          <p:cNvPr id="7" name="テキスト ボックス 6"/>
-          <p:cNvSpPr txBox="1"/>
-          <p:nvPr/>
-        </p:nvSpPr>
-        <p:spPr>
-          <a:xfrm>
-            <a:off x="8784168" y="6273800"/>
-            <a:ext cx="2498224" cy="461665"/>
-          </a:xfrm>
-          <a:prstGeom prst="rect">
-            <a:avLst/>
-          </a:prstGeom>
-          <a:noFill/>
-        </p:spPr>
-        <p:txBody>
-          <a:bodyPr wrap="square" rtlCol="0">
-            <a:spAutoFit/>
-          </a:bodyPr>
-          <a:lstStyle/>
-          <a:p>
-            <a:pPr algn="ctr"/>
-            <a:r>
-              <a:rPr kumimoji="1" lang="ja-JP" altLang="en-US" sz="2400" dirty="0" smtClean="0">
-                <a:latin typeface="HG創英角ﾎﾟｯﾌﾟ体" panose="040B0A09000000000000" pitchFamily="49" charset="-128"/>
-                <a:ea typeface="HG創英角ﾎﾟｯﾌﾟ体" panose="040B0A09000000000000" pitchFamily="49" charset="-128"/>
-              </a:rPr>
-              <a:t>サーバ</a:t>
-            </a:r>
-            <a:endParaRPr kumimoji="1" lang="ja-JP" altLang="en-US" sz="2400" dirty="0">
-              <a:latin typeface="HG創英角ﾎﾟｯﾌﾟ体" panose="040B0A09000000000000" pitchFamily="49" charset="-128"/>
-              <a:ea typeface="HG創英角ﾎﾟｯﾌﾟ体" panose="040B0A09000000000000" pitchFamily="49" charset="-128"/>
-            </a:endParaRPr>
-          </a:p>
-        </p:txBody>
-      </p:sp>
       <p:pic>
         <p:nvPicPr>
-          <p:cNvPr id="5" name="図 4"/>
+          <p:cNvPr id="6" name="図 5"/>
           <p:cNvPicPr>
             <a:picLocks noChangeAspect="1"/>
           </p:cNvPicPr>
@@ -7556,38 +7834,8 @@
         </p:blipFill>
         <p:spPr>
           <a:xfrm>
-            <a:off x="3869268" y="2679032"/>
-            <a:ext cx="2662557" cy="3480467"/>
-          </a:xfrm>
-          <a:prstGeom prst="rect">
-            <a:avLst/>
-          </a:prstGeom>
-        </p:spPr>
-      </p:pic>
-      <p:pic>
-        <p:nvPicPr>
-          <p:cNvPr id="8" name="図 7"/>
-          <p:cNvPicPr>
-            <a:picLocks noChangeAspect="1"/>
-          </p:cNvPicPr>
-          <p:nvPr/>
-        </p:nvPicPr>
-        <p:blipFill>
-          <a:blip r:embed="rId5">
-            <a:extLst>
-              <a:ext uri="{28A0092B-C50C-407E-A947-70E740481C1C}">
-                <a14:useLocalDpi xmlns:a14="http://schemas.microsoft.com/office/drawing/2010/main" val="0"/>
-              </a:ext>
-            </a:extLst>
-          </a:blip>
-          <a:stretch>
-            <a:fillRect/>
-          </a:stretch>
-        </p:blipFill>
-        <p:spPr>
-          <a:xfrm>
             <a:off x="3869268" y="2681425"/>
-            <a:ext cx="2660726" cy="3478073"/>
+            <a:ext cx="2660726" cy="3478074"/>
           </a:xfrm>
           <a:prstGeom prst="rect">
             <a:avLst/>
@@ -7597,7 +7845,7 @@
     </p:spTree>
     <p:extLst>
       <p:ext uri="{BB962C8B-B14F-4D97-AF65-F5344CB8AC3E}">
-        <p14:creationId xmlns:p14="http://schemas.microsoft.com/office/powerpoint/2010/main" val="3557476617"/>
+        <p14:creationId xmlns:p14="http://schemas.microsoft.com/office/powerpoint/2010/main" val="89620117"/>
       </p:ext>
     </p:extLst>
   </p:cSld>
@@ -7690,7 +7938,7 @@
       </p:sp>
       <p:pic>
         <p:nvPicPr>
-          <p:cNvPr id="3" name="図 2"/>
+          <p:cNvPr id="2" name="図 1"/>
           <p:cNvPicPr>
             <a:picLocks noChangeAspect="1"/>
           </p:cNvPicPr>
@@ -7710,8 +7958,8 @@
         </p:blipFill>
         <p:spPr>
           <a:xfrm>
-            <a:off x="3869268" y="2681426"/>
-            <a:ext cx="2660726" cy="3478073"/>
+            <a:off x="8784168" y="2793248"/>
+            <a:ext cx="2498224" cy="3366251"/>
           </a:xfrm>
           <a:prstGeom prst="rect">
             <a:avLst/>
@@ -7814,8 +8062,8 @@
         </p:blipFill>
         <p:spPr>
           <a:xfrm>
-            <a:off x="7804319" y="2681426"/>
-            <a:ext cx="3478073" cy="3478073"/>
+            <a:off x="3869268" y="2679032"/>
+            <a:ext cx="2662557" cy="3480467"/>
           </a:xfrm>
           <a:prstGeom prst="rect">
             <a:avLst/>
@@ -7852,40 +8100,10 @@
           </a:prstGeom>
         </p:spPr>
       </p:pic>
-      <p:pic>
-        <p:nvPicPr>
-          <p:cNvPr id="9" name="図 8"/>
-          <p:cNvPicPr>
-            <a:picLocks noChangeAspect="1"/>
-          </p:cNvPicPr>
-          <p:nvPr/>
-        </p:nvPicPr>
-        <p:blipFill>
-          <a:blip r:embed="rId6">
-            <a:extLst>
-              <a:ext uri="{28A0092B-C50C-407E-A947-70E740481C1C}">
-                <a14:useLocalDpi xmlns:a14="http://schemas.microsoft.com/office/drawing/2010/main" val="0"/>
-              </a:ext>
-            </a:extLst>
-          </a:blip>
-          <a:stretch>
-            <a:fillRect/>
-          </a:stretch>
-        </p:blipFill>
-        <p:spPr>
-          <a:xfrm>
-            <a:off x="3869268" y="2681425"/>
-            <a:ext cx="2660726" cy="3478074"/>
-          </a:xfrm>
-          <a:prstGeom prst="rect">
-            <a:avLst/>
-          </a:prstGeom>
-        </p:spPr>
-      </p:pic>
     </p:spTree>
     <p:extLst>
       <p:ext uri="{BB962C8B-B14F-4D97-AF65-F5344CB8AC3E}">
-        <p14:creationId xmlns:p14="http://schemas.microsoft.com/office/powerpoint/2010/main" val="549256035"/>
+        <p14:creationId xmlns:p14="http://schemas.microsoft.com/office/powerpoint/2010/main" val="3557476617"/>
       </p:ext>
     </p:extLst>
   </p:cSld>
@@ -7978,7 +8196,7 @@
       </p:sp>
       <p:pic>
         <p:nvPicPr>
-          <p:cNvPr id="2" name="図 1"/>
+          <p:cNvPr id="3" name="図 2"/>
           <p:cNvPicPr>
             <a:picLocks noChangeAspect="1"/>
           </p:cNvPicPr>
@@ -7998,8 +8216,8 @@
         </p:blipFill>
         <p:spPr>
           <a:xfrm>
-            <a:off x="8784168" y="2793248"/>
-            <a:ext cx="2498224" cy="3366251"/>
+            <a:off x="3869268" y="2681426"/>
+            <a:ext cx="2660726" cy="3478073"/>
           </a:xfrm>
           <a:prstGeom prst="rect">
             <a:avLst/>
@@ -8102,8 +8320,8 @@
         </p:blipFill>
         <p:spPr>
           <a:xfrm>
-            <a:off x="3869268" y="2679032"/>
-            <a:ext cx="2662557" cy="3480467"/>
+            <a:off x="7804319" y="2681426"/>
+            <a:ext cx="3478073" cy="3478073"/>
           </a:xfrm>
           <a:prstGeom prst="rect">
             <a:avLst/>
@@ -8140,10 +8358,40 @@
           </a:prstGeom>
         </p:spPr>
       </p:pic>
+      <p:pic>
+        <p:nvPicPr>
+          <p:cNvPr id="9" name="図 8"/>
+          <p:cNvPicPr>
+            <a:picLocks noChangeAspect="1"/>
+          </p:cNvPicPr>
+          <p:nvPr/>
+        </p:nvPicPr>
+        <p:blipFill>
+          <a:blip r:embed="rId6">
+            <a:extLst>
+              <a:ext uri="{28A0092B-C50C-407E-A947-70E740481C1C}">
+                <a14:useLocalDpi xmlns:a14="http://schemas.microsoft.com/office/drawing/2010/main" val="0"/>
+              </a:ext>
+            </a:extLst>
+          </a:blip>
+          <a:stretch>
+            <a:fillRect/>
+          </a:stretch>
+        </p:blipFill>
+        <p:spPr>
+          <a:xfrm>
+            <a:off x="3869268" y="2681425"/>
+            <a:ext cx="2660726" cy="3478074"/>
+          </a:xfrm>
+          <a:prstGeom prst="rect">
+            <a:avLst/>
+          </a:prstGeom>
+        </p:spPr>
+      </p:pic>
     </p:spTree>
     <p:extLst>
       <p:ext uri="{BB962C8B-B14F-4D97-AF65-F5344CB8AC3E}">
-        <p14:creationId xmlns:p14="http://schemas.microsoft.com/office/powerpoint/2010/main" val="1956919146"/>
+        <p14:creationId xmlns:p14="http://schemas.microsoft.com/office/powerpoint/2010/main" val="549256035"/>
       </p:ext>
     </p:extLst>
   </p:cSld>
@@ -8236,7 +8484,7 @@
       </p:sp>
       <p:pic>
         <p:nvPicPr>
-          <p:cNvPr id="3" name="図 2"/>
+          <p:cNvPr id="2" name="図 1"/>
           <p:cNvPicPr>
             <a:picLocks noChangeAspect="1"/>
           </p:cNvPicPr>
@@ -8256,8 +8504,8 @@
         </p:blipFill>
         <p:spPr>
           <a:xfrm>
-            <a:off x="3869268" y="2681426"/>
-            <a:ext cx="2660726" cy="3478073"/>
+            <a:off x="8784168" y="2793248"/>
+            <a:ext cx="2498224" cy="3366251"/>
           </a:xfrm>
           <a:prstGeom prst="rect">
             <a:avLst/>
@@ -8360,8 +8608,8 @@
         </p:blipFill>
         <p:spPr>
           <a:xfrm>
-            <a:off x="7804319" y="2681426"/>
-            <a:ext cx="3478073" cy="3478073"/>
+            <a:off x="3869268" y="2679032"/>
+            <a:ext cx="2662557" cy="3480467"/>
           </a:xfrm>
           <a:prstGeom prst="rect">
             <a:avLst/>
@@ -8391,7 +8639,7 @@
         <p:spPr>
           <a:xfrm>
             <a:off x="3869268" y="2681425"/>
-            <a:ext cx="2660726" cy="3478074"/>
+            <a:ext cx="2660726" cy="3478073"/>
           </a:xfrm>
           <a:prstGeom prst="rect">
             <a:avLst/>
@@ -8401,7 +8649,7 @@
     </p:spTree>
     <p:extLst>
       <p:ext uri="{BB962C8B-B14F-4D97-AF65-F5344CB8AC3E}">
-        <p14:creationId xmlns:p14="http://schemas.microsoft.com/office/powerpoint/2010/main" val="2416671090"/>
+        <p14:creationId xmlns:p14="http://schemas.microsoft.com/office/powerpoint/2010/main" val="1956919146"/>
       </p:ext>
     </p:extLst>
   </p:cSld>
@@ -8494,7 +8742,7 @@
       </p:sp>
       <p:pic>
         <p:nvPicPr>
-          <p:cNvPr id="2" name="図 1"/>
+          <p:cNvPr id="3" name="図 2"/>
           <p:cNvPicPr>
             <a:picLocks noChangeAspect="1"/>
           </p:cNvPicPr>
@@ -8514,8 +8762,8 @@
         </p:blipFill>
         <p:spPr>
           <a:xfrm>
-            <a:off x="8784168" y="2793248"/>
-            <a:ext cx="2498224" cy="3366251"/>
+            <a:off x="3869268" y="2681426"/>
+            <a:ext cx="2660726" cy="3478073"/>
           </a:xfrm>
           <a:prstGeom prst="rect">
             <a:avLst/>
@@ -8618,8 +8866,8 @@
         </p:blipFill>
         <p:spPr>
           <a:xfrm>
-            <a:off x="3869268" y="2681425"/>
-            <a:ext cx="2660726" cy="3478073"/>
+            <a:off x="7804319" y="2681426"/>
+            <a:ext cx="3478073" cy="3478073"/>
           </a:xfrm>
           <a:prstGeom prst="rect">
             <a:avLst/>
@@ -8628,7 +8876,7 @@
       </p:pic>
       <p:pic>
         <p:nvPicPr>
-          <p:cNvPr id="12" name="図 11"/>
+          <p:cNvPr id="8" name="図 7"/>
           <p:cNvPicPr>
             <a:picLocks noChangeAspect="1"/>
           </p:cNvPicPr>
@@ -8659,7 +8907,7 @@
     </p:spTree>
     <p:extLst>
       <p:ext uri="{BB962C8B-B14F-4D97-AF65-F5344CB8AC3E}">
-        <p14:creationId xmlns:p14="http://schemas.microsoft.com/office/powerpoint/2010/main" val="3680603751"/>
+        <p14:creationId xmlns:p14="http://schemas.microsoft.com/office/powerpoint/2010/main" val="2416671090"/>
       </p:ext>
     </p:extLst>
   </p:cSld>
@@ -8709,10 +8957,10 @@
           <a:lstStyle/>
           <a:p>
             <a:r>
-              <a:rPr kumimoji="1" lang="ja-JP" altLang="en-US" sz="4000" dirty="0" smtClean="0"/>
+              <a:rPr kumimoji="1" lang="ja-JP" altLang="en-US" dirty="0" smtClean="0"/>
               <a:t>　</a:t>
             </a:r>
-            <a:endParaRPr kumimoji="1" lang="ja-JP" altLang="en-US" sz="4000" dirty="0"/>
+            <a:endParaRPr kumimoji="1" lang="ja-JP" altLang="en-US" dirty="0"/>
           </a:p>
         </p:txBody>
       </p:sp>
@@ -8729,7 +8977,7 @@
         <p:spPr>
           <a:xfrm>
             <a:off x="3869268" y="864108"/>
-            <a:ext cx="7315200" cy="926592"/>
+            <a:ext cx="7315200" cy="875792"/>
           </a:xfrm>
         </p:spPr>
         <p:txBody>
@@ -8740,11 +8988,11 @@
           <a:p>
             <a:pPr>
               <a:buFont typeface="+mj-lt"/>
-              <a:buAutoNum type="alphaLcPeriod" startAt="2"/>
+              <a:buAutoNum type="alphaLcPeriod"/>
             </a:pPr>
             <a:r>
               <a:rPr lang="ja-JP" altLang="en-US" sz="4000" dirty="0" smtClean="0"/>
-              <a:t>ロングポーリング</a:t>
+              <a:t>ポーリング</a:t>
             </a:r>
             <a:endParaRPr kumimoji="1" lang="ja-JP" altLang="en-US" sz="4000" dirty="0"/>
           </a:p>
@@ -8752,7 +9000,7 @@
       </p:sp>
       <p:pic>
         <p:nvPicPr>
-          <p:cNvPr id="31" name="図 30"/>
+          <p:cNvPr id="2" name="図 1"/>
           <p:cNvPicPr>
             <a:picLocks noChangeAspect="1"/>
           </p:cNvPicPr>
@@ -8780,9 +9028,83 @@
           </a:prstGeom>
         </p:spPr>
       </p:pic>
+      <p:sp>
+        <p:nvSpPr>
+          <p:cNvPr id="4" name="テキスト ボックス 3"/>
+          <p:cNvSpPr txBox="1"/>
+          <p:nvPr/>
+        </p:nvSpPr>
+        <p:spPr>
+          <a:xfrm>
+            <a:off x="3869268" y="6273800"/>
+            <a:ext cx="2660726" cy="461665"/>
+          </a:xfrm>
+          <a:prstGeom prst="rect">
+            <a:avLst/>
+          </a:prstGeom>
+          <a:noFill/>
+        </p:spPr>
+        <p:txBody>
+          <a:bodyPr wrap="square" rtlCol="0">
+            <a:spAutoFit/>
+          </a:bodyPr>
+          <a:lstStyle/>
+          <a:p>
+            <a:pPr algn="ctr"/>
+            <a:r>
+              <a:rPr kumimoji="1" lang="ja-JP" altLang="en-US" sz="2400" dirty="0" smtClean="0">
+                <a:latin typeface="HG創英角ﾎﾟｯﾌﾟ体" panose="040B0A09000000000000" pitchFamily="49" charset="-128"/>
+                <a:ea typeface="HG創英角ﾎﾟｯﾌﾟ体" panose="040B0A09000000000000" pitchFamily="49" charset="-128"/>
+              </a:rPr>
+              <a:t>クライアント</a:t>
+            </a:r>
+            <a:endParaRPr kumimoji="1" lang="ja-JP" altLang="en-US" sz="2400" dirty="0">
+              <a:latin typeface="HG創英角ﾎﾟｯﾌﾟ体" panose="040B0A09000000000000" pitchFamily="49" charset="-128"/>
+              <a:ea typeface="HG創英角ﾎﾟｯﾌﾟ体" panose="040B0A09000000000000" pitchFamily="49" charset="-128"/>
+            </a:endParaRPr>
+          </a:p>
+        </p:txBody>
+      </p:sp>
+      <p:sp>
+        <p:nvSpPr>
+          <p:cNvPr id="7" name="テキスト ボックス 6"/>
+          <p:cNvSpPr txBox="1"/>
+          <p:nvPr/>
+        </p:nvSpPr>
+        <p:spPr>
+          <a:xfrm>
+            <a:off x="8784168" y="6273800"/>
+            <a:ext cx="2498224" cy="461665"/>
+          </a:xfrm>
+          <a:prstGeom prst="rect">
+            <a:avLst/>
+          </a:prstGeom>
+          <a:noFill/>
+        </p:spPr>
+        <p:txBody>
+          <a:bodyPr wrap="square" rtlCol="0">
+            <a:spAutoFit/>
+          </a:bodyPr>
+          <a:lstStyle/>
+          <a:p>
+            <a:pPr algn="ctr"/>
+            <a:r>
+              <a:rPr kumimoji="1" lang="ja-JP" altLang="en-US" sz="2400" dirty="0" smtClean="0">
+                <a:latin typeface="HG創英角ﾎﾟｯﾌﾟ体" panose="040B0A09000000000000" pitchFamily="49" charset="-128"/>
+                <a:ea typeface="HG創英角ﾎﾟｯﾌﾟ体" panose="040B0A09000000000000" pitchFamily="49" charset="-128"/>
+              </a:rPr>
+              <a:t>サーバ</a:t>
+            </a:r>
+            <a:endParaRPr kumimoji="1" lang="ja-JP" altLang="en-US" sz="2400" dirty="0">
+              <a:latin typeface="HG創英角ﾎﾟｯﾌﾟ体" panose="040B0A09000000000000" pitchFamily="49" charset="-128"/>
+              <a:ea typeface="HG創英角ﾎﾟｯﾌﾟ体" panose="040B0A09000000000000" pitchFamily="49" charset="-128"/>
+            </a:endParaRPr>
+          </a:p>
+        </p:txBody>
+      </p:sp>
       <p:pic>
         <p:nvPicPr>
-          <p:cNvPr id="32" name="図 31"/>
+          <p:cNvPr id="5" name="図 4"/>
           <p:cNvPicPr>
             <a:picLocks noChangeAspect="1"/>
           </p:cNvPicPr>
@@ -8802,7 +9124,7 @@
         </p:blipFill>
         <p:spPr>
           <a:xfrm>
-            <a:off x="3869268" y="2681426"/>
+            <a:off x="3869268" y="2681425"/>
             <a:ext cx="2660726" cy="3478073"/>
           </a:xfrm>
           <a:prstGeom prst="rect">
@@ -8810,84 +9132,40 @@
           </a:prstGeom>
         </p:spPr>
       </p:pic>
-      <p:sp>
-        <p:nvSpPr>
-          <p:cNvPr id="33" name="テキスト ボックス 32"/>
-          <p:cNvSpPr txBox="1"/>
+      <p:pic>
+        <p:nvPicPr>
+          <p:cNvPr id="12" name="図 11"/>
+          <p:cNvPicPr>
+            <a:picLocks noChangeAspect="1"/>
+          </p:cNvPicPr>
           <p:nvPr/>
-        </p:nvSpPr>
-        <p:spPr>
-          <a:xfrm>
-            <a:off x="3869268" y="6273800"/>
-            <a:ext cx="2660726" cy="461665"/>
+        </p:nvPicPr>
+        <p:blipFill>
+          <a:blip r:embed="rId5">
+            <a:extLst>
+              <a:ext uri="{28A0092B-C50C-407E-A947-70E740481C1C}">
+                <a14:useLocalDpi xmlns:a14="http://schemas.microsoft.com/office/drawing/2010/main" val="0"/>
+              </a:ext>
+            </a:extLst>
+          </a:blip>
+          <a:stretch>
+            <a:fillRect/>
+          </a:stretch>
+        </p:blipFill>
+        <p:spPr>
+          <a:xfrm>
+            <a:off x="3869268" y="2681425"/>
+            <a:ext cx="2660726" cy="3478074"/>
           </a:xfrm>
           <a:prstGeom prst="rect">
             <a:avLst/>
           </a:prstGeom>
-          <a:noFill/>
-        </p:spPr>
-        <p:txBody>
-          <a:bodyPr wrap="square" rtlCol="0">
-            <a:spAutoFit/>
-          </a:bodyPr>
-          <a:lstStyle/>
-          <a:p>
-            <a:pPr algn="ctr"/>
-            <a:r>
-              <a:rPr kumimoji="1" lang="ja-JP" altLang="en-US" sz="2400" dirty="0" smtClean="0">
-                <a:latin typeface="HG創英角ﾎﾟｯﾌﾟ体" panose="040B0A09000000000000" pitchFamily="49" charset="-128"/>
-                <a:ea typeface="HG創英角ﾎﾟｯﾌﾟ体" panose="040B0A09000000000000" pitchFamily="49" charset="-128"/>
-              </a:rPr>
-              <a:t>クライアント</a:t>
-            </a:r>
-            <a:endParaRPr kumimoji="1" lang="ja-JP" altLang="en-US" sz="2400" dirty="0">
-              <a:latin typeface="HG創英角ﾎﾟｯﾌﾟ体" panose="040B0A09000000000000" pitchFamily="49" charset="-128"/>
-              <a:ea typeface="HG創英角ﾎﾟｯﾌﾟ体" panose="040B0A09000000000000" pitchFamily="49" charset="-128"/>
-            </a:endParaRPr>
-          </a:p>
-        </p:txBody>
-      </p:sp>
-      <p:sp>
-        <p:nvSpPr>
-          <p:cNvPr id="34" name="テキスト ボックス 33"/>
-          <p:cNvSpPr txBox="1"/>
-          <p:nvPr/>
-        </p:nvSpPr>
-        <p:spPr>
-          <a:xfrm>
-            <a:off x="8784168" y="6273800"/>
-            <a:ext cx="2498224" cy="461665"/>
-          </a:xfrm>
-          <a:prstGeom prst="rect">
-            <a:avLst/>
-          </a:prstGeom>
-          <a:noFill/>
-        </p:spPr>
-        <p:txBody>
-          <a:bodyPr wrap="square" rtlCol="0">
-            <a:spAutoFit/>
-          </a:bodyPr>
-          <a:lstStyle/>
-          <a:p>
-            <a:pPr algn="ctr"/>
-            <a:r>
-              <a:rPr kumimoji="1" lang="ja-JP" altLang="en-US" sz="2400" dirty="0" smtClean="0">
-                <a:latin typeface="HG創英角ﾎﾟｯﾌﾟ体" panose="040B0A09000000000000" pitchFamily="49" charset="-128"/>
-                <a:ea typeface="HG創英角ﾎﾟｯﾌﾟ体" panose="040B0A09000000000000" pitchFamily="49" charset="-128"/>
-              </a:rPr>
-              <a:t>サーバ</a:t>
-            </a:r>
-            <a:endParaRPr kumimoji="1" lang="ja-JP" altLang="en-US" sz="2400" dirty="0">
-              <a:latin typeface="HG創英角ﾎﾟｯﾌﾟ体" panose="040B0A09000000000000" pitchFamily="49" charset="-128"/>
-              <a:ea typeface="HG創英角ﾎﾟｯﾌﾟ体" panose="040B0A09000000000000" pitchFamily="49" charset="-128"/>
-            </a:endParaRPr>
-          </a:p>
-        </p:txBody>
-      </p:sp>
+        </p:spPr>
+      </p:pic>
     </p:spTree>
     <p:extLst>
       <p:ext uri="{BB962C8B-B14F-4D97-AF65-F5344CB8AC3E}">
-        <p14:creationId xmlns:p14="http://schemas.microsoft.com/office/powerpoint/2010/main" val="133610583"/>
+        <p14:creationId xmlns:p14="http://schemas.microsoft.com/office/powerpoint/2010/main" val="3680603751"/>
       </p:ext>
     </p:extLst>
   </p:cSld>
@@ -8978,83 +9256,9 @@
           </a:p>
         </p:txBody>
       </p:sp>
-      <p:sp>
-        <p:nvSpPr>
-          <p:cNvPr id="33" name="テキスト ボックス 32"/>
-          <p:cNvSpPr txBox="1"/>
-          <p:nvPr/>
-        </p:nvSpPr>
-        <p:spPr>
-          <a:xfrm>
-            <a:off x="3869268" y="6273800"/>
-            <a:ext cx="2660726" cy="461665"/>
-          </a:xfrm>
-          <a:prstGeom prst="rect">
-            <a:avLst/>
-          </a:prstGeom>
-          <a:noFill/>
-        </p:spPr>
-        <p:txBody>
-          <a:bodyPr wrap="square" rtlCol="0">
-            <a:spAutoFit/>
-          </a:bodyPr>
-          <a:lstStyle/>
-          <a:p>
-            <a:pPr algn="ctr"/>
-            <a:r>
-              <a:rPr kumimoji="1" lang="ja-JP" altLang="en-US" sz="2400" dirty="0" smtClean="0">
-                <a:latin typeface="HG創英角ﾎﾟｯﾌﾟ体" panose="040B0A09000000000000" pitchFamily="49" charset="-128"/>
-                <a:ea typeface="HG創英角ﾎﾟｯﾌﾟ体" panose="040B0A09000000000000" pitchFamily="49" charset="-128"/>
-              </a:rPr>
-              <a:t>クライアント</a:t>
-            </a:r>
-            <a:endParaRPr kumimoji="1" lang="ja-JP" altLang="en-US" sz="2400" dirty="0">
-              <a:latin typeface="HG創英角ﾎﾟｯﾌﾟ体" panose="040B0A09000000000000" pitchFamily="49" charset="-128"/>
-              <a:ea typeface="HG創英角ﾎﾟｯﾌﾟ体" panose="040B0A09000000000000" pitchFamily="49" charset="-128"/>
-            </a:endParaRPr>
-          </a:p>
-        </p:txBody>
-      </p:sp>
-      <p:sp>
-        <p:nvSpPr>
-          <p:cNvPr id="34" name="テキスト ボックス 33"/>
-          <p:cNvSpPr txBox="1"/>
-          <p:nvPr/>
-        </p:nvSpPr>
-        <p:spPr>
-          <a:xfrm>
-            <a:off x="8784168" y="6273800"/>
-            <a:ext cx="2498224" cy="461665"/>
-          </a:xfrm>
-          <a:prstGeom prst="rect">
-            <a:avLst/>
-          </a:prstGeom>
-          <a:noFill/>
-        </p:spPr>
-        <p:txBody>
-          <a:bodyPr wrap="square" rtlCol="0">
-            <a:spAutoFit/>
-          </a:bodyPr>
-          <a:lstStyle/>
-          <a:p>
-            <a:pPr algn="ctr"/>
-            <a:r>
-              <a:rPr kumimoji="1" lang="ja-JP" altLang="en-US" sz="2400" dirty="0" smtClean="0">
-                <a:latin typeface="HG創英角ﾎﾟｯﾌﾟ体" panose="040B0A09000000000000" pitchFamily="49" charset="-128"/>
-                <a:ea typeface="HG創英角ﾎﾟｯﾌﾟ体" panose="040B0A09000000000000" pitchFamily="49" charset="-128"/>
-              </a:rPr>
-              <a:t>サーバ</a:t>
-            </a:r>
-            <a:endParaRPr kumimoji="1" lang="ja-JP" altLang="en-US" sz="2400" dirty="0">
-              <a:latin typeface="HG創英角ﾎﾟｯﾌﾟ体" panose="040B0A09000000000000" pitchFamily="49" charset="-128"/>
-              <a:ea typeface="HG創英角ﾎﾟｯﾌﾟ体" panose="040B0A09000000000000" pitchFamily="49" charset="-128"/>
-            </a:endParaRPr>
-          </a:p>
-        </p:txBody>
-      </p:sp>
       <p:pic>
         <p:nvPicPr>
-          <p:cNvPr id="8" name="図 7"/>
+          <p:cNvPr id="31" name="図 30"/>
           <p:cNvPicPr>
             <a:picLocks noChangeAspect="1"/>
           </p:cNvPicPr>
@@ -9074,8 +9278,8 @@
         </p:blipFill>
         <p:spPr>
           <a:xfrm>
-            <a:off x="3867437" y="2679032"/>
-            <a:ext cx="2662557" cy="3480467"/>
+            <a:off x="8784168" y="2793248"/>
+            <a:ext cx="2498224" cy="3366251"/>
           </a:xfrm>
           <a:prstGeom prst="rect">
             <a:avLst/>
@@ -9084,7 +9288,7 @@
       </p:pic>
       <p:pic>
         <p:nvPicPr>
-          <p:cNvPr id="9" name="図 8"/>
+          <p:cNvPr id="32" name="図 31"/>
           <p:cNvPicPr>
             <a:picLocks noChangeAspect="1"/>
           </p:cNvPicPr>
@@ -9104,18 +9308,92 @@
         </p:blipFill>
         <p:spPr>
           <a:xfrm>
-            <a:off x="7687624" y="2679032"/>
-            <a:ext cx="3594768" cy="3594768"/>
+            <a:off x="3869268" y="2681426"/>
+            <a:ext cx="2660726" cy="3478073"/>
           </a:xfrm>
           <a:prstGeom prst="rect">
             <a:avLst/>
           </a:prstGeom>
         </p:spPr>
       </p:pic>
+      <p:sp>
+        <p:nvSpPr>
+          <p:cNvPr id="33" name="テキスト ボックス 32"/>
+          <p:cNvSpPr txBox="1"/>
+          <p:nvPr/>
+        </p:nvSpPr>
+        <p:spPr>
+          <a:xfrm>
+            <a:off x="3869268" y="6273800"/>
+            <a:ext cx="2660726" cy="461665"/>
+          </a:xfrm>
+          <a:prstGeom prst="rect">
+            <a:avLst/>
+          </a:prstGeom>
+          <a:noFill/>
+        </p:spPr>
+        <p:txBody>
+          <a:bodyPr wrap="square" rtlCol="0">
+            <a:spAutoFit/>
+          </a:bodyPr>
+          <a:lstStyle/>
+          <a:p>
+            <a:pPr algn="ctr"/>
+            <a:r>
+              <a:rPr kumimoji="1" lang="ja-JP" altLang="en-US" sz="2400" dirty="0" smtClean="0">
+                <a:latin typeface="HG創英角ﾎﾟｯﾌﾟ体" panose="040B0A09000000000000" pitchFamily="49" charset="-128"/>
+                <a:ea typeface="HG創英角ﾎﾟｯﾌﾟ体" panose="040B0A09000000000000" pitchFamily="49" charset="-128"/>
+              </a:rPr>
+              <a:t>クライアント</a:t>
+            </a:r>
+            <a:endParaRPr kumimoji="1" lang="ja-JP" altLang="en-US" sz="2400" dirty="0">
+              <a:latin typeface="HG創英角ﾎﾟｯﾌﾟ体" panose="040B0A09000000000000" pitchFamily="49" charset="-128"/>
+              <a:ea typeface="HG創英角ﾎﾟｯﾌﾟ体" panose="040B0A09000000000000" pitchFamily="49" charset="-128"/>
+            </a:endParaRPr>
+          </a:p>
+        </p:txBody>
+      </p:sp>
+      <p:sp>
+        <p:nvSpPr>
+          <p:cNvPr id="34" name="テキスト ボックス 33"/>
+          <p:cNvSpPr txBox="1"/>
+          <p:nvPr/>
+        </p:nvSpPr>
+        <p:spPr>
+          <a:xfrm>
+            <a:off x="8784168" y="6273800"/>
+            <a:ext cx="2498224" cy="461665"/>
+          </a:xfrm>
+          <a:prstGeom prst="rect">
+            <a:avLst/>
+          </a:prstGeom>
+          <a:noFill/>
+        </p:spPr>
+        <p:txBody>
+          <a:bodyPr wrap="square" rtlCol="0">
+            <a:spAutoFit/>
+          </a:bodyPr>
+          <a:lstStyle/>
+          <a:p>
+            <a:pPr algn="ctr"/>
+            <a:r>
+              <a:rPr kumimoji="1" lang="ja-JP" altLang="en-US" sz="2400" dirty="0" smtClean="0">
+                <a:latin typeface="HG創英角ﾎﾟｯﾌﾟ体" panose="040B0A09000000000000" pitchFamily="49" charset="-128"/>
+                <a:ea typeface="HG創英角ﾎﾟｯﾌﾟ体" panose="040B0A09000000000000" pitchFamily="49" charset="-128"/>
+              </a:rPr>
+              <a:t>サーバ</a:t>
+            </a:r>
+            <a:endParaRPr kumimoji="1" lang="ja-JP" altLang="en-US" sz="2400" dirty="0">
+              <a:latin typeface="HG創英角ﾎﾟｯﾌﾟ体" panose="040B0A09000000000000" pitchFamily="49" charset="-128"/>
+              <a:ea typeface="HG創英角ﾎﾟｯﾌﾟ体" panose="040B0A09000000000000" pitchFamily="49" charset="-128"/>
+            </a:endParaRPr>
+          </a:p>
+        </p:txBody>
+      </p:sp>
     </p:spTree>
     <p:extLst>
       <p:ext uri="{BB962C8B-B14F-4D97-AF65-F5344CB8AC3E}">
-        <p14:creationId xmlns:p14="http://schemas.microsoft.com/office/powerpoint/2010/main" val="3896696745"/>
+        <p14:creationId xmlns:p14="http://schemas.microsoft.com/office/powerpoint/2010/main" val="133610583"/>
       </p:ext>
     </p:extLst>
   </p:cSld>
@@ -9282,7 +9560,7 @@
       </p:sp>
       <p:pic>
         <p:nvPicPr>
-          <p:cNvPr id="9" name="図 8"/>
+          <p:cNvPr id="8" name="図 7"/>
           <p:cNvPicPr>
             <a:picLocks noChangeAspect="1"/>
           </p:cNvPicPr>
@@ -9302,8 +9580,8 @@
         </p:blipFill>
         <p:spPr>
           <a:xfrm>
-            <a:off x="7687624" y="2679032"/>
-            <a:ext cx="3594768" cy="3594768"/>
+            <a:off x="3867437" y="2679032"/>
+            <a:ext cx="2662557" cy="3480467"/>
           </a:xfrm>
           <a:prstGeom prst="rect">
             <a:avLst/>
@@ -9312,7 +9590,7 @@
       </p:pic>
       <p:pic>
         <p:nvPicPr>
-          <p:cNvPr id="12" name="図 11"/>
+          <p:cNvPr id="9" name="図 8"/>
           <p:cNvPicPr>
             <a:picLocks noChangeAspect="1"/>
           </p:cNvPicPr>
@@ -9332,8 +9610,8 @@
         </p:blipFill>
         <p:spPr>
           <a:xfrm>
-            <a:off x="3869268" y="2681426"/>
-            <a:ext cx="2660726" cy="3478073"/>
+            <a:off x="7687624" y="2679032"/>
+            <a:ext cx="3594768" cy="3594768"/>
           </a:xfrm>
           <a:prstGeom prst="rect">
             <a:avLst/>
@@ -9343,7 +9621,7 @@
     </p:spTree>
     <p:extLst>
       <p:ext uri="{BB962C8B-B14F-4D97-AF65-F5344CB8AC3E}">
-        <p14:creationId xmlns:p14="http://schemas.microsoft.com/office/powerpoint/2010/main" val="3919862831"/>
+        <p14:creationId xmlns:p14="http://schemas.microsoft.com/office/powerpoint/2010/main" val="3896696745"/>
       </p:ext>
     </p:extLst>
   </p:cSld>
@@ -9571,7 +9849,7 @@
     </p:spTree>
     <p:extLst>
       <p:ext uri="{BB962C8B-B14F-4D97-AF65-F5344CB8AC3E}">
-        <p14:creationId xmlns:p14="http://schemas.microsoft.com/office/powerpoint/2010/main" val="495396016"/>
+        <p14:creationId xmlns:p14="http://schemas.microsoft.com/office/powerpoint/2010/main" val="3919862831"/>
       </p:ext>
     </p:extLst>
   </p:cSld>
@@ -9738,7 +10016,7 @@
       </p:sp>
       <p:pic>
         <p:nvPicPr>
-          <p:cNvPr id="2" name="図 1"/>
+          <p:cNvPr id="9" name="図 8"/>
           <p:cNvPicPr>
             <a:picLocks noChangeAspect="1"/>
           </p:cNvPicPr>
@@ -9768,7 +10046,7 @@
       </p:pic>
       <p:pic>
         <p:nvPicPr>
-          <p:cNvPr id="3" name="図 2"/>
+          <p:cNvPr id="12" name="図 11"/>
           <p:cNvPicPr>
             <a:picLocks noChangeAspect="1"/>
           </p:cNvPicPr>
@@ -9788,38 +10066,8 @@
         </p:blipFill>
         <p:spPr>
           <a:xfrm>
-            <a:off x="3869268" y="2679032"/>
-            <a:ext cx="2660727" cy="3465094"/>
-          </a:xfrm>
-          <a:prstGeom prst="rect">
-            <a:avLst/>
-          </a:prstGeom>
-        </p:spPr>
-      </p:pic>
-      <p:pic>
-        <p:nvPicPr>
-          <p:cNvPr id="12" name="図 11"/>
-          <p:cNvPicPr>
-            <a:picLocks noChangeAspect="1"/>
-          </p:cNvPicPr>
-          <p:nvPr/>
-        </p:nvPicPr>
-        <p:blipFill>
-          <a:blip r:embed="rId5">
-            <a:extLst>
-              <a:ext uri="{28A0092B-C50C-407E-A947-70E740481C1C}">
-                <a14:useLocalDpi xmlns:a14="http://schemas.microsoft.com/office/drawing/2010/main" val="0"/>
-              </a:ext>
-            </a:extLst>
-          </a:blip>
-          <a:stretch>
-            <a:fillRect/>
-          </a:stretch>
-        </p:blipFill>
-        <p:spPr>
-          <a:xfrm>
-            <a:off x="3869268" y="2681425"/>
-            <a:ext cx="2660726" cy="3478074"/>
+            <a:off x="3869268" y="2681426"/>
+            <a:ext cx="2660726" cy="3478073"/>
           </a:xfrm>
           <a:prstGeom prst="rect">
             <a:avLst/>
@@ -9829,7 +10077,7 @@
     </p:spTree>
     <p:extLst>
       <p:ext uri="{BB962C8B-B14F-4D97-AF65-F5344CB8AC3E}">
-        <p14:creationId xmlns:p14="http://schemas.microsoft.com/office/powerpoint/2010/main" val="3313384222"/>
+        <p14:creationId xmlns:p14="http://schemas.microsoft.com/office/powerpoint/2010/main" val="495396016"/>
       </p:ext>
     </p:extLst>
   </p:cSld>
@@ -9896,9 +10144,16 @@
             <p:ph idx="1"/>
           </p:nvPr>
         </p:nvSpPr>
-        <p:spPr/>
-        <p:txBody>
-          <a:bodyPr/>
+        <p:spPr>
+          <a:xfrm>
+            <a:off x="7292340" y="864108"/>
+            <a:ext cx="3892128" cy="5120640"/>
+          </a:xfrm>
+        </p:spPr>
+        <p:txBody>
+          <a:bodyPr>
+            <a:normAutofit/>
+          </a:bodyPr>
           <a:lstStyle/>
           <a:p>
             <a:pPr>
@@ -9912,8 +10167,13 @@
             </a:r>
             <a:r>
               <a:rPr lang="ja-JP" altLang="en-US" sz="2400" b="1" dirty="0"/>
-              <a:t>制作の理由</a:t>
-            </a:r>
+              <a:t>制作</a:t>
+            </a:r>
+            <a:r>
+              <a:rPr lang="ja-JP" altLang="en-US" sz="2400" b="1" dirty="0" smtClean="0"/>
+              <a:t>の背景</a:t>
+            </a:r>
+            <a:endParaRPr lang="ja-JP" altLang="en-US" sz="2400" b="1" dirty="0"/>
           </a:p>
           <a:p>
             <a:pPr>
@@ -9945,131 +10205,90 @@
               </a:spcAft>
             </a:pPr>
             <a:r>
+              <a:rPr lang="ja-JP" altLang="en-US" sz="2400" b="1" dirty="0" smtClean="0"/>
+              <a:t>問題の解決</a:t>
+            </a:r>
+            <a:endParaRPr lang="en-US" altLang="ja-JP" sz="2400" b="1" dirty="0" smtClean="0"/>
+          </a:p>
+          <a:p>
+            <a:pPr>
+              <a:spcBef>
+                <a:spcPts val="1800"/>
+              </a:spcBef>
+              <a:spcAft>
+                <a:spcPts val="600"/>
+              </a:spcAft>
+            </a:pPr>
+            <a:r>
+              <a:rPr lang="en-US" altLang="ja-JP" sz="2400" b="1" dirty="0" err="1" smtClean="0"/>
+              <a:t>WebSocket</a:t>
+            </a:r>
+            <a:r>
+              <a:rPr lang="ja-JP" altLang="en-US" sz="2400" b="1" dirty="0" err="1" smtClean="0"/>
+              <a:t>って</a:t>
+            </a:r>
+            <a:r>
+              <a:rPr lang="ja-JP" altLang="en-US" sz="2400" b="1" dirty="0" smtClean="0"/>
+              <a:t>何？</a:t>
+            </a:r>
+            <a:endParaRPr lang="en-US" altLang="ja-JP" sz="2400" b="1" dirty="0" smtClean="0"/>
+          </a:p>
+          <a:p>
+            <a:pPr>
+              <a:spcBef>
+                <a:spcPts val="1800"/>
+              </a:spcBef>
+              <a:spcAft>
+                <a:spcPts val="600"/>
+              </a:spcAft>
+            </a:pPr>
+            <a:r>
+              <a:rPr lang="en-US" altLang="ja-JP" sz="2400" b="1" dirty="0" err="1" smtClean="0"/>
+              <a:t>WebSocket</a:t>
+            </a:r>
+            <a:r>
+              <a:rPr lang="ja-JP" altLang="en-US" sz="2400" b="1" dirty="0" smtClean="0"/>
+              <a:t>を採用</a:t>
+            </a:r>
+            <a:endParaRPr lang="en-US" altLang="ja-JP" sz="2400" b="1" dirty="0" smtClean="0"/>
+          </a:p>
+          <a:p>
+            <a:pPr>
+              <a:spcBef>
+                <a:spcPts val="1800"/>
+              </a:spcBef>
+              <a:spcAft>
+                <a:spcPts val="600"/>
+              </a:spcAft>
+            </a:pPr>
+            <a:r>
               <a:rPr lang="ja-JP" altLang="en-US" sz="2400" b="1" dirty="0"/>
-              <a:t>問題</a:t>
+              <a:t>質疑</a:t>
             </a:r>
             <a:r>
               <a:rPr lang="ja-JP" altLang="en-US" sz="2400" b="1" dirty="0" smtClean="0"/>
-              <a:t>を解決する</a:t>
+              <a:t>応答</a:t>
+            </a:r>
+            <a:endParaRPr lang="en-US" altLang="ja-JP" sz="2400" b="1" dirty="0" smtClean="0"/>
+          </a:p>
+          <a:p>
+            <a:pPr>
+              <a:spcBef>
+                <a:spcPts val="1800"/>
+              </a:spcBef>
+              <a:spcAft>
+                <a:spcPts val="600"/>
+              </a:spcAft>
+            </a:pPr>
+            <a:r>
+              <a:rPr lang="ja-JP" altLang="en-US" sz="2400" b="1" dirty="0"/>
+              <a:t>遊</a:t>
             </a:r>
             <a:r>
               <a:rPr lang="ja-JP" altLang="en-US" sz="2400" b="1" dirty="0" smtClean="0"/>
-              <a:t>技法</a:t>
-            </a:r>
-            <a:endParaRPr lang="ja-JP" altLang="en-US" sz="2400" b="1" dirty="0" smtClean="0"/>
-          </a:p>
-          <a:p>
-            <a:pPr lvl="1">
-              <a:lnSpc>
-                <a:spcPct val="100000"/>
-              </a:lnSpc>
-            </a:pPr>
-            <a:r>
-              <a:rPr lang="ja-JP" altLang="en-US" sz="2200" b="1" dirty="0" smtClean="0"/>
-              <a:t>ポーリング</a:t>
-            </a:r>
-          </a:p>
-          <a:p>
-            <a:pPr marL="502920" lvl="1" indent="0">
-              <a:lnSpc>
-                <a:spcPct val="100000"/>
-              </a:lnSpc>
-              <a:buNone/>
-            </a:pPr>
-            <a:r>
-              <a:rPr lang="ja-JP" altLang="en-US" sz="2200" dirty="0" smtClean="0"/>
-              <a:t> 　</a:t>
-            </a:r>
-            <a:r>
-              <a:rPr lang="en-US" altLang="ja-JP" sz="2200" dirty="0" smtClean="0"/>
-              <a:t>JavaScript</a:t>
-            </a:r>
-            <a:r>
-              <a:rPr lang="ja-JP" altLang="en-US" sz="2200" dirty="0"/>
-              <a:t>における一定間隔での</a:t>
-            </a:r>
-            <a:r>
-              <a:rPr lang="ja-JP" altLang="en-US" sz="2200" dirty="0" smtClean="0"/>
-              <a:t>更新</a:t>
-            </a:r>
-            <a:endParaRPr lang="en-US" altLang="ja-JP" sz="2200" dirty="0"/>
-          </a:p>
-          <a:p>
-            <a:pPr lvl="1">
-              <a:lnSpc>
-                <a:spcPct val="100000"/>
-              </a:lnSpc>
-              <a:buFont typeface="+mj-lt"/>
-              <a:buAutoNum type="alphaLcPeriod" startAt="2"/>
-            </a:pPr>
-            <a:r>
-              <a:rPr lang="ja-JP" altLang="en-US" sz="2200" b="1" dirty="0" smtClean="0"/>
-              <a:t>ロングポーリング</a:t>
-            </a:r>
-          </a:p>
-          <a:p>
-            <a:pPr marL="502920" lvl="1" indent="0">
-              <a:lnSpc>
-                <a:spcPct val="100000"/>
-              </a:lnSpc>
-              <a:buNone/>
-            </a:pPr>
-            <a:r>
-              <a:rPr lang="ja-JP" altLang="en-US" sz="2200" dirty="0" smtClean="0"/>
-              <a:t>　 ブラウザ</a:t>
-            </a:r>
-            <a:r>
-              <a:rPr lang="ja-JP" altLang="en-US" sz="2200" dirty="0"/>
-              <a:t>からの送信後、</a:t>
-            </a:r>
-            <a:r>
-              <a:rPr lang="en-US" altLang="ja-JP" sz="2200" dirty="0"/>
-              <a:t>Controller</a:t>
-            </a:r>
-            <a:r>
-              <a:rPr lang="ja-JP" altLang="en-US" sz="2200" dirty="0"/>
-              <a:t>で送信を</a:t>
-            </a:r>
-            <a:r>
-              <a:rPr lang="ja-JP" altLang="en-US" sz="2200" dirty="0" smtClean="0"/>
-              <a:t>待機</a:t>
-            </a:r>
-            <a:endParaRPr lang="en-US" altLang="ja-JP" sz="2200" dirty="0"/>
-          </a:p>
-          <a:p>
-            <a:pPr lvl="1">
-              <a:lnSpc>
-                <a:spcPct val="100000"/>
-              </a:lnSpc>
-              <a:buFont typeface="+mj-lt"/>
-              <a:buAutoNum type="alphaLcPeriod" startAt="3"/>
-            </a:pPr>
-            <a:r>
-              <a:rPr lang="en-US" altLang="ja-JP" sz="2200" b="1" dirty="0" smtClean="0"/>
-              <a:t>WebSocket </a:t>
-            </a:r>
-            <a:endParaRPr lang="ja-JP" altLang="en-US" sz="2200" b="1" dirty="0" smtClean="0"/>
-          </a:p>
-          <a:p>
-            <a:pPr marL="502920" lvl="1" indent="0">
-              <a:lnSpc>
-                <a:spcPct val="100000"/>
-              </a:lnSpc>
-              <a:buNone/>
-            </a:pPr>
-            <a:r>
-              <a:rPr lang="ja-JP" altLang="en-US" sz="2200" dirty="0" smtClean="0"/>
-              <a:t>　 サーバ</a:t>
-            </a:r>
-            <a:r>
-              <a:rPr lang="ja-JP" altLang="en-US" sz="2200" dirty="0"/>
-              <a:t>・ブラウザ間での非同期通信</a:t>
-            </a:r>
-            <a:r>
-              <a:rPr lang="ja-JP" altLang="en-US" sz="2200" dirty="0" smtClean="0"/>
-              <a:t>の確立</a:t>
-            </a:r>
-            <a:endParaRPr kumimoji="1" lang="ja-JP" altLang="en-US" sz="2200" dirty="0"/>
+              <a:t>んでみよう </a:t>
+            </a:r>
+            <a:endParaRPr lang="ja-JP" altLang="en-US" sz="2400" b="1" dirty="0"/>
           </a:p>
         </p:txBody>
       </p:sp>
@@ -10146,7 +10365,7 @@
         <p:spPr>
           <a:xfrm>
             <a:off x="3869268" y="864108"/>
-            <a:ext cx="7315200" cy="939292"/>
+            <a:ext cx="7315200" cy="926592"/>
           </a:xfrm>
         </p:spPr>
         <p:txBody>
@@ -10157,11 +10376,11 @@
           <a:p>
             <a:pPr>
               <a:buFont typeface="+mj-lt"/>
-              <a:buAutoNum type="alphaLcPeriod" startAt="3"/>
+              <a:buAutoNum type="alphaLcPeriod" startAt="2"/>
             </a:pPr>
             <a:r>
-              <a:rPr lang="en-US" altLang="ja-JP" sz="4000" dirty="0" err="1" smtClean="0"/>
-              <a:t>WebSocket</a:t>
+              <a:rPr lang="ja-JP" altLang="en-US" sz="4000" dirty="0" smtClean="0"/>
+              <a:t>ロングポーリング</a:t>
             </a:r>
             <a:endParaRPr kumimoji="1" lang="ja-JP" altLang="en-US" sz="4000" dirty="0"/>
           </a:p>
@@ -10169,7 +10388,7 @@
       </p:sp>
       <p:sp>
         <p:nvSpPr>
-          <p:cNvPr id="28" name="テキスト ボックス 27"/>
+          <p:cNvPr id="33" name="テキスト ボックス 32"/>
           <p:cNvSpPr txBox="1"/>
           <p:nvPr/>
         </p:nvSpPr>
@@ -10206,7 +10425,7 @@
       </p:sp>
       <p:sp>
         <p:nvSpPr>
-          <p:cNvPr id="29" name="テキスト ボックス 28"/>
+          <p:cNvPr id="34" name="テキスト ボックス 33"/>
           <p:cNvSpPr txBox="1"/>
           <p:nvPr/>
         </p:nvSpPr>
@@ -10243,7 +10462,7 @@
       </p:sp>
       <p:pic>
         <p:nvPicPr>
-          <p:cNvPr id="30" name="図 29"/>
+          <p:cNvPr id="2" name="図 1"/>
           <p:cNvPicPr>
             <a:picLocks noChangeAspect="1"/>
           </p:cNvPicPr>
@@ -10263,8 +10482,8 @@
         </p:blipFill>
         <p:spPr>
           <a:xfrm>
-            <a:off x="3867437" y="2679032"/>
-            <a:ext cx="2662557" cy="3480467"/>
+            <a:off x="7687624" y="2679032"/>
+            <a:ext cx="3594768" cy="3594768"/>
           </a:xfrm>
           <a:prstGeom prst="rect">
             <a:avLst/>
@@ -10273,7 +10492,7 @@
       </p:pic>
       <p:pic>
         <p:nvPicPr>
-          <p:cNvPr id="2" name="図 1"/>
+          <p:cNvPr id="3" name="図 2"/>
           <p:cNvPicPr>
             <a:picLocks noChangeAspect="1"/>
           </p:cNvPicPr>
@@ -10293,8 +10512,8 @@
         </p:blipFill>
         <p:spPr>
           <a:xfrm>
-            <a:off x="7687624" y="2679032"/>
-            <a:ext cx="3594768" cy="3594768"/>
+            <a:off x="3869268" y="2679032"/>
+            <a:ext cx="2660727" cy="3465094"/>
           </a:xfrm>
           <a:prstGeom prst="rect">
             <a:avLst/>
@@ -10303,7 +10522,7 @@
       </p:pic>
       <p:pic>
         <p:nvPicPr>
-          <p:cNvPr id="3" name="図 2"/>
+          <p:cNvPr id="12" name="図 11"/>
           <p:cNvPicPr>
             <a:picLocks noChangeAspect="1"/>
           </p:cNvPicPr>
@@ -10322,39 +10541,9 @@
           </a:stretch>
         </p:blipFill>
         <p:spPr>
-          <a:xfrm rot="16466791">
-            <a:off x="5663470" y="2450058"/>
-            <a:ext cx="3219827" cy="3623484"/>
-          </a:xfrm>
-          <a:prstGeom prst="rect">
-            <a:avLst/>
-          </a:prstGeom>
-        </p:spPr>
-      </p:pic>
-      <p:pic>
-        <p:nvPicPr>
-          <p:cNvPr id="31" name="図 30"/>
-          <p:cNvPicPr>
-            <a:picLocks noChangeAspect="1"/>
-          </p:cNvPicPr>
-          <p:nvPr/>
-        </p:nvPicPr>
-        <p:blipFill>
-          <a:blip r:embed="rId6">
-            <a:extLst>
-              <a:ext uri="{28A0092B-C50C-407E-A947-70E740481C1C}">
-                <a14:useLocalDpi xmlns:a14="http://schemas.microsoft.com/office/drawing/2010/main" val="0"/>
-              </a:ext>
-            </a:extLst>
-          </a:blip>
-          <a:stretch>
-            <a:fillRect/>
-          </a:stretch>
-        </p:blipFill>
-        <p:spPr>
-          <a:xfrm>
-            <a:off x="3869268" y="2681426"/>
-            <a:ext cx="2660726" cy="3478073"/>
+          <a:xfrm>
+            <a:off x="3869268" y="2681425"/>
+            <a:ext cx="2660726" cy="3478074"/>
           </a:xfrm>
           <a:prstGeom prst="rect">
             <a:avLst/>
@@ -10364,7 +10553,7 @@
     </p:spTree>
     <p:extLst>
       <p:ext uri="{BB962C8B-B14F-4D97-AF65-F5344CB8AC3E}">
-        <p14:creationId xmlns:p14="http://schemas.microsoft.com/office/powerpoint/2010/main" val="710538466"/>
+        <p14:creationId xmlns:p14="http://schemas.microsoft.com/office/powerpoint/2010/main" val="3313384222"/>
       </p:ext>
     </p:extLst>
   </p:cSld>
@@ -10431,228 +10620,37 @@
             <p:ph idx="1"/>
           </p:nvPr>
         </p:nvSpPr>
-        <p:spPr>
-          <a:xfrm>
-            <a:off x="3869268" y="864108"/>
-            <a:ext cx="7315200" cy="939292"/>
-          </a:xfrm>
-        </p:spPr>
+        <p:spPr/>
         <p:txBody>
           <a:bodyPr>
             <a:normAutofit/>
           </a:bodyPr>
           <a:lstStyle/>
           <a:p>
-            <a:pPr>
+            <a:pPr algn="r">
               <a:buFont typeface="+mj-lt"/>
-              <a:buAutoNum type="alphaLcPeriod" startAt="3"/>
+              <a:buAutoNum type="arabicPeriod" startAt="4"/>
             </a:pPr>
             <a:r>
               <a:rPr lang="en-US" altLang="ja-JP" sz="4000" dirty="0" err="1" smtClean="0"/>
               <a:t>WebSocket</a:t>
             </a:r>
+            <a:r>
+              <a:rPr lang="ja-JP" altLang="en-US" sz="4000" dirty="0" err="1"/>
+              <a:t>って</a:t>
+            </a:r>
+            <a:r>
+              <a:rPr lang="ja-JP" altLang="en-US" sz="4000" dirty="0"/>
+              <a:t>何？</a:t>
+            </a:r>
             <a:endParaRPr kumimoji="1" lang="ja-JP" altLang="en-US" sz="4000" dirty="0"/>
           </a:p>
         </p:txBody>
       </p:sp>
-      <p:sp>
-        <p:nvSpPr>
-          <p:cNvPr id="28" name="テキスト ボックス 27"/>
-          <p:cNvSpPr txBox="1"/>
-          <p:nvPr/>
-        </p:nvSpPr>
-        <p:spPr>
-          <a:xfrm>
-            <a:off x="3869268" y="6273800"/>
-            <a:ext cx="2660726" cy="461665"/>
-          </a:xfrm>
-          <a:prstGeom prst="rect">
-            <a:avLst/>
-          </a:prstGeom>
-          <a:noFill/>
-        </p:spPr>
-        <p:txBody>
-          <a:bodyPr wrap="square" rtlCol="0">
-            <a:spAutoFit/>
-          </a:bodyPr>
-          <a:lstStyle/>
-          <a:p>
-            <a:pPr algn="ctr"/>
-            <a:r>
-              <a:rPr kumimoji="1" lang="ja-JP" altLang="en-US" sz="2400" dirty="0" smtClean="0">
-                <a:latin typeface="HG創英角ﾎﾟｯﾌﾟ体" panose="040B0A09000000000000" pitchFamily="49" charset="-128"/>
-                <a:ea typeface="HG創英角ﾎﾟｯﾌﾟ体" panose="040B0A09000000000000" pitchFamily="49" charset="-128"/>
-              </a:rPr>
-              <a:t>クライアント</a:t>
-            </a:r>
-            <a:endParaRPr kumimoji="1" lang="ja-JP" altLang="en-US" sz="2400" dirty="0">
-              <a:latin typeface="HG創英角ﾎﾟｯﾌﾟ体" panose="040B0A09000000000000" pitchFamily="49" charset="-128"/>
-              <a:ea typeface="HG創英角ﾎﾟｯﾌﾟ体" panose="040B0A09000000000000" pitchFamily="49" charset="-128"/>
-            </a:endParaRPr>
-          </a:p>
-        </p:txBody>
-      </p:sp>
-      <p:sp>
-        <p:nvSpPr>
-          <p:cNvPr id="29" name="テキスト ボックス 28"/>
-          <p:cNvSpPr txBox="1"/>
-          <p:nvPr/>
-        </p:nvSpPr>
-        <p:spPr>
-          <a:xfrm>
-            <a:off x="8784168" y="6273800"/>
-            <a:ext cx="2498224" cy="461665"/>
-          </a:xfrm>
-          <a:prstGeom prst="rect">
-            <a:avLst/>
-          </a:prstGeom>
-          <a:noFill/>
-        </p:spPr>
-        <p:txBody>
-          <a:bodyPr wrap="square" rtlCol="0">
-            <a:spAutoFit/>
-          </a:bodyPr>
-          <a:lstStyle/>
-          <a:p>
-            <a:pPr algn="ctr"/>
-            <a:r>
-              <a:rPr kumimoji="1" lang="ja-JP" altLang="en-US" sz="2400" dirty="0" smtClean="0">
-                <a:latin typeface="HG創英角ﾎﾟｯﾌﾟ体" panose="040B0A09000000000000" pitchFamily="49" charset="-128"/>
-                <a:ea typeface="HG創英角ﾎﾟｯﾌﾟ体" panose="040B0A09000000000000" pitchFamily="49" charset="-128"/>
-              </a:rPr>
-              <a:t>サーバ</a:t>
-            </a:r>
-            <a:endParaRPr kumimoji="1" lang="ja-JP" altLang="en-US" sz="2400" dirty="0">
-              <a:latin typeface="HG創英角ﾎﾟｯﾌﾟ体" panose="040B0A09000000000000" pitchFamily="49" charset="-128"/>
-              <a:ea typeface="HG創英角ﾎﾟｯﾌﾟ体" panose="040B0A09000000000000" pitchFamily="49" charset="-128"/>
-            </a:endParaRPr>
-          </a:p>
-        </p:txBody>
-      </p:sp>
-      <p:pic>
-        <p:nvPicPr>
-          <p:cNvPr id="30" name="図 29"/>
-          <p:cNvPicPr>
-            <a:picLocks noChangeAspect="1"/>
-          </p:cNvPicPr>
-          <p:nvPr/>
-        </p:nvPicPr>
-        <p:blipFill>
-          <a:blip r:embed="rId3">
-            <a:extLst>
-              <a:ext uri="{28A0092B-C50C-407E-A947-70E740481C1C}">
-                <a14:useLocalDpi xmlns:a14="http://schemas.microsoft.com/office/drawing/2010/main" val="0"/>
-              </a:ext>
-            </a:extLst>
-          </a:blip>
-          <a:stretch>
-            <a:fillRect/>
-          </a:stretch>
-        </p:blipFill>
-        <p:spPr>
-          <a:xfrm>
-            <a:off x="3867437" y="2679032"/>
-            <a:ext cx="2662557" cy="3480467"/>
-          </a:xfrm>
-          <a:prstGeom prst="rect">
-            <a:avLst/>
-          </a:prstGeom>
-        </p:spPr>
-      </p:pic>
-      <p:pic>
-        <p:nvPicPr>
-          <p:cNvPr id="3" name="図 2"/>
-          <p:cNvPicPr>
-            <a:picLocks noChangeAspect="1"/>
-          </p:cNvPicPr>
-          <p:nvPr/>
-        </p:nvPicPr>
-        <p:blipFill>
-          <a:blip r:embed="rId4">
-            <a:extLst>
-              <a:ext uri="{28A0092B-C50C-407E-A947-70E740481C1C}">
-                <a14:useLocalDpi xmlns:a14="http://schemas.microsoft.com/office/drawing/2010/main" val="0"/>
-              </a:ext>
-            </a:extLst>
-          </a:blip>
-          <a:stretch>
-            <a:fillRect/>
-          </a:stretch>
-        </p:blipFill>
-        <p:spPr>
-          <a:xfrm rot="16466791">
-            <a:off x="5663470" y="2450058"/>
-            <a:ext cx="3219827" cy="3623484"/>
-          </a:xfrm>
-          <a:prstGeom prst="rect">
-            <a:avLst/>
-          </a:prstGeom>
-        </p:spPr>
-      </p:pic>
-      <p:pic>
-        <p:nvPicPr>
-          <p:cNvPr id="31" name="図 30"/>
-          <p:cNvPicPr>
-            <a:picLocks noChangeAspect="1"/>
-          </p:cNvPicPr>
-          <p:nvPr/>
-        </p:nvPicPr>
-        <p:blipFill>
-          <a:blip r:embed="rId5">
-            <a:extLst>
-              <a:ext uri="{28A0092B-C50C-407E-A947-70E740481C1C}">
-                <a14:useLocalDpi xmlns:a14="http://schemas.microsoft.com/office/drawing/2010/main" val="0"/>
-              </a:ext>
-            </a:extLst>
-          </a:blip>
-          <a:stretch>
-            <a:fillRect/>
-          </a:stretch>
-        </p:blipFill>
-        <p:spPr>
-          <a:xfrm>
-            <a:off x="3869268" y="2681426"/>
-            <a:ext cx="2660726" cy="3478073"/>
-          </a:xfrm>
-          <a:prstGeom prst="rect">
-            <a:avLst/>
-          </a:prstGeom>
-        </p:spPr>
-      </p:pic>
-      <p:pic>
-        <p:nvPicPr>
-          <p:cNvPr id="4" name="図 3"/>
-          <p:cNvPicPr>
-            <a:picLocks noChangeAspect="1"/>
-          </p:cNvPicPr>
-          <p:nvPr/>
-        </p:nvPicPr>
-        <p:blipFill>
-          <a:blip r:embed="rId6">
-            <a:extLst>
-              <a:ext uri="{28A0092B-C50C-407E-A947-70E740481C1C}">
-                <a14:useLocalDpi xmlns:a14="http://schemas.microsoft.com/office/drawing/2010/main" val="0"/>
-              </a:ext>
-            </a:extLst>
-          </a:blip>
-          <a:stretch>
-            <a:fillRect/>
-          </a:stretch>
-        </p:blipFill>
-        <p:spPr>
-          <a:xfrm>
-            <a:off x="7648855" y="2679032"/>
-            <a:ext cx="3633537" cy="3633537"/>
-          </a:xfrm>
-          <a:prstGeom prst="rect">
-            <a:avLst/>
-          </a:prstGeom>
-        </p:spPr>
-      </p:pic>
     </p:spTree>
     <p:extLst>
       <p:ext uri="{BB962C8B-B14F-4D97-AF65-F5344CB8AC3E}">
-        <p14:creationId xmlns:p14="http://schemas.microsoft.com/office/powerpoint/2010/main" val="3053369805"/>
+        <p14:creationId xmlns:p14="http://schemas.microsoft.com/office/powerpoint/2010/main" val="2690714384"/>
       </p:ext>
     </p:extLst>
   </p:cSld>
@@ -10819,7 +10817,7 @@
       </p:sp>
       <p:pic>
         <p:nvPicPr>
-          <p:cNvPr id="2" name="図 1"/>
+          <p:cNvPr id="30" name="図 29"/>
           <p:cNvPicPr>
             <a:picLocks noChangeAspect="1"/>
           </p:cNvPicPr>
@@ -10839,8 +10837,8 @@
         </p:blipFill>
         <p:spPr>
           <a:xfrm>
-            <a:off x="7687624" y="2679032"/>
-            <a:ext cx="3594768" cy="3594768"/>
+            <a:off x="3867437" y="2679032"/>
+            <a:ext cx="2662557" cy="3480467"/>
           </a:xfrm>
           <a:prstGeom prst="rect">
             <a:avLst/>
@@ -10849,7 +10847,7 @@
       </p:pic>
       <p:pic>
         <p:nvPicPr>
-          <p:cNvPr id="3" name="図 2"/>
+          <p:cNvPr id="2" name="図 1"/>
           <p:cNvPicPr>
             <a:picLocks noChangeAspect="1"/>
           </p:cNvPicPr>
@@ -10868,9 +10866,9 @@
           </a:stretch>
         </p:blipFill>
         <p:spPr>
-          <a:xfrm rot="16466791">
-            <a:off x="5663470" y="2450058"/>
-            <a:ext cx="3219827" cy="3623484"/>
+          <a:xfrm>
+            <a:off x="7687624" y="2679032"/>
+            <a:ext cx="3594768" cy="3594768"/>
           </a:xfrm>
           <a:prstGeom prst="rect">
             <a:avLst/>
@@ -10879,7 +10877,7 @@
       </p:pic>
       <p:pic>
         <p:nvPicPr>
-          <p:cNvPr id="4" name="図 3"/>
+          <p:cNvPr id="3" name="図 2"/>
           <p:cNvPicPr>
             <a:picLocks noChangeAspect="1"/>
           </p:cNvPicPr>
@@ -10898,8 +10896,38 @@
           </a:stretch>
         </p:blipFill>
         <p:spPr>
-          <a:xfrm>
-            <a:off x="3869268" y="2677167"/>
+          <a:xfrm rot="16466791">
+            <a:off x="5663470" y="2450058"/>
+            <a:ext cx="3219827" cy="3623484"/>
+          </a:xfrm>
+          <a:prstGeom prst="rect">
+            <a:avLst/>
+          </a:prstGeom>
+        </p:spPr>
+      </p:pic>
+      <p:pic>
+        <p:nvPicPr>
+          <p:cNvPr id="31" name="図 30"/>
+          <p:cNvPicPr>
+            <a:picLocks noChangeAspect="1"/>
+          </p:cNvPicPr>
+          <p:nvPr/>
+        </p:nvPicPr>
+        <p:blipFill>
+          <a:blip r:embed="rId6">
+            <a:extLst>
+              <a:ext uri="{28A0092B-C50C-407E-A947-70E740481C1C}">
+                <a14:useLocalDpi xmlns:a14="http://schemas.microsoft.com/office/drawing/2010/main" val="0"/>
+              </a:ext>
+            </a:extLst>
+          </a:blip>
+          <a:stretch>
+            <a:fillRect/>
+          </a:stretch>
+        </p:blipFill>
+        <p:spPr>
+          <a:xfrm>
+            <a:off x="3869268" y="2681426"/>
             <a:ext cx="2660726" cy="3478073"/>
           </a:xfrm>
           <a:prstGeom prst="rect">
@@ -10910,7 +10938,7 @@
     </p:spTree>
     <p:extLst>
       <p:ext uri="{BB962C8B-B14F-4D97-AF65-F5344CB8AC3E}">
-        <p14:creationId xmlns:p14="http://schemas.microsoft.com/office/powerpoint/2010/main" val="2431627004"/>
+        <p14:creationId xmlns:p14="http://schemas.microsoft.com/office/powerpoint/2010/main" val="710538466"/>
       </p:ext>
     </p:extLst>
   </p:cSld>
@@ -10977,7 +11005,12 @@
             <p:ph idx="1"/>
           </p:nvPr>
         </p:nvSpPr>
-        <p:spPr/>
+        <p:spPr>
+          <a:xfrm>
+            <a:off x="3869268" y="864108"/>
+            <a:ext cx="7315200" cy="939292"/>
+          </a:xfrm>
+        </p:spPr>
         <p:txBody>
           <a:bodyPr>
             <a:normAutofit/>
@@ -10986,28 +11019,214 @@
           <a:p>
             <a:pPr>
               <a:buFont typeface="+mj-lt"/>
-              <a:buAutoNum type="arabicPeriod" startAt="4"/>
+              <a:buAutoNum type="alphaLcPeriod" startAt="3"/>
             </a:pPr>
             <a:r>
               <a:rPr lang="en-US" altLang="ja-JP" sz="4000" dirty="0" err="1" smtClean="0"/>
               <a:t>WebSocket</a:t>
             </a:r>
-            <a:r>
-              <a:rPr lang="ja-JP" altLang="en-US" sz="4000" dirty="0" err="1"/>
-              <a:t>って</a:t>
-            </a:r>
-            <a:r>
-              <a:rPr lang="ja-JP" altLang="en-US" sz="4000" dirty="0"/>
-              <a:t>何？</a:t>
-            </a:r>
             <a:endParaRPr kumimoji="1" lang="ja-JP" altLang="en-US" sz="4000" dirty="0"/>
           </a:p>
         </p:txBody>
       </p:sp>
+      <p:sp>
+        <p:nvSpPr>
+          <p:cNvPr id="28" name="テキスト ボックス 27"/>
+          <p:cNvSpPr txBox="1"/>
+          <p:nvPr/>
+        </p:nvSpPr>
+        <p:spPr>
+          <a:xfrm>
+            <a:off x="3869268" y="6273800"/>
+            <a:ext cx="2660726" cy="461665"/>
+          </a:xfrm>
+          <a:prstGeom prst="rect">
+            <a:avLst/>
+          </a:prstGeom>
+          <a:noFill/>
+        </p:spPr>
+        <p:txBody>
+          <a:bodyPr wrap="square" rtlCol="0">
+            <a:spAutoFit/>
+          </a:bodyPr>
+          <a:lstStyle/>
+          <a:p>
+            <a:pPr algn="ctr"/>
+            <a:r>
+              <a:rPr kumimoji="1" lang="ja-JP" altLang="en-US" sz="2400" dirty="0" smtClean="0">
+                <a:latin typeface="HG創英角ﾎﾟｯﾌﾟ体" panose="040B0A09000000000000" pitchFamily="49" charset="-128"/>
+                <a:ea typeface="HG創英角ﾎﾟｯﾌﾟ体" panose="040B0A09000000000000" pitchFamily="49" charset="-128"/>
+              </a:rPr>
+              <a:t>クライアント</a:t>
+            </a:r>
+            <a:endParaRPr kumimoji="1" lang="ja-JP" altLang="en-US" sz="2400" dirty="0">
+              <a:latin typeface="HG創英角ﾎﾟｯﾌﾟ体" panose="040B0A09000000000000" pitchFamily="49" charset="-128"/>
+              <a:ea typeface="HG創英角ﾎﾟｯﾌﾟ体" panose="040B0A09000000000000" pitchFamily="49" charset="-128"/>
+            </a:endParaRPr>
+          </a:p>
+        </p:txBody>
+      </p:sp>
+      <p:sp>
+        <p:nvSpPr>
+          <p:cNvPr id="29" name="テキスト ボックス 28"/>
+          <p:cNvSpPr txBox="1"/>
+          <p:nvPr/>
+        </p:nvSpPr>
+        <p:spPr>
+          <a:xfrm>
+            <a:off x="8784168" y="6273800"/>
+            <a:ext cx="2498224" cy="461665"/>
+          </a:xfrm>
+          <a:prstGeom prst="rect">
+            <a:avLst/>
+          </a:prstGeom>
+          <a:noFill/>
+        </p:spPr>
+        <p:txBody>
+          <a:bodyPr wrap="square" rtlCol="0">
+            <a:spAutoFit/>
+          </a:bodyPr>
+          <a:lstStyle/>
+          <a:p>
+            <a:pPr algn="ctr"/>
+            <a:r>
+              <a:rPr kumimoji="1" lang="ja-JP" altLang="en-US" sz="2400" dirty="0" smtClean="0">
+                <a:latin typeface="HG創英角ﾎﾟｯﾌﾟ体" panose="040B0A09000000000000" pitchFamily="49" charset="-128"/>
+                <a:ea typeface="HG創英角ﾎﾟｯﾌﾟ体" panose="040B0A09000000000000" pitchFamily="49" charset="-128"/>
+              </a:rPr>
+              <a:t>サーバ</a:t>
+            </a:r>
+            <a:endParaRPr kumimoji="1" lang="ja-JP" altLang="en-US" sz="2400" dirty="0">
+              <a:latin typeface="HG創英角ﾎﾟｯﾌﾟ体" panose="040B0A09000000000000" pitchFamily="49" charset="-128"/>
+              <a:ea typeface="HG創英角ﾎﾟｯﾌﾟ体" panose="040B0A09000000000000" pitchFamily="49" charset="-128"/>
+            </a:endParaRPr>
+          </a:p>
+        </p:txBody>
+      </p:sp>
+      <p:pic>
+        <p:nvPicPr>
+          <p:cNvPr id="30" name="図 29"/>
+          <p:cNvPicPr>
+            <a:picLocks noChangeAspect="1"/>
+          </p:cNvPicPr>
+          <p:nvPr/>
+        </p:nvPicPr>
+        <p:blipFill>
+          <a:blip r:embed="rId3">
+            <a:extLst>
+              <a:ext uri="{28A0092B-C50C-407E-A947-70E740481C1C}">
+                <a14:useLocalDpi xmlns:a14="http://schemas.microsoft.com/office/drawing/2010/main" val="0"/>
+              </a:ext>
+            </a:extLst>
+          </a:blip>
+          <a:stretch>
+            <a:fillRect/>
+          </a:stretch>
+        </p:blipFill>
+        <p:spPr>
+          <a:xfrm>
+            <a:off x="3867437" y="2679032"/>
+            <a:ext cx="2662557" cy="3480467"/>
+          </a:xfrm>
+          <a:prstGeom prst="rect">
+            <a:avLst/>
+          </a:prstGeom>
+        </p:spPr>
+      </p:pic>
+      <p:pic>
+        <p:nvPicPr>
+          <p:cNvPr id="3" name="図 2"/>
+          <p:cNvPicPr>
+            <a:picLocks noChangeAspect="1"/>
+          </p:cNvPicPr>
+          <p:nvPr/>
+        </p:nvPicPr>
+        <p:blipFill>
+          <a:blip r:embed="rId4">
+            <a:extLst>
+              <a:ext uri="{28A0092B-C50C-407E-A947-70E740481C1C}">
+                <a14:useLocalDpi xmlns:a14="http://schemas.microsoft.com/office/drawing/2010/main" val="0"/>
+              </a:ext>
+            </a:extLst>
+          </a:blip>
+          <a:stretch>
+            <a:fillRect/>
+          </a:stretch>
+        </p:blipFill>
+        <p:spPr>
+          <a:xfrm rot="16466791">
+            <a:off x="5663470" y="2450058"/>
+            <a:ext cx="3219827" cy="3623484"/>
+          </a:xfrm>
+          <a:prstGeom prst="rect">
+            <a:avLst/>
+          </a:prstGeom>
+        </p:spPr>
+      </p:pic>
+      <p:pic>
+        <p:nvPicPr>
+          <p:cNvPr id="31" name="図 30"/>
+          <p:cNvPicPr>
+            <a:picLocks noChangeAspect="1"/>
+          </p:cNvPicPr>
+          <p:nvPr/>
+        </p:nvPicPr>
+        <p:blipFill>
+          <a:blip r:embed="rId5">
+            <a:extLst>
+              <a:ext uri="{28A0092B-C50C-407E-A947-70E740481C1C}">
+                <a14:useLocalDpi xmlns:a14="http://schemas.microsoft.com/office/drawing/2010/main" val="0"/>
+              </a:ext>
+            </a:extLst>
+          </a:blip>
+          <a:stretch>
+            <a:fillRect/>
+          </a:stretch>
+        </p:blipFill>
+        <p:spPr>
+          <a:xfrm>
+            <a:off x="3869268" y="2681426"/>
+            <a:ext cx="2660726" cy="3478073"/>
+          </a:xfrm>
+          <a:prstGeom prst="rect">
+            <a:avLst/>
+          </a:prstGeom>
+        </p:spPr>
+      </p:pic>
+      <p:pic>
+        <p:nvPicPr>
+          <p:cNvPr id="4" name="図 3"/>
+          <p:cNvPicPr>
+            <a:picLocks noChangeAspect="1"/>
+          </p:cNvPicPr>
+          <p:nvPr/>
+        </p:nvPicPr>
+        <p:blipFill>
+          <a:blip r:embed="rId6">
+            <a:extLst>
+              <a:ext uri="{28A0092B-C50C-407E-A947-70E740481C1C}">
+                <a14:useLocalDpi xmlns:a14="http://schemas.microsoft.com/office/drawing/2010/main" val="0"/>
+              </a:ext>
+            </a:extLst>
+          </a:blip>
+          <a:stretch>
+            <a:fillRect/>
+          </a:stretch>
+        </p:blipFill>
+        <p:spPr>
+          <a:xfrm>
+            <a:off x="7648855" y="2679032"/>
+            <a:ext cx="3633537" cy="3633537"/>
+          </a:xfrm>
+          <a:prstGeom prst="rect">
+            <a:avLst/>
+          </a:prstGeom>
+        </p:spPr>
+      </p:pic>
     </p:spTree>
     <p:extLst>
       <p:ext uri="{BB962C8B-B14F-4D97-AF65-F5344CB8AC3E}">
-        <p14:creationId xmlns:p14="http://schemas.microsoft.com/office/powerpoint/2010/main" val="2690714384"/>
+        <p14:creationId xmlns:p14="http://schemas.microsoft.com/office/powerpoint/2010/main" val="3053369805"/>
       </p:ext>
     </p:extLst>
   </p:cSld>
@@ -11074,7 +11293,12 @@
             <p:ph idx="1"/>
           </p:nvPr>
         </p:nvSpPr>
-        <p:spPr/>
+        <p:spPr>
+          <a:xfrm>
+            <a:off x="3869268" y="864108"/>
+            <a:ext cx="7315200" cy="939292"/>
+          </a:xfrm>
+        </p:spPr>
         <p:txBody>
           <a:bodyPr>
             <a:normAutofit/>
@@ -11083,24 +11307,184 @@
           <a:p>
             <a:pPr>
               <a:buFont typeface="+mj-lt"/>
-              <a:buAutoNum type="arabicPeriod" startAt="5"/>
+              <a:buAutoNum type="alphaLcPeriod" startAt="3"/>
             </a:pPr>
             <a:r>
-              <a:rPr lang="ja-JP" altLang="en-US" sz="4000" dirty="0" smtClean="0"/>
-              <a:t>セッション</a:t>
-            </a:r>
-            <a:r>
-              <a:rPr lang="ja-JP" altLang="en-US" sz="4000" dirty="0"/>
-              <a:t>管理</a:t>
-            </a:r>
-            <a:endParaRPr kumimoji="1" lang="ja-JP" altLang="en-US" sz="4000" b="1" dirty="0"/>
-          </a:p>
-        </p:txBody>
-      </p:sp>
+              <a:rPr lang="en-US" altLang="ja-JP" sz="4000" dirty="0" err="1" smtClean="0"/>
+              <a:t>WebSocket</a:t>
+            </a:r>
+            <a:endParaRPr kumimoji="1" lang="ja-JP" altLang="en-US" sz="4000" dirty="0"/>
+          </a:p>
+        </p:txBody>
+      </p:sp>
+      <p:sp>
+        <p:nvSpPr>
+          <p:cNvPr id="28" name="テキスト ボックス 27"/>
+          <p:cNvSpPr txBox="1"/>
+          <p:nvPr/>
+        </p:nvSpPr>
+        <p:spPr>
+          <a:xfrm>
+            <a:off x="3869268" y="6273800"/>
+            <a:ext cx="2660726" cy="461665"/>
+          </a:xfrm>
+          <a:prstGeom prst="rect">
+            <a:avLst/>
+          </a:prstGeom>
+          <a:noFill/>
+        </p:spPr>
+        <p:txBody>
+          <a:bodyPr wrap="square" rtlCol="0">
+            <a:spAutoFit/>
+          </a:bodyPr>
+          <a:lstStyle/>
+          <a:p>
+            <a:pPr algn="ctr"/>
+            <a:r>
+              <a:rPr kumimoji="1" lang="ja-JP" altLang="en-US" sz="2400" dirty="0" smtClean="0">
+                <a:latin typeface="HG創英角ﾎﾟｯﾌﾟ体" panose="040B0A09000000000000" pitchFamily="49" charset="-128"/>
+                <a:ea typeface="HG創英角ﾎﾟｯﾌﾟ体" panose="040B0A09000000000000" pitchFamily="49" charset="-128"/>
+              </a:rPr>
+              <a:t>クライアント</a:t>
+            </a:r>
+            <a:endParaRPr kumimoji="1" lang="ja-JP" altLang="en-US" sz="2400" dirty="0">
+              <a:latin typeface="HG創英角ﾎﾟｯﾌﾟ体" panose="040B0A09000000000000" pitchFamily="49" charset="-128"/>
+              <a:ea typeface="HG創英角ﾎﾟｯﾌﾟ体" panose="040B0A09000000000000" pitchFamily="49" charset="-128"/>
+            </a:endParaRPr>
+          </a:p>
+        </p:txBody>
+      </p:sp>
+      <p:sp>
+        <p:nvSpPr>
+          <p:cNvPr id="29" name="テキスト ボックス 28"/>
+          <p:cNvSpPr txBox="1"/>
+          <p:nvPr/>
+        </p:nvSpPr>
+        <p:spPr>
+          <a:xfrm>
+            <a:off x="8784168" y="6273800"/>
+            <a:ext cx="2498224" cy="461665"/>
+          </a:xfrm>
+          <a:prstGeom prst="rect">
+            <a:avLst/>
+          </a:prstGeom>
+          <a:noFill/>
+        </p:spPr>
+        <p:txBody>
+          <a:bodyPr wrap="square" rtlCol="0">
+            <a:spAutoFit/>
+          </a:bodyPr>
+          <a:lstStyle/>
+          <a:p>
+            <a:pPr algn="ctr"/>
+            <a:r>
+              <a:rPr kumimoji="1" lang="ja-JP" altLang="en-US" sz="2400" dirty="0" smtClean="0">
+                <a:latin typeface="HG創英角ﾎﾟｯﾌﾟ体" panose="040B0A09000000000000" pitchFamily="49" charset="-128"/>
+                <a:ea typeface="HG創英角ﾎﾟｯﾌﾟ体" panose="040B0A09000000000000" pitchFamily="49" charset="-128"/>
+              </a:rPr>
+              <a:t>サーバ</a:t>
+            </a:r>
+            <a:endParaRPr kumimoji="1" lang="ja-JP" altLang="en-US" sz="2400" dirty="0">
+              <a:latin typeface="HG創英角ﾎﾟｯﾌﾟ体" panose="040B0A09000000000000" pitchFamily="49" charset="-128"/>
+              <a:ea typeface="HG創英角ﾎﾟｯﾌﾟ体" panose="040B0A09000000000000" pitchFamily="49" charset="-128"/>
+            </a:endParaRPr>
+          </a:p>
+        </p:txBody>
+      </p:sp>
+      <p:pic>
+        <p:nvPicPr>
+          <p:cNvPr id="2" name="図 1"/>
+          <p:cNvPicPr>
+            <a:picLocks noChangeAspect="1"/>
+          </p:cNvPicPr>
+          <p:nvPr/>
+        </p:nvPicPr>
+        <p:blipFill>
+          <a:blip r:embed="rId3">
+            <a:extLst>
+              <a:ext uri="{28A0092B-C50C-407E-A947-70E740481C1C}">
+                <a14:useLocalDpi xmlns:a14="http://schemas.microsoft.com/office/drawing/2010/main" val="0"/>
+              </a:ext>
+            </a:extLst>
+          </a:blip>
+          <a:stretch>
+            <a:fillRect/>
+          </a:stretch>
+        </p:blipFill>
+        <p:spPr>
+          <a:xfrm>
+            <a:off x="7687624" y="2679032"/>
+            <a:ext cx="3594768" cy="3594768"/>
+          </a:xfrm>
+          <a:prstGeom prst="rect">
+            <a:avLst/>
+          </a:prstGeom>
+        </p:spPr>
+      </p:pic>
+      <p:pic>
+        <p:nvPicPr>
+          <p:cNvPr id="3" name="図 2"/>
+          <p:cNvPicPr>
+            <a:picLocks noChangeAspect="1"/>
+          </p:cNvPicPr>
+          <p:nvPr/>
+        </p:nvPicPr>
+        <p:blipFill>
+          <a:blip r:embed="rId4">
+            <a:extLst>
+              <a:ext uri="{28A0092B-C50C-407E-A947-70E740481C1C}">
+                <a14:useLocalDpi xmlns:a14="http://schemas.microsoft.com/office/drawing/2010/main" val="0"/>
+              </a:ext>
+            </a:extLst>
+          </a:blip>
+          <a:stretch>
+            <a:fillRect/>
+          </a:stretch>
+        </p:blipFill>
+        <p:spPr>
+          <a:xfrm rot="16466791">
+            <a:off x="5663470" y="2450058"/>
+            <a:ext cx="3219827" cy="3623484"/>
+          </a:xfrm>
+          <a:prstGeom prst="rect">
+            <a:avLst/>
+          </a:prstGeom>
+        </p:spPr>
+      </p:pic>
+      <p:pic>
+        <p:nvPicPr>
+          <p:cNvPr id="4" name="図 3"/>
+          <p:cNvPicPr>
+            <a:picLocks noChangeAspect="1"/>
+          </p:cNvPicPr>
+          <p:nvPr/>
+        </p:nvPicPr>
+        <p:blipFill>
+          <a:blip r:embed="rId5">
+            <a:extLst>
+              <a:ext uri="{28A0092B-C50C-407E-A947-70E740481C1C}">
+                <a14:useLocalDpi xmlns:a14="http://schemas.microsoft.com/office/drawing/2010/main" val="0"/>
+              </a:ext>
+            </a:extLst>
+          </a:blip>
+          <a:stretch>
+            <a:fillRect/>
+          </a:stretch>
+        </p:blipFill>
+        <p:spPr>
+          <a:xfrm>
+            <a:off x="3869268" y="2677167"/>
+            <a:ext cx="2660726" cy="3478073"/>
+          </a:xfrm>
+          <a:prstGeom prst="rect">
+            <a:avLst/>
+          </a:prstGeom>
+        </p:spPr>
+      </p:pic>
     </p:spTree>
     <p:extLst>
       <p:ext uri="{BB962C8B-B14F-4D97-AF65-F5344CB8AC3E}">
-        <p14:creationId xmlns:p14="http://schemas.microsoft.com/office/powerpoint/2010/main" val="704955874"/>
+        <p14:creationId xmlns:p14="http://schemas.microsoft.com/office/powerpoint/2010/main" val="2431627004"/>
       </p:ext>
     </p:extLst>
   </p:cSld>
@@ -11167,29 +11551,72 @@
             <p:ph idx="1"/>
           </p:nvPr>
         </p:nvSpPr>
-        <p:spPr/>
+        <p:spPr>
+          <a:xfrm>
+            <a:off x="3869268" y="864108"/>
+            <a:ext cx="7315200" cy="1124712"/>
+          </a:xfrm>
+        </p:spPr>
         <p:txBody>
           <a:bodyPr>
             <a:normAutofit/>
           </a:bodyPr>
           <a:lstStyle/>
           <a:p>
-            <a:pPr>
+            <a:pPr algn="r">
               <a:buFont typeface="+mj-lt"/>
-              <a:buAutoNum type="arabicPeriod" startAt="6"/>
+              <a:buAutoNum type="arabicPeriod" startAt="5"/>
             </a:pPr>
             <a:r>
+              <a:rPr lang="en-US" altLang="ja-JP" sz="4000" dirty="0" err="1" smtClean="0"/>
+              <a:t>WebSocket</a:t>
+            </a:r>
+            <a:r>
+              <a:rPr lang="ja-JP" altLang="en-US" sz="4000" dirty="0"/>
+              <a:t>を</a:t>
+            </a:r>
+            <a:r>
               <a:rPr lang="ja-JP" altLang="en-US" sz="4000" dirty="0" smtClean="0"/>
-              <a:t>質疑応答</a:t>
+              <a:t>採用！！</a:t>
             </a:r>
             <a:endParaRPr kumimoji="1" lang="ja-JP" altLang="en-US" sz="4000" b="1" dirty="0"/>
           </a:p>
         </p:txBody>
       </p:sp>
+      <p:pic>
+        <p:nvPicPr>
+          <p:cNvPr id="2" name="図 1"/>
+          <p:cNvPicPr>
+            <a:picLocks noChangeAspect="1"/>
+          </p:cNvPicPr>
+          <p:nvPr/>
+        </p:nvPicPr>
+        <p:blipFill>
+          <a:blip r:embed="rId3">
+            <a:extLst>
+              <a:ext uri="{28A0092B-C50C-407E-A947-70E740481C1C}">
+                <a14:useLocalDpi xmlns:a14="http://schemas.microsoft.com/office/drawing/2010/main" val="0"/>
+              </a:ext>
+            </a:extLst>
+          </a:blip>
+          <a:stretch>
+            <a:fillRect/>
+          </a:stretch>
+        </p:blipFill>
+        <p:spPr>
+          <a:xfrm>
+            <a:off x="3537798" y="1626757"/>
+            <a:ext cx="8654202" cy="8654202"/>
+          </a:xfrm>
+          <a:prstGeom prst="rect">
+            <a:avLst/>
+          </a:prstGeom>
+        </p:spPr>
+      </p:pic>
     </p:spTree>
     <p:extLst>
       <p:ext uri="{BB962C8B-B14F-4D97-AF65-F5344CB8AC3E}">
-        <p14:creationId xmlns:p14="http://schemas.microsoft.com/office/powerpoint/2010/main" val="2607148836"/>
+        <p14:creationId xmlns:p14="http://schemas.microsoft.com/office/powerpoint/2010/main" val="704955874"/>
       </p:ext>
     </p:extLst>
   </p:cSld>
@@ -11256,14 +11683,431 @@
             <p:ph idx="1"/>
           </p:nvPr>
         </p:nvSpPr>
-        <p:spPr/>
+        <p:spPr>
+          <a:xfrm>
+            <a:off x="3869268" y="864108"/>
+            <a:ext cx="7315200" cy="1261872"/>
+          </a:xfrm>
+        </p:spPr>
         <p:txBody>
           <a:bodyPr>
             <a:normAutofit/>
           </a:bodyPr>
           <a:lstStyle/>
           <a:p>
-            <a:pPr>
+            <a:pPr algn="r">
+              <a:buFont typeface="+mj-lt"/>
+              <a:buAutoNum type="arabicPeriod" startAt="6"/>
+            </a:pPr>
+            <a:r>
+              <a:rPr lang="ja-JP" altLang="en-US" sz="4000" dirty="0" smtClean="0"/>
+              <a:t>質疑応答</a:t>
+            </a:r>
+            <a:endParaRPr kumimoji="1" lang="ja-JP" altLang="en-US" sz="4000" b="1" dirty="0"/>
+          </a:p>
+        </p:txBody>
+      </p:sp>
+      <p:pic>
+        <p:nvPicPr>
+          <p:cNvPr id="2" name="図 1"/>
+          <p:cNvPicPr>
+            <a:picLocks noChangeAspect="1"/>
+          </p:cNvPicPr>
+          <p:nvPr/>
+        </p:nvPicPr>
+        <p:blipFill>
+          <a:blip r:embed="rId2">
+            <a:extLst>
+              <a:ext uri="{28A0092B-C50C-407E-A947-70E740481C1C}">
+                <a14:useLocalDpi xmlns:a14="http://schemas.microsoft.com/office/drawing/2010/main" val="0"/>
+              </a:ext>
+            </a:extLst>
+          </a:blip>
+          <a:stretch>
+            <a:fillRect/>
+          </a:stretch>
+        </p:blipFill>
+        <p:spPr>
+          <a:xfrm>
+            <a:off x="3869268" y="3127933"/>
+            <a:ext cx="3743112" cy="3110942"/>
+          </a:xfrm>
+          <a:prstGeom prst="rect">
+            <a:avLst/>
+          </a:prstGeom>
+        </p:spPr>
+      </p:pic>
+      <p:sp>
+        <p:nvSpPr>
+          <p:cNvPr id="5" name="コンテンツ プレースホルダー 10"/>
+          <p:cNvSpPr txBox="1">
+            <a:spLocks/>
+          </p:cNvSpPr>
+          <p:nvPr/>
+        </p:nvSpPr>
+        <p:spPr>
+          <a:xfrm>
+            <a:off x="2663190" y="1898065"/>
+            <a:ext cx="9898380" cy="1229868"/>
+          </a:xfrm>
+          <a:prstGeom prst="rect">
+            <a:avLst/>
+          </a:prstGeom>
+        </p:spPr>
+        <p:txBody>
+          <a:bodyPr vert="horz" lIns="91440" tIns="45720" rIns="91440" bIns="45720" rtlCol="0" anchor="ctr">
+            <a:normAutofit/>
+          </a:bodyPr>
+          <a:lstStyle>
+            <a:lvl1pPr marL="457200" indent="-457200" algn="l" defTabSz="914400" rtl="0" eaLnBrk="1" latinLnBrk="0" hangingPunct="1">
+              <a:lnSpc>
+                <a:spcPct val="90000"/>
+              </a:lnSpc>
+              <a:spcBef>
+                <a:spcPts val="1200"/>
+              </a:spcBef>
+              <a:buClr>
+                <a:schemeClr val="accent1"/>
+              </a:buClr>
+              <a:buSzPct val="130000"/>
+              <a:buFont typeface="+mj-lt"/>
+              <a:buAutoNum type="arabicPeriod"/>
+              <a:defRPr kumimoji="1" sz="2000" kern="1200">
+                <a:solidFill>
+                  <a:schemeClr val="tx1">
+                    <a:lumMod val="65000"/>
+                    <a:lumOff val="35000"/>
+                  </a:schemeClr>
+                </a:solidFill>
+                <a:latin typeface="+mn-lt"/>
+                <a:ea typeface="+mn-ea"/>
+                <a:cs typeface="+mn-cs"/>
+              </a:defRPr>
+            </a:lvl1pPr>
+            <a:lvl2pPr marL="845820" indent="-342900" algn="l" defTabSz="914400" rtl="0" eaLnBrk="1" latinLnBrk="0" hangingPunct="1">
+              <a:lnSpc>
+                <a:spcPct val="90000"/>
+              </a:lnSpc>
+              <a:spcBef>
+                <a:spcPts val="250"/>
+              </a:spcBef>
+              <a:spcAft>
+                <a:spcPts val="250"/>
+              </a:spcAft>
+              <a:buClr>
+                <a:schemeClr val="accent1"/>
+              </a:buClr>
+              <a:buFont typeface="+mj-lt"/>
+              <a:buAutoNum type="alphaLcPeriod"/>
+              <a:defRPr kumimoji="1" sz="1800" kern="1200">
+                <a:solidFill>
+                  <a:schemeClr val="tx1">
+                    <a:lumMod val="65000"/>
+                    <a:lumOff val="35000"/>
+                  </a:schemeClr>
+                </a:solidFill>
+                <a:latin typeface="+mn-lt"/>
+                <a:ea typeface="+mn-ea"/>
+                <a:cs typeface="+mn-cs"/>
+              </a:defRPr>
+            </a:lvl2pPr>
+            <a:lvl3pPr marL="960120" indent="0" algn="l" defTabSz="914400" rtl="0" eaLnBrk="1" latinLnBrk="0" hangingPunct="1">
+              <a:lnSpc>
+                <a:spcPct val="90000"/>
+              </a:lnSpc>
+              <a:spcBef>
+                <a:spcPts val="250"/>
+              </a:spcBef>
+              <a:spcAft>
+                <a:spcPts val="250"/>
+              </a:spcAft>
+              <a:buClr>
+                <a:schemeClr val="accent1"/>
+              </a:buClr>
+              <a:buFont typeface="Wingdings 2" pitchFamily="18" charset="2"/>
+              <a:buNone/>
+              <a:defRPr kumimoji="1" sz="1600" kern="1200">
+                <a:solidFill>
+                  <a:schemeClr val="tx1">
+                    <a:lumMod val="65000"/>
+                    <a:lumOff val="35000"/>
+                  </a:schemeClr>
+                </a:solidFill>
+                <a:latin typeface="+mn-lt"/>
+                <a:ea typeface="+mn-ea"/>
+                <a:cs typeface="+mn-cs"/>
+              </a:defRPr>
+            </a:lvl3pPr>
+            <a:lvl4pPr marL="1600200" indent="-182880" algn="l" defTabSz="914400" rtl="0" eaLnBrk="1" latinLnBrk="0" hangingPunct="1">
+              <a:lnSpc>
+                <a:spcPct val="90000"/>
+              </a:lnSpc>
+              <a:spcBef>
+                <a:spcPts val="250"/>
+              </a:spcBef>
+              <a:spcAft>
+                <a:spcPts val="250"/>
+              </a:spcAft>
+              <a:buClr>
+                <a:schemeClr val="accent1"/>
+              </a:buClr>
+              <a:buFont typeface="Wingdings 2" pitchFamily="18" charset="2"/>
+              <a:buChar char=""/>
+              <a:defRPr kumimoji="1" sz="1400" kern="1200">
+                <a:solidFill>
+                  <a:schemeClr val="tx1">
+                    <a:lumMod val="65000"/>
+                    <a:lumOff val="35000"/>
+                  </a:schemeClr>
+                </a:solidFill>
+                <a:latin typeface="+mn-lt"/>
+                <a:ea typeface="+mn-ea"/>
+                <a:cs typeface="+mn-cs"/>
+              </a:defRPr>
+            </a:lvl4pPr>
+            <a:lvl5pPr marL="2057400" indent="-182880" algn="l" defTabSz="914400" rtl="0" eaLnBrk="1" latinLnBrk="0" hangingPunct="1">
+              <a:lnSpc>
+                <a:spcPct val="90000"/>
+              </a:lnSpc>
+              <a:spcBef>
+                <a:spcPts val="250"/>
+              </a:spcBef>
+              <a:spcAft>
+                <a:spcPts val="250"/>
+              </a:spcAft>
+              <a:buClr>
+                <a:schemeClr val="accent1"/>
+              </a:buClr>
+              <a:buFont typeface="Wingdings 2" pitchFamily="18" charset="2"/>
+              <a:buChar char=""/>
+              <a:defRPr kumimoji="1" sz="1400" kern="1200">
+                <a:solidFill>
+                  <a:schemeClr val="tx1">
+                    <a:lumMod val="65000"/>
+                    <a:lumOff val="35000"/>
+                  </a:schemeClr>
+                </a:solidFill>
+                <a:latin typeface="+mn-lt"/>
+                <a:ea typeface="+mn-ea"/>
+                <a:cs typeface="+mn-cs"/>
+              </a:defRPr>
+            </a:lvl5pPr>
+            <a:lvl6pPr marL="2514600" indent="-228600" algn="l" defTabSz="914400" rtl="0" eaLnBrk="1" latinLnBrk="0" hangingPunct="1">
+              <a:lnSpc>
+                <a:spcPct val="90000"/>
+              </a:lnSpc>
+              <a:spcBef>
+                <a:spcPts val="250"/>
+              </a:spcBef>
+              <a:spcAft>
+                <a:spcPts val="250"/>
+              </a:spcAft>
+              <a:buClr>
+                <a:schemeClr val="accent1"/>
+              </a:buClr>
+              <a:buFont typeface="Wingdings 2" pitchFamily="18" charset="2"/>
+              <a:buChar char=""/>
+              <a:defRPr kumimoji="1" sz="1400" kern="1200">
+                <a:solidFill>
+                  <a:schemeClr val="tx1">
+                    <a:lumMod val="65000"/>
+                    <a:lumOff val="35000"/>
+                  </a:schemeClr>
+                </a:solidFill>
+                <a:latin typeface="+mn-lt"/>
+                <a:ea typeface="+mn-ea"/>
+                <a:cs typeface="+mn-cs"/>
+              </a:defRPr>
+            </a:lvl6pPr>
+            <a:lvl7pPr marL="2971800" indent="-228600" algn="l" defTabSz="914400" rtl="0" eaLnBrk="1" latinLnBrk="0" hangingPunct="1">
+              <a:lnSpc>
+                <a:spcPct val="90000"/>
+              </a:lnSpc>
+              <a:spcBef>
+                <a:spcPts val="250"/>
+              </a:spcBef>
+              <a:spcAft>
+                <a:spcPts val="250"/>
+              </a:spcAft>
+              <a:buClr>
+                <a:schemeClr val="accent1"/>
+              </a:buClr>
+              <a:buFont typeface="Wingdings 2" pitchFamily="18" charset="2"/>
+              <a:buChar char=""/>
+              <a:defRPr kumimoji="1" sz="1400" kern="1200">
+                <a:solidFill>
+                  <a:schemeClr val="tx1">
+                    <a:lumMod val="65000"/>
+                    <a:lumOff val="35000"/>
+                  </a:schemeClr>
+                </a:solidFill>
+                <a:latin typeface="+mn-lt"/>
+                <a:ea typeface="+mn-ea"/>
+                <a:cs typeface="+mn-cs"/>
+              </a:defRPr>
+            </a:lvl7pPr>
+            <a:lvl8pPr marL="3429000" indent="-228600" algn="l" defTabSz="914400" rtl="0" eaLnBrk="1" latinLnBrk="0" hangingPunct="1">
+              <a:lnSpc>
+                <a:spcPct val="90000"/>
+              </a:lnSpc>
+              <a:spcBef>
+                <a:spcPts val="250"/>
+              </a:spcBef>
+              <a:spcAft>
+                <a:spcPts val="250"/>
+              </a:spcAft>
+              <a:buClr>
+                <a:schemeClr val="accent1"/>
+              </a:buClr>
+              <a:buFont typeface="Wingdings 2" pitchFamily="18" charset="2"/>
+              <a:buChar char=""/>
+              <a:defRPr kumimoji="1" sz="1400" kern="1200">
+                <a:solidFill>
+                  <a:schemeClr val="tx1">
+                    <a:lumMod val="65000"/>
+                    <a:lumOff val="35000"/>
+                  </a:schemeClr>
+                </a:solidFill>
+                <a:latin typeface="+mn-lt"/>
+                <a:ea typeface="+mn-ea"/>
+                <a:cs typeface="+mn-cs"/>
+              </a:defRPr>
+            </a:lvl8pPr>
+            <a:lvl9pPr marL="3886200" indent="-228600" algn="l" defTabSz="914400" rtl="0" eaLnBrk="1" latinLnBrk="0" hangingPunct="1">
+              <a:lnSpc>
+                <a:spcPct val="90000"/>
+              </a:lnSpc>
+              <a:spcBef>
+                <a:spcPts val="250"/>
+              </a:spcBef>
+              <a:spcAft>
+                <a:spcPts val="250"/>
+              </a:spcAft>
+              <a:buClr>
+                <a:schemeClr val="accent1"/>
+              </a:buClr>
+              <a:buFont typeface="Wingdings 2" pitchFamily="18" charset="2"/>
+              <a:buChar char=""/>
+              <a:defRPr kumimoji="1" sz="1400" kern="1200">
+                <a:solidFill>
+                  <a:schemeClr val="tx1">
+                    <a:lumMod val="65000"/>
+                    <a:lumOff val="35000"/>
+                  </a:schemeClr>
+                </a:solidFill>
+                <a:latin typeface="+mn-lt"/>
+                <a:ea typeface="+mn-ea"/>
+                <a:cs typeface="+mn-cs"/>
+              </a:defRPr>
+            </a:lvl9pPr>
+          </a:lstStyle>
+          <a:p>
+            <a:pPr marL="0" indent="0" algn="ctr">
+              <a:buNone/>
+            </a:pPr>
+            <a:r>
+              <a:rPr lang="en-US" altLang="ja-JP" sz="3200" b="1" dirty="0">
+                <a:solidFill>
+                  <a:schemeClr val="accent6">
+                    <a:lumMod val="75000"/>
+                  </a:schemeClr>
+                </a:solidFill>
+              </a:rPr>
+              <a:t>https://github.com/arai2groupjava/Olynpic.git</a:t>
+            </a:r>
+            <a:endParaRPr lang="ja-JP" altLang="en-US" sz="3200" b="1" dirty="0">
+              <a:solidFill>
+                <a:schemeClr val="accent6">
+                  <a:lumMod val="75000"/>
+                </a:schemeClr>
+              </a:solidFill>
+            </a:endParaRPr>
+          </a:p>
+        </p:txBody>
+      </p:sp>
+    </p:spTree>
+    <p:extLst>
+      <p:ext uri="{BB962C8B-B14F-4D97-AF65-F5344CB8AC3E}">
+        <p14:creationId xmlns:p14="http://schemas.microsoft.com/office/powerpoint/2010/main" val="2607148836"/>
+      </p:ext>
+    </p:extLst>
+  </p:cSld>
+  <p:clrMapOvr>
+    <a:masterClrMapping/>
+  </p:clrMapOvr>
+  <p:timing>
+    <p:tnLst>
+      <p:par>
+        <p:cTn id="1" dur="indefinite" restart="never" nodeType="tmRoot"/>
+      </p:par>
+    </p:tnLst>
+  </p:timing>
+</p:sld>
+</file>
+
+<file path=ppt/slides/slide27.xml><?xml version="1.0" encoding="utf-8"?>
+<p:sld xmlns:a="http://schemas.openxmlformats.org/drawingml/2006/main" xmlns:r="http://schemas.openxmlformats.org/officeDocument/2006/relationships" xmlns:p="http://schemas.openxmlformats.org/presentationml/2006/main">
+  <p:cSld>
+    <p:spTree>
+      <p:nvGrpSpPr>
+        <p:cNvPr id="1" name=""/>
+        <p:cNvGrpSpPr/>
+        <p:nvPr/>
+      </p:nvGrpSpPr>
+      <p:grpSpPr>
+        <a:xfrm>
+          <a:off x="0" y="0"/>
+          <a:ext cx="0" cy="0"/>
+          <a:chOff x="0" y="0"/>
+          <a:chExt cx="0" cy="0"/>
+        </a:xfrm>
+      </p:grpSpPr>
+      <p:sp>
+        <p:nvSpPr>
+          <p:cNvPr id="10" name="タイトル 9"/>
+          <p:cNvSpPr>
+            <a:spLocks noGrp="1"/>
+          </p:cNvSpPr>
+          <p:nvPr>
+            <p:ph type="title"/>
+          </p:nvPr>
+        </p:nvSpPr>
+        <p:spPr/>
+        <p:txBody>
+          <a:bodyPr/>
+          <a:lstStyle/>
+          <a:p>
+            <a:r>
+              <a:rPr kumimoji="1" lang="ja-JP" altLang="en-US" sz="4000" dirty="0" smtClean="0"/>
+              <a:t>　</a:t>
+            </a:r>
+            <a:endParaRPr kumimoji="1" lang="ja-JP" altLang="en-US" sz="4000" dirty="0"/>
+          </a:p>
+        </p:txBody>
+      </p:sp>
+      <p:sp>
+        <p:nvSpPr>
+          <p:cNvPr id="11" name="コンテンツ プレースホルダー 10"/>
+          <p:cNvSpPr>
+            <a:spLocks noGrp="1"/>
+          </p:cNvSpPr>
+          <p:nvPr>
+            <p:ph idx="1"/>
+          </p:nvPr>
+        </p:nvSpPr>
+        <p:spPr>
+          <a:xfrm>
+            <a:off x="3869268" y="864108"/>
+            <a:ext cx="7315200" cy="1010412"/>
+          </a:xfrm>
+        </p:spPr>
+        <p:txBody>
+          <a:bodyPr>
+            <a:normAutofit/>
+          </a:bodyPr>
+          <a:lstStyle/>
+          <a:p>
+            <a:pPr algn="r">
               <a:buFont typeface="+mj-lt"/>
               <a:buAutoNum type="arabicPeriod" startAt="7"/>
             </a:pPr>
@@ -11276,6 +12120,324 @@
               <a:t>みよう</a:t>
             </a:r>
             <a:endParaRPr kumimoji="1" lang="ja-JP" altLang="en-US" sz="4000" b="1" dirty="0"/>
+          </a:p>
+        </p:txBody>
+      </p:sp>
+      <p:pic>
+        <p:nvPicPr>
+          <p:cNvPr id="2" name="図 1"/>
+          <p:cNvPicPr>
+            <a:picLocks noChangeAspect="1"/>
+          </p:cNvPicPr>
+          <p:nvPr/>
+        </p:nvPicPr>
+        <p:blipFill>
+          <a:blip r:embed="rId2">
+            <a:extLst>
+              <a:ext uri="{28A0092B-C50C-407E-A947-70E740481C1C}">
+                <a14:useLocalDpi xmlns:a14="http://schemas.microsoft.com/office/drawing/2010/main" val="0"/>
+              </a:ext>
+            </a:extLst>
+          </a:blip>
+          <a:stretch>
+            <a:fillRect/>
+          </a:stretch>
+        </p:blipFill>
+        <p:spPr>
+          <a:xfrm>
+            <a:off x="3716868" y="3543300"/>
+            <a:ext cx="3014110" cy="2795587"/>
+          </a:xfrm>
+          <a:prstGeom prst="rect">
+            <a:avLst/>
+          </a:prstGeom>
+        </p:spPr>
+      </p:pic>
+      <p:sp>
+        <p:nvSpPr>
+          <p:cNvPr id="5" name="コンテンツ プレースホルダー 10"/>
+          <p:cNvSpPr txBox="1">
+            <a:spLocks/>
+          </p:cNvSpPr>
+          <p:nvPr/>
+        </p:nvSpPr>
+        <p:spPr>
+          <a:xfrm>
+            <a:off x="3474720" y="2194560"/>
+            <a:ext cx="8092440" cy="1229868"/>
+          </a:xfrm>
+          <a:prstGeom prst="rect">
+            <a:avLst/>
+          </a:prstGeom>
+        </p:spPr>
+        <p:txBody>
+          <a:bodyPr vert="horz" lIns="91440" tIns="45720" rIns="91440" bIns="45720" rtlCol="0" anchor="ctr">
+            <a:normAutofit/>
+          </a:bodyPr>
+          <a:lstStyle>
+            <a:lvl1pPr marL="457200" indent="-457200" algn="l" defTabSz="914400" rtl="0" eaLnBrk="1" latinLnBrk="0" hangingPunct="1">
+              <a:lnSpc>
+                <a:spcPct val="90000"/>
+              </a:lnSpc>
+              <a:spcBef>
+                <a:spcPts val="1200"/>
+              </a:spcBef>
+              <a:buClr>
+                <a:schemeClr val="accent1"/>
+              </a:buClr>
+              <a:buSzPct val="130000"/>
+              <a:buFont typeface="+mj-lt"/>
+              <a:buAutoNum type="arabicPeriod"/>
+              <a:defRPr kumimoji="1" sz="2000" kern="1200">
+                <a:solidFill>
+                  <a:schemeClr val="tx1">
+                    <a:lumMod val="65000"/>
+                    <a:lumOff val="35000"/>
+                  </a:schemeClr>
+                </a:solidFill>
+                <a:latin typeface="+mn-lt"/>
+                <a:ea typeface="+mn-ea"/>
+                <a:cs typeface="+mn-cs"/>
+              </a:defRPr>
+            </a:lvl1pPr>
+            <a:lvl2pPr marL="845820" indent="-342900" algn="l" defTabSz="914400" rtl="0" eaLnBrk="1" latinLnBrk="0" hangingPunct="1">
+              <a:lnSpc>
+                <a:spcPct val="90000"/>
+              </a:lnSpc>
+              <a:spcBef>
+                <a:spcPts val="250"/>
+              </a:spcBef>
+              <a:spcAft>
+                <a:spcPts val="250"/>
+              </a:spcAft>
+              <a:buClr>
+                <a:schemeClr val="accent1"/>
+              </a:buClr>
+              <a:buFont typeface="+mj-lt"/>
+              <a:buAutoNum type="alphaLcPeriod"/>
+              <a:defRPr kumimoji="1" sz="1800" kern="1200">
+                <a:solidFill>
+                  <a:schemeClr val="tx1">
+                    <a:lumMod val="65000"/>
+                    <a:lumOff val="35000"/>
+                  </a:schemeClr>
+                </a:solidFill>
+                <a:latin typeface="+mn-lt"/>
+                <a:ea typeface="+mn-ea"/>
+                <a:cs typeface="+mn-cs"/>
+              </a:defRPr>
+            </a:lvl2pPr>
+            <a:lvl3pPr marL="960120" indent="0" algn="l" defTabSz="914400" rtl="0" eaLnBrk="1" latinLnBrk="0" hangingPunct="1">
+              <a:lnSpc>
+                <a:spcPct val="90000"/>
+              </a:lnSpc>
+              <a:spcBef>
+                <a:spcPts val="250"/>
+              </a:spcBef>
+              <a:spcAft>
+                <a:spcPts val="250"/>
+              </a:spcAft>
+              <a:buClr>
+                <a:schemeClr val="accent1"/>
+              </a:buClr>
+              <a:buFont typeface="Wingdings 2" pitchFamily="18" charset="2"/>
+              <a:buNone/>
+              <a:defRPr kumimoji="1" sz="1600" kern="1200">
+                <a:solidFill>
+                  <a:schemeClr val="tx1">
+                    <a:lumMod val="65000"/>
+                    <a:lumOff val="35000"/>
+                  </a:schemeClr>
+                </a:solidFill>
+                <a:latin typeface="+mn-lt"/>
+                <a:ea typeface="+mn-ea"/>
+                <a:cs typeface="+mn-cs"/>
+              </a:defRPr>
+            </a:lvl3pPr>
+            <a:lvl4pPr marL="1600200" indent="-182880" algn="l" defTabSz="914400" rtl="0" eaLnBrk="1" latinLnBrk="0" hangingPunct="1">
+              <a:lnSpc>
+                <a:spcPct val="90000"/>
+              </a:lnSpc>
+              <a:spcBef>
+                <a:spcPts val="250"/>
+              </a:spcBef>
+              <a:spcAft>
+                <a:spcPts val="250"/>
+              </a:spcAft>
+              <a:buClr>
+                <a:schemeClr val="accent1"/>
+              </a:buClr>
+              <a:buFont typeface="Wingdings 2" pitchFamily="18" charset="2"/>
+              <a:buChar char=""/>
+              <a:defRPr kumimoji="1" sz="1400" kern="1200">
+                <a:solidFill>
+                  <a:schemeClr val="tx1">
+                    <a:lumMod val="65000"/>
+                    <a:lumOff val="35000"/>
+                  </a:schemeClr>
+                </a:solidFill>
+                <a:latin typeface="+mn-lt"/>
+                <a:ea typeface="+mn-ea"/>
+                <a:cs typeface="+mn-cs"/>
+              </a:defRPr>
+            </a:lvl4pPr>
+            <a:lvl5pPr marL="2057400" indent="-182880" algn="l" defTabSz="914400" rtl="0" eaLnBrk="1" latinLnBrk="0" hangingPunct="1">
+              <a:lnSpc>
+                <a:spcPct val="90000"/>
+              </a:lnSpc>
+              <a:spcBef>
+                <a:spcPts val="250"/>
+              </a:spcBef>
+              <a:spcAft>
+                <a:spcPts val="250"/>
+              </a:spcAft>
+              <a:buClr>
+                <a:schemeClr val="accent1"/>
+              </a:buClr>
+              <a:buFont typeface="Wingdings 2" pitchFamily="18" charset="2"/>
+              <a:buChar char=""/>
+              <a:defRPr kumimoji="1" sz="1400" kern="1200">
+                <a:solidFill>
+                  <a:schemeClr val="tx1">
+                    <a:lumMod val="65000"/>
+                    <a:lumOff val="35000"/>
+                  </a:schemeClr>
+                </a:solidFill>
+                <a:latin typeface="+mn-lt"/>
+                <a:ea typeface="+mn-ea"/>
+                <a:cs typeface="+mn-cs"/>
+              </a:defRPr>
+            </a:lvl5pPr>
+            <a:lvl6pPr marL="2514600" indent="-228600" algn="l" defTabSz="914400" rtl="0" eaLnBrk="1" latinLnBrk="0" hangingPunct="1">
+              <a:lnSpc>
+                <a:spcPct val="90000"/>
+              </a:lnSpc>
+              <a:spcBef>
+                <a:spcPts val="250"/>
+              </a:spcBef>
+              <a:spcAft>
+                <a:spcPts val="250"/>
+              </a:spcAft>
+              <a:buClr>
+                <a:schemeClr val="accent1"/>
+              </a:buClr>
+              <a:buFont typeface="Wingdings 2" pitchFamily="18" charset="2"/>
+              <a:buChar char=""/>
+              <a:defRPr kumimoji="1" sz="1400" kern="1200">
+                <a:solidFill>
+                  <a:schemeClr val="tx1">
+                    <a:lumMod val="65000"/>
+                    <a:lumOff val="35000"/>
+                  </a:schemeClr>
+                </a:solidFill>
+                <a:latin typeface="+mn-lt"/>
+                <a:ea typeface="+mn-ea"/>
+                <a:cs typeface="+mn-cs"/>
+              </a:defRPr>
+            </a:lvl6pPr>
+            <a:lvl7pPr marL="2971800" indent="-228600" algn="l" defTabSz="914400" rtl="0" eaLnBrk="1" latinLnBrk="0" hangingPunct="1">
+              <a:lnSpc>
+                <a:spcPct val="90000"/>
+              </a:lnSpc>
+              <a:spcBef>
+                <a:spcPts val="250"/>
+              </a:spcBef>
+              <a:spcAft>
+                <a:spcPts val="250"/>
+              </a:spcAft>
+              <a:buClr>
+                <a:schemeClr val="accent1"/>
+              </a:buClr>
+              <a:buFont typeface="Wingdings 2" pitchFamily="18" charset="2"/>
+              <a:buChar char=""/>
+              <a:defRPr kumimoji="1" sz="1400" kern="1200">
+                <a:solidFill>
+                  <a:schemeClr val="tx1">
+                    <a:lumMod val="65000"/>
+                    <a:lumOff val="35000"/>
+                  </a:schemeClr>
+                </a:solidFill>
+                <a:latin typeface="+mn-lt"/>
+                <a:ea typeface="+mn-ea"/>
+                <a:cs typeface="+mn-cs"/>
+              </a:defRPr>
+            </a:lvl7pPr>
+            <a:lvl8pPr marL="3429000" indent="-228600" algn="l" defTabSz="914400" rtl="0" eaLnBrk="1" latinLnBrk="0" hangingPunct="1">
+              <a:lnSpc>
+                <a:spcPct val="90000"/>
+              </a:lnSpc>
+              <a:spcBef>
+                <a:spcPts val="250"/>
+              </a:spcBef>
+              <a:spcAft>
+                <a:spcPts val="250"/>
+              </a:spcAft>
+              <a:buClr>
+                <a:schemeClr val="accent1"/>
+              </a:buClr>
+              <a:buFont typeface="Wingdings 2" pitchFamily="18" charset="2"/>
+              <a:buChar char=""/>
+              <a:defRPr kumimoji="1" sz="1400" kern="1200">
+                <a:solidFill>
+                  <a:schemeClr val="tx1">
+                    <a:lumMod val="65000"/>
+                    <a:lumOff val="35000"/>
+                  </a:schemeClr>
+                </a:solidFill>
+                <a:latin typeface="+mn-lt"/>
+                <a:ea typeface="+mn-ea"/>
+                <a:cs typeface="+mn-cs"/>
+              </a:defRPr>
+            </a:lvl8pPr>
+            <a:lvl9pPr marL="3886200" indent="-228600" algn="l" defTabSz="914400" rtl="0" eaLnBrk="1" latinLnBrk="0" hangingPunct="1">
+              <a:lnSpc>
+                <a:spcPct val="90000"/>
+              </a:lnSpc>
+              <a:spcBef>
+                <a:spcPts val="250"/>
+              </a:spcBef>
+              <a:spcAft>
+                <a:spcPts val="250"/>
+              </a:spcAft>
+              <a:buClr>
+                <a:schemeClr val="accent1"/>
+              </a:buClr>
+              <a:buFont typeface="Wingdings 2" pitchFamily="18" charset="2"/>
+              <a:buChar char=""/>
+              <a:defRPr kumimoji="1" sz="1400" kern="1200">
+                <a:solidFill>
+                  <a:schemeClr val="tx1">
+                    <a:lumMod val="65000"/>
+                    <a:lumOff val="35000"/>
+                  </a:schemeClr>
+                </a:solidFill>
+                <a:latin typeface="+mn-lt"/>
+                <a:ea typeface="+mn-ea"/>
+                <a:cs typeface="+mn-cs"/>
+              </a:defRPr>
+            </a:lvl9pPr>
+          </a:lstStyle>
+          <a:p>
+            <a:pPr marL="0" indent="0" algn="ctr">
+              <a:buNone/>
+            </a:pPr>
+            <a:r>
+              <a:rPr lang="en-US" altLang="ja-JP" sz="4000" b="1" dirty="0" smtClean="0">
+                <a:solidFill>
+                  <a:schemeClr val="accent5">
+                    <a:lumMod val="50000"/>
+                  </a:schemeClr>
+                </a:solidFill>
+              </a:rPr>
+              <a:t>http://172.19.4.14:8080/PaneTori</a:t>
+            </a:r>
+            <a:endParaRPr lang="ja-JP" altLang="en-US" sz="4000" b="1" dirty="0">
+              <a:solidFill>
+                <a:schemeClr val="accent5">
+                  <a:lumMod val="50000"/>
+                </a:schemeClr>
+              </a:solidFill>
+            </a:endParaRPr>
           </a:p>
         </p:txBody>
       </p:sp>
@@ -11299,7 +12461,7 @@
 </p:sld>
 </file>
 
-<file path=ppt/slides/slide27.xml><?xml version="1.0" encoding="utf-8"?>
+<file path=ppt/slides/slide28.xml><?xml version="1.0" encoding="utf-8"?>
 <p:sld xmlns:a="http://schemas.openxmlformats.org/drawingml/2006/main" xmlns:r="http://schemas.openxmlformats.org/officeDocument/2006/relationships" xmlns:p="http://schemas.openxmlformats.org/presentationml/2006/main">
   <p:cSld>
     <p:spTree>
@@ -11441,7 +12603,7 @@
       </p:grpSpPr>
       <p:sp>
         <p:nvSpPr>
-          <p:cNvPr id="2" name="タイトル 1"/>
+          <p:cNvPr id="10" name="タイトル 9"/>
           <p:cNvSpPr>
             <a:spLocks noGrp="1"/>
           </p:cNvSpPr>
@@ -11456,7 +12618,7 @@
           <a:p>
             <a:r>
               <a:rPr kumimoji="1" lang="ja-JP" altLang="en-US" dirty="0" smtClean="0"/>
-              <a:t>目次</a:t>
+              <a:t>　</a:t>
             </a:r>
             <a:endParaRPr kumimoji="1" lang="ja-JP" altLang="en-US" dirty="0"/>
           </a:p>
@@ -11464,7 +12626,7 @@
       </p:sp>
       <p:sp>
         <p:nvSpPr>
-          <p:cNvPr id="3" name="コンテンツ プレースホルダー 2"/>
+          <p:cNvPr id="11" name="コンテンツ プレースホルダー 10"/>
           <p:cNvSpPr>
             <a:spLocks noGrp="1"/>
           </p:cNvSpPr>
@@ -11472,89 +12634,65 @@
             <p:ph idx="1"/>
           </p:nvPr>
         </p:nvSpPr>
-        <p:spPr/>
+        <p:spPr>
+          <a:xfrm>
+            <a:off x="3869268" y="864108"/>
+            <a:ext cx="7315200" cy="1421892"/>
+          </a:xfrm>
+        </p:spPr>
         <p:txBody>
           <a:bodyPr>
             <a:normAutofit/>
           </a:bodyPr>
           <a:lstStyle/>
           <a:p>
-            <a:pPr>
-              <a:spcBef>
-                <a:spcPts val="1800"/>
-              </a:spcBef>
-              <a:buFont typeface="+mj-lt"/>
-              <a:buAutoNum type="arabicPeriod" startAt="4"/>
-            </a:pPr>
-            <a:r>
-              <a:rPr lang="en-US" altLang="ja-JP" sz="2400" b="1" dirty="0" err="1" smtClean="0"/>
-              <a:t>WebSocket</a:t>
-            </a:r>
-            <a:r>
-              <a:rPr lang="ja-JP" altLang="en-US" sz="2400" b="1" dirty="0" err="1"/>
-              <a:t>って</a:t>
-            </a:r>
-            <a:r>
-              <a:rPr lang="ja-JP" altLang="en-US" sz="2400" b="1" dirty="0"/>
-              <a:t>何</a:t>
-            </a:r>
-            <a:r>
-              <a:rPr lang="ja-JP" altLang="en-US" sz="2400" b="1" dirty="0" smtClean="0"/>
-              <a:t>？ </a:t>
-            </a:r>
-          </a:p>
-          <a:p>
-            <a:pPr>
-              <a:spcBef>
-                <a:spcPts val="1800"/>
-              </a:spcBef>
-              <a:buFont typeface="+mj-lt"/>
-              <a:buAutoNum type="arabicPeriod" startAt="4"/>
-            </a:pPr>
-            <a:r>
-              <a:rPr lang="ja-JP" altLang="en-US" sz="2400" b="1" dirty="0" smtClean="0"/>
-              <a:t>セッション管理</a:t>
-            </a:r>
-            <a:endParaRPr lang="en-US" altLang="ja-JP" sz="2400" b="1" dirty="0" smtClean="0"/>
-          </a:p>
-          <a:p>
-            <a:pPr>
-              <a:spcBef>
-                <a:spcPts val="1800"/>
-              </a:spcBef>
-              <a:buFont typeface="+mj-lt"/>
-              <a:buAutoNum type="arabicPeriod" startAt="4"/>
-            </a:pPr>
-            <a:r>
-              <a:rPr lang="ja-JP" altLang="en-US" sz="2400" b="1" dirty="0" smtClean="0"/>
-              <a:t>質疑</a:t>
-            </a:r>
-            <a:r>
-              <a:rPr lang="ja-JP" altLang="en-US" sz="2400" b="1" dirty="0"/>
-              <a:t>応答</a:t>
-            </a:r>
-            <a:endParaRPr lang="en-US" altLang="ja-JP" sz="2400" b="1" dirty="0" smtClean="0"/>
-          </a:p>
-          <a:p>
-            <a:pPr>
-              <a:spcBef>
-                <a:spcPts val="1800"/>
-              </a:spcBef>
-              <a:buFont typeface="+mj-lt"/>
-              <a:buAutoNum type="arabicPeriod" startAt="4"/>
-            </a:pPr>
-            <a:r>
-              <a:rPr lang="ja-JP" altLang="en-US" sz="2400" b="1" dirty="0" smtClean="0"/>
-              <a:t>遊んでみよう </a:t>
-            </a:r>
-            <a:endParaRPr kumimoji="1" lang="ja-JP" altLang="en-US" sz="2400" b="1" dirty="0"/>
-          </a:p>
-        </p:txBody>
-      </p:sp>
+            <a:pPr algn="r"/>
+            <a:r>
+              <a:rPr lang="en-US" altLang="ja-JP" sz="4000" dirty="0" err="1" smtClean="0"/>
+              <a:t>PaneTori</a:t>
+            </a:r>
+            <a:r>
+              <a:rPr lang="ja-JP" altLang="en-US" sz="4000" dirty="0" smtClean="0"/>
+              <a:t>制作の背景</a:t>
+            </a:r>
+            <a:endParaRPr kumimoji="1" lang="ja-JP" altLang="en-US" sz="4000" dirty="0"/>
+          </a:p>
+        </p:txBody>
+      </p:sp>
+      <p:pic>
+        <p:nvPicPr>
+          <p:cNvPr id="2" name="図 1"/>
+          <p:cNvPicPr>
+            <a:picLocks noChangeAspect="1"/>
+          </p:cNvPicPr>
+          <p:nvPr/>
+        </p:nvPicPr>
+        <p:blipFill>
+          <a:blip r:embed="rId3">
+            <a:extLst>
+              <a:ext uri="{28A0092B-C50C-407E-A947-70E740481C1C}">
+                <a14:useLocalDpi xmlns:a14="http://schemas.microsoft.com/office/drawing/2010/main" val="0"/>
+              </a:ext>
+            </a:extLst>
+          </a:blip>
+          <a:stretch>
+            <a:fillRect/>
+          </a:stretch>
+        </p:blipFill>
+        <p:spPr>
+          <a:xfrm>
+            <a:off x="3444240" y="3207895"/>
+            <a:ext cx="2883033" cy="2883033"/>
+          </a:xfrm>
+          <a:prstGeom prst="rect">
+            <a:avLst/>
+          </a:prstGeom>
+        </p:spPr>
+      </p:pic>
     </p:spTree>
     <p:extLst>
       <p:ext uri="{BB962C8B-B14F-4D97-AF65-F5344CB8AC3E}">
-        <p14:creationId xmlns:p14="http://schemas.microsoft.com/office/powerpoint/2010/main" val="540604021"/>
+        <p14:creationId xmlns:p14="http://schemas.microsoft.com/office/powerpoint/2010/main" val="1874877178"/>
       </p:ext>
     </p:extLst>
   </p:cSld>
@@ -11621,29 +12759,128 @@
             <p:ph idx="1"/>
           </p:nvPr>
         </p:nvSpPr>
-        <p:spPr/>
+        <p:spPr>
+          <a:xfrm>
+            <a:off x="3869268" y="864108"/>
+            <a:ext cx="7315200" cy="1078992"/>
+          </a:xfrm>
+        </p:spPr>
         <p:txBody>
           <a:bodyPr>
             <a:normAutofit/>
           </a:bodyPr>
           <a:lstStyle/>
           <a:p>
-            <a:r>
-              <a:rPr lang="en-US" altLang="ja-JP" sz="4000" dirty="0" smtClean="0"/>
-              <a:t>PaneTori</a:t>
-            </a:r>
+            <a:pPr algn="r">
+              <a:buFont typeface="+mj-lt"/>
+              <a:buAutoNum type="arabicPeriod" startAt="2"/>
+            </a:pPr>
             <a:r>
               <a:rPr lang="ja-JP" altLang="en-US" sz="4000" dirty="0"/>
-              <a:t>制作の理由</a:t>
+              <a:t>直面した</a:t>
+            </a:r>
+            <a:r>
+              <a:rPr lang="ja-JP" altLang="en-US" sz="4000" dirty="0" smtClean="0"/>
+              <a:t>問題</a:t>
             </a:r>
             <a:endParaRPr kumimoji="1" lang="ja-JP" altLang="en-US" sz="4000" dirty="0"/>
           </a:p>
         </p:txBody>
       </p:sp>
+      <p:pic>
+        <p:nvPicPr>
+          <p:cNvPr id="2" name="図 1"/>
+          <p:cNvPicPr>
+            <a:picLocks noChangeAspect="1"/>
+          </p:cNvPicPr>
+          <p:nvPr/>
+        </p:nvPicPr>
+        <p:blipFill>
+          <a:blip r:embed="rId3">
+            <a:extLst>
+              <a:ext uri="{28A0092B-C50C-407E-A947-70E740481C1C}">
+                <a14:useLocalDpi xmlns:a14="http://schemas.microsoft.com/office/drawing/2010/main" val="0"/>
+              </a:ext>
+            </a:extLst>
+          </a:blip>
+          <a:stretch>
+            <a:fillRect/>
+          </a:stretch>
+        </p:blipFill>
+        <p:spPr>
+          <a:xfrm>
+            <a:off x="3457576" y="3451860"/>
+            <a:ext cx="2386050" cy="2636520"/>
+          </a:xfrm>
+          <a:prstGeom prst="rect">
+            <a:avLst/>
+          </a:prstGeom>
+        </p:spPr>
+      </p:pic>
+      <p:pic>
+        <p:nvPicPr>
+          <p:cNvPr id="3" name="図 2"/>
+          <p:cNvPicPr>
+            <a:picLocks noChangeAspect="1"/>
+          </p:cNvPicPr>
+          <p:nvPr/>
+        </p:nvPicPr>
+        <p:blipFill>
+          <a:blip r:embed="rId4">
+            <a:extLst>
+              <a:ext uri="{28A0092B-C50C-407E-A947-70E740481C1C}">
+                <a14:useLocalDpi xmlns:a14="http://schemas.microsoft.com/office/drawing/2010/main" val="0"/>
+              </a:ext>
+            </a:extLst>
+          </a:blip>
+          <a:stretch>
+            <a:fillRect/>
+          </a:stretch>
+        </p:blipFill>
+        <p:spPr>
+          <a:xfrm>
+            <a:off x="6100801" y="3451860"/>
+            <a:ext cx="2544241" cy="2636520"/>
+          </a:xfrm>
+          <a:prstGeom prst="rect">
+            <a:avLst/>
+          </a:prstGeom>
+        </p:spPr>
+      </p:pic>
+      <p:pic>
+        <p:nvPicPr>
+          <p:cNvPr id="4" name="図 3"/>
+          <p:cNvPicPr>
+            <a:picLocks noChangeAspect="1"/>
+          </p:cNvPicPr>
+          <p:nvPr/>
+        </p:nvPicPr>
+        <p:blipFill>
+          <a:blip r:embed="rId5">
+            <a:extLst>
+              <a:ext uri="{28A0092B-C50C-407E-A947-70E740481C1C}">
+                <a14:useLocalDpi xmlns:a14="http://schemas.microsoft.com/office/drawing/2010/main" val="0"/>
+              </a:ext>
+            </a:extLst>
+          </a:blip>
+          <a:stretch>
+            <a:fillRect/>
+          </a:stretch>
+        </p:blipFill>
+        <p:spPr>
+          <a:xfrm>
+            <a:off x="8716441" y="3794760"/>
+            <a:ext cx="3089901" cy="2610966"/>
+          </a:xfrm>
+          <a:prstGeom prst="rect">
+            <a:avLst/>
+          </a:prstGeom>
+        </p:spPr>
+      </p:pic>
     </p:spTree>
     <p:extLst>
       <p:ext uri="{BB962C8B-B14F-4D97-AF65-F5344CB8AC3E}">
-        <p14:creationId xmlns:p14="http://schemas.microsoft.com/office/powerpoint/2010/main" val="1874877178"/>
+        <p14:creationId xmlns:p14="http://schemas.microsoft.com/office/powerpoint/2010/main" val="2723012835"/>
       </p:ext>
     </p:extLst>
   </p:cSld>
@@ -11710,33 +12947,68 @@
             <p:ph idx="1"/>
           </p:nvPr>
         </p:nvSpPr>
-        <p:spPr/>
+        <p:spPr>
+          <a:xfrm>
+            <a:off x="3869268" y="864108"/>
+            <a:ext cx="7315200" cy="1033272"/>
+          </a:xfrm>
+        </p:spPr>
         <p:txBody>
           <a:bodyPr>
             <a:normAutofit/>
           </a:bodyPr>
           <a:lstStyle/>
           <a:p>
-            <a:pPr>
+            <a:pPr algn="r">
               <a:buFont typeface="+mj-lt"/>
-              <a:buAutoNum type="arabicPeriod" startAt="2"/>
+              <a:buAutoNum type="arabicPeriod" startAt="3"/>
             </a:pPr>
             <a:r>
-              <a:rPr lang="ja-JP" altLang="en-US" sz="4000" dirty="0"/>
-              <a:t>直面した</a:t>
-            </a:r>
-            <a:r>
               <a:rPr lang="ja-JP" altLang="en-US" sz="4000" dirty="0" smtClean="0"/>
-              <a:t>問題</a:t>
-            </a:r>
-            <a:endParaRPr kumimoji="1" lang="ja-JP" altLang="en-US" sz="4000" dirty="0"/>
-          </a:p>
-        </p:txBody>
-      </p:sp>
+              <a:t>問題の解決</a:t>
+            </a:r>
+            <a:r>
+              <a:rPr lang="en-US" altLang="ja-JP" sz="4000" dirty="0" smtClean="0"/>
+              <a:t>(1)</a:t>
+            </a:r>
+            <a:endParaRPr kumimoji="1" lang="ja-JP" altLang="en-US" sz="3200" dirty="0"/>
+          </a:p>
+        </p:txBody>
+      </p:sp>
+      <p:pic>
+        <p:nvPicPr>
+          <p:cNvPr id="2" name="図 1"/>
+          <p:cNvPicPr>
+            <a:picLocks noChangeAspect="1"/>
+          </p:cNvPicPr>
+          <p:nvPr/>
+        </p:nvPicPr>
+        <p:blipFill>
+          <a:blip r:embed="rId3">
+            <a:extLst>
+              <a:ext uri="{28A0092B-C50C-407E-A947-70E740481C1C}">
+                <a14:useLocalDpi xmlns:a14="http://schemas.microsoft.com/office/drawing/2010/main" val="0"/>
+              </a:ext>
+            </a:extLst>
+          </a:blip>
+          <a:stretch>
+            <a:fillRect/>
+          </a:stretch>
+        </p:blipFill>
+        <p:spPr>
+          <a:xfrm>
+            <a:off x="3869268" y="2468880"/>
+            <a:ext cx="7315200" cy="3931920"/>
+          </a:xfrm>
+          <a:prstGeom prst="rect">
+            <a:avLst/>
+          </a:prstGeom>
+        </p:spPr>
+      </p:pic>
     </p:spTree>
     <p:extLst>
       <p:ext uri="{BB962C8B-B14F-4D97-AF65-F5344CB8AC3E}">
-        <p14:creationId xmlns:p14="http://schemas.microsoft.com/office/powerpoint/2010/main" val="2723012835"/>
+        <p14:creationId xmlns:p14="http://schemas.microsoft.com/office/powerpoint/2010/main" val="1412595483"/>
       </p:ext>
     </p:extLst>
   </p:cSld>
@@ -11803,41 +13075,98 @@
             <p:ph idx="1"/>
           </p:nvPr>
         </p:nvSpPr>
-        <p:spPr/>
+        <p:spPr>
+          <a:xfrm>
+            <a:off x="3869268" y="864108"/>
+            <a:ext cx="7315200" cy="1033272"/>
+          </a:xfrm>
+        </p:spPr>
         <p:txBody>
           <a:bodyPr>
             <a:normAutofit/>
           </a:bodyPr>
           <a:lstStyle/>
           <a:p>
-            <a:pPr>
+            <a:pPr algn="r">
               <a:buFont typeface="+mj-lt"/>
               <a:buAutoNum type="arabicPeriod" startAt="3"/>
             </a:pPr>
             <a:r>
-              <a:rPr lang="ja-JP" altLang="en-US" sz="4000" dirty="0"/>
-              <a:t>問題</a:t>
-            </a:r>
-            <a:r>
               <a:rPr lang="ja-JP" altLang="en-US" sz="4000" dirty="0" smtClean="0"/>
-              <a:t>を</a:t>
-            </a:r>
-            <a:r>
-              <a:rPr lang="ja-JP" altLang="en-US" sz="4000" dirty="0"/>
-              <a:t>解決する</a:t>
-            </a:r>
-            <a:r>
-              <a:rPr lang="ja-JP" altLang="en-US" sz="4000" dirty="0" smtClean="0"/>
-              <a:t>技法</a:t>
-            </a:r>
-            <a:endParaRPr kumimoji="1" lang="ja-JP" altLang="en-US" sz="4000" dirty="0"/>
-          </a:p>
-        </p:txBody>
-      </p:sp>
+              <a:t>問題の解決</a:t>
+            </a:r>
+            <a:r>
+              <a:rPr lang="en-US" altLang="ja-JP" sz="4000" dirty="0" smtClean="0"/>
+              <a:t>(2)</a:t>
+            </a:r>
+            <a:endParaRPr kumimoji="1" lang="ja-JP" altLang="en-US" sz="3200" dirty="0"/>
+          </a:p>
+        </p:txBody>
+      </p:sp>
+      <p:pic>
+        <p:nvPicPr>
+          <p:cNvPr id="3" name="図 2"/>
+          <p:cNvPicPr>
+            <a:picLocks noChangeAspect="1"/>
+          </p:cNvPicPr>
+          <p:nvPr/>
+        </p:nvPicPr>
+        <p:blipFill>
+          <a:blip r:embed="rId3">
+            <a:extLst>
+              <a:ext uri="{28A0092B-C50C-407E-A947-70E740481C1C}">
+                <a14:useLocalDpi xmlns:a14="http://schemas.microsoft.com/office/drawing/2010/main" val="0"/>
+              </a:ext>
+            </a:extLst>
+          </a:blip>
+          <a:stretch>
+            <a:fillRect/>
+          </a:stretch>
+        </p:blipFill>
+        <p:spPr>
+          <a:xfrm>
+            <a:off x="3869268" y="3200400"/>
+            <a:ext cx="3702262" cy="3200400"/>
+          </a:xfrm>
+          <a:prstGeom prst="rect">
+            <a:avLst/>
+          </a:prstGeom>
+        </p:spPr>
+      </p:pic>
+      <p:pic>
+        <p:nvPicPr>
+          <p:cNvPr id="4" name="図 3"/>
+          <p:cNvPicPr>
+            <a:picLocks noChangeAspect="1"/>
+          </p:cNvPicPr>
+          <p:nvPr/>
+        </p:nvPicPr>
+        <p:blipFill>
+          <a:blip r:embed="rId4">
+            <a:extLst>
+              <a:ext uri="{28A0092B-C50C-407E-A947-70E740481C1C}">
+                <a14:useLocalDpi xmlns:a14="http://schemas.microsoft.com/office/drawing/2010/main" val="0"/>
+              </a:ext>
+            </a:extLst>
+          </a:blip>
+          <a:stretch>
+            <a:fillRect/>
+          </a:stretch>
+        </p:blipFill>
+        <p:spPr>
+          <a:xfrm>
+            <a:off x="8240396" y="3151928"/>
+            <a:ext cx="3248871" cy="3248871"/>
+          </a:xfrm>
+          <a:prstGeom prst="rect">
+            <a:avLst/>
+          </a:prstGeom>
+        </p:spPr>
+      </p:pic>
     </p:spTree>
     <p:extLst>
       <p:ext uri="{BB962C8B-B14F-4D97-AF65-F5344CB8AC3E}">
-        <p14:creationId xmlns:p14="http://schemas.microsoft.com/office/powerpoint/2010/main" val="1412595483"/>
+        <p14:creationId xmlns:p14="http://schemas.microsoft.com/office/powerpoint/2010/main" val="2410316827"/>
       </p:ext>
     </p:extLst>
   </p:cSld>
@@ -11871,66 +13200,9 @@
           <a:chExt cx="0" cy="0"/>
         </a:xfrm>
       </p:grpSpPr>
-      <p:sp>
-        <p:nvSpPr>
-          <p:cNvPr id="10" name="タイトル 9"/>
-          <p:cNvSpPr>
-            <a:spLocks noGrp="1"/>
-          </p:cNvSpPr>
-          <p:nvPr>
-            <p:ph type="title"/>
-          </p:nvPr>
-        </p:nvSpPr>
-        <p:spPr/>
-        <p:txBody>
-          <a:bodyPr/>
-          <a:lstStyle/>
-          <a:p>
-            <a:r>
-              <a:rPr kumimoji="1" lang="ja-JP" altLang="en-US" dirty="0" smtClean="0"/>
-              <a:t>　</a:t>
-            </a:r>
-            <a:endParaRPr kumimoji="1" lang="ja-JP" altLang="en-US" dirty="0"/>
-          </a:p>
-        </p:txBody>
-      </p:sp>
-      <p:sp>
-        <p:nvSpPr>
-          <p:cNvPr id="11" name="コンテンツ プレースホルダー 10"/>
-          <p:cNvSpPr>
-            <a:spLocks noGrp="1"/>
-          </p:cNvSpPr>
-          <p:nvPr>
-            <p:ph idx="1"/>
-          </p:nvPr>
-        </p:nvSpPr>
-        <p:spPr>
-          <a:xfrm>
-            <a:off x="3869268" y="864108"/>
-            <a:ext cx="7315200" cy="875792"/>
-          </a:xfrm>
-        </p:spPr>
-        <p:txBody>
-          <a:bodyPr>
-            <a:normAutofit/>
-          </a:bodyPr>
-          <a:lstStyle/>
-          <a:p>
-            <a:pPr>
-              <a:buFont typeface="+mj-lt"/>
-              <a:buAutoNum type="alphaLcPeriod"/>
-            </a:pPr>
-            <a:r>
-              <a:rPr lang="ja-JP" altLang="en-US" sz="4000" dirty="0" smtClean="0"/>
-              <a:t>ポーリング</a:t>
-            </a:r>
-            <a:endParaRPr kumimoji="1" lang="ja-JP" altLang="en-US" sz="4000" dirty="0"/>
-          </a:p>
-        </p:txBody>
-      </p:sp>
       <p:pic>
         <p:nvPicPr>
-          <p:cNvPr id="2" name="図 1"/>
+          <p:cNvPr id="7" name="図 6"/>
           <p:cNvPicPr>
             <a:picLocks noChangeAspect="1"/>
           </p:cNvPicPr>
@@ -11950,14 +13222,75 @@
         </p:blipFill>
         <p:spPr>
           <a:xfrm>
-            <a:off x="8784168" y="2793248"/>
-            <a:ext cx="2498224" cy="3366251"/>
+            <a:off x="3746528" y="381000"/>
+            <a:ext cx="3810000" cy="3810000"/>
           </a:xfrm>
           <a:prstGeom prst="rect">
             <a:avLst/>
           </a:prstGeom>
         </p:spPr>
       </p:pic>
+      <p:sp>
+        <p:nvSpPr>
+          <p:cNvPr id="10" name="タイトル 9"/>
+          <p:cNvSpPr>
+            <a:spLocks noGrp="1"/>
+          </p:cNvSpPr>
+          <p:nvPr>
+            <p:ph type="title"/>
+          </p:nvPr>
+        </p:nvSpPr>
+        <p:spPr/>
+        <p:txBody>
+          <a:bodyPr/>
+          <a:lstStyle/>
+          <a:p>
+            <a:r>
+              <a:rPr kumimoji="1" lang="ja-JP" altLang="en-US" dirty="0" smtClean="0"/>
+              <a:t>　</a:t>
+            </a:r>
+            <a:endParaRPr kumimoji="1" lang="ja-JP" altLang="en-US" dirty="0"/>
+          </a:p>
+        </p:txBody>
+      </p:sp>
+      <p:sp>
+        <p:nvSpPr>
+          <p:cNvPr id="11" name="コンテンツ プレースホルダー 10"/>
+          <p:cNvSpPr>
+            <a:spLocks noGrp="1"/>
+          </p:cNvSpPr>
+          <p:nvPr>
+            <p:ph idx="1"/>
+          </p:nvPr>
+        </p:nvSpPr>
+        <p:spPr>
+          <a:xfrm>
+            <a:off x="3869268" y="864108"/>
+            <a:ext cx="7315200" cy="1033272"/>
+          </a:xfrm>
+        </p:spPr>
+        <p:txBody>
+          <a:bodyPr>
+            <a:normAutofit/>
+          </a:bodyPr>
+          <a:lstStyle/>
+          <a:p>
+            <a:pPr algn="r">
+              <a:buFont typeface="+mj-lt"/>
+              <a:buAutoNum type="arabicPeriod" startAt="3"/>
+            </a:pPr>
+            <a:r>
+              <a:rPr lang="ja-JP" altLang="en-US" sz="4000" dirty="0" smtClean="0"/>
+              <a:t>問題の解決</a:t>
+            </a:r>
+            <a:r>
+              <a:rPr lang="en-US" altLang="ja-JP" sz="4000" dirty="0" smtClean="0"/>
+              <a:t>(3)</a:t>
+            </a:r>
+            <a:endParaRPr kumimoji="1" lang="ja-JP" altLang="en-US" sz="3200" dirty="0"/>
+          </a:p>
+        </p:txBody>
+      </p:sp>
       <p:pic>
         <p:nvPicPr>
           <p:cNvPr id="3" name="図 2"/>
@@ -11980,92 +13313,138 @@
         </p:blipFill>
         <p:spPr>
           <a:xfrm>
-            <a:off x="3869268" y="2681426"/>
-            <a:ext cx="2660726" cy="3478073"/>
+            <a:off x="3746528" y="1123837"/>
+            <a:ext cx="3780340" cy="4085957"/>
           </a:xfrm>
           <a:prstGeom prst="rect">
             <a:avLst/>
           </a:prstGeom>
         </p:spPr>
       </p:pic>
-      <p:sp>
-        <p:nvSpPr>
-          <p:cNvPr id="4" name="テキスト ボックス 3"/>
-          <p:cNvSpPr txBox="1"/>
+      <p:pic>
+        <p:nvPicPr>
+          <p:cNvPr id="5" name="図 4"/>
+          <p:cNvPicPr>
+            <a:picLocks noChangeAspect="1"/>
+          </p:cNvPicPr>
           <p:nvPr/>
-        </p:nvSpPr>
-        <p:spPr>
-          <a:xfrm>
-            <a:off x="3869268" y="6273800"/>
-            <a:ext cx="2660726" cy="461665"/>
+        </p:nvPicPr>
+        <p:blipFill>
+          <a:blip r:embed="rId5">
+            <a:extLst>
+              <a:ext uri="{28A0092B-C50C-407E-A947-70E740481C1C}">
+                <a14:useLocalDpi xmlns:a14="http://schemas.microsoft.com/office/drawing/2010/main" val="0"/>
+              </a:ext>
+            </a:extLst>
+          </a:blip>
+          <a:stretch>
+            <a:fillRect/>
+          </a:stretch>
+        </p:blipFill>
+        <p:spPr>
+          <a:xfrm>
+            <a:off x="3815763" y="5307217"/>
+            <a:ext cx="1322164" cy="1117229"/>
           </a:xfrm>
           <a:prstGeom prst="rect">
             <a:avLst/>
           </a:prstGeom>
-          <a:noFill/>
-        </p:spPr>
-        <p:txBody>
-          <a:bodyPr wrap="square" rtlCol="0">
-            <a:spAutoFit/>
-          </a:bodyPr>
-          <a:lstStyle/>
-          <a:p>
-            <a:pPr algn="ctr"/>
-            <a:r>
-              <a:rPr kumimoji="1" lang="ja-JP" altLang="en-US" sz="2400" dirty="0" smtClean="0">
-                <a:latin typeface="HG創英角ﾎﾟｯﾌﾟ体" panose="040B0A09000000000000" pitchFamily="49" charset="-128"/>
-                <a:ea typeface="HG創英角ﾎﾟｯﾌﾟ体" panose="040B0A09000000000000" pitchFamily="49" charset="-128"/>
-              </a:rPr>
-              <a:t>クライアント</a:t>
-            </a:r>
-            <a:endParaRPr kumimoji="1" lang="ja-JP" altLang="en-US" sz="2400" dirty="0">
-              <a:latin typeface="HG創英角ﾎﾟｯﾌﾟ体" panose="040B0A09000000000000" pitchFamily="49" charset="-128"/>
-              <a:ea typeface="HG創英角ﾎﾟｯﾌﾟ体" panose="040B0A09000000000000" pitchFamily="49" charset="-128"/>
-            </a:endParaRPr>
-          </a:p>
-        </p:txBody>
-      </p:sp>
-      <p:sp>
-        <p:nvSpPr>
-          <p:cNvPr id="7" name="テキスト ボックス 6"/>
-          <p:cNvSpPr txBox="1"/>
+        </p:spPr>
+      </p:pic>
+      <p:pic>
+        <p:nvPicPr>
+          <p:cNvPr id="9" name="図 8"/>
+          <p:cNvPicPr>
+            <a:picLocks noChangeAspect="1"/>
+          </p:cNvPicPr>
           <p:nvPr/>
-        </p:nvSpPr>
-        <p:spPr>
-          <a:xfrm>
-            <a:off x="8784168" y="6273800"/>
-            <a:ext cx="2498224" cy="461665"/>
+        </p:nvPicPr>
+        <p:blipFill>
+          <a:blip r:embed="rId5">
+            <a:extLst>
+              <a:ext uri="{28A0092B-C50C-407E-A947-70E740481C1C}">
+                <a14:useLocalDpi xmlns:a14="http://schemas.microsoft.com/office/drawing/2010/main" val="0"/>
+              </a:ext>
+            </a:extLst>
+          </a:blip>
+          <a:stretch>
+            <a:fillRect/>
+          </a:stretch>
+        </p:blipFill>
+        <p:spPr>
+          <a:xfrm>
+            <a:off x="5137927" y="5261497"/>
+            <a:ext cx="1322164" cy="1117229"/>
           </a:xfrm>
           <a:prstGeom prst="rect">
             <a:avLst/>
           </a:prstGeom>
-          <a:noFill/>
-        </p:spPr>
-        <p:txBody>
-          <a:bodyPr wrap="square" rtlCol="0">
-            <a:spAutoFit/>
-          </a:bodyPr>
-          <a:lstStyle/>
-          <a:p>
-            <a:pPr algn="ctr"/>
-            <a:r>
-              <a:rPr kumimoji="1" lang="ja-JP" altLang="en-US" sz="2400" dirty="0" smtClean="0">
-                <a:latin typeface="HG創英角ﾎﾟｯﾌﾟ体" panose="040B0A09000000000000" pitchFamily="49" charset="-128"/>
-                <a:ea typeface="HG創英角ﾎﾟｯﾌﾟ体" panose="040B0A09000000000000" pitchFamily="49" charset="-128"/>
-              </a:rPr>
-              <a:t>サーバ</a:t>
-            </a:r>
-            <a:endParaRPr kumimoji="1" lang="ja-JP" altLang="en-US" sz="2400" dirty="0">
-              <a:latin typeface="HG創英角ﾎﾟｯﾌﾟ体" panose="040B0A09000000000000" pitchFamily="49" charset="-128"/>
-              <a:ea typeface="HG創英角ﾎﾟｯﾌﾟ体" panose="040B0A09000000000000" pitchFamily="49" charset="-128"/>
-            </a:endParaRPr>
-          </a:p>
-        </p:txBody>
-      </p:sp>
+        </p:spPr>
+      </p:pic>
+      <p:pic>
+        <p:nvPicPr>
+          <p:cNvPr id="12" name="図 11"/>
+          <p:cNvPicPr>
+            <a:picLocks noChangeAspect="1"/>
+          </p:cNvPicPr>
+          <p:nvPr/>
+        </p:nvPicPr>
+        <p:blipFill>
+          <a:blip r:embed="rId5">
+            <a:extLst>
+              <a:ext uri="{28A0092B-C50C-407E-A947-70E740481C1C}">
+                <a14:useLocalDpi xmlns:a14="http://schemas.microsoft.com/office/drawing/2010/main" val="0"/>
+              </a:ext>
+            </a:extLst>
+          </a:blip>
+          <a:stretch>
+            <a:fillRect/>
+          </a:stretch>
+        </p:blipFill>
+        <p:spPr>
+          <a:xfrm>
+            <a:off x="5894605" y="5679924"/>
+            <a:ext cx="1322164" cy="1117229"/>
+          </a:xfrm>
+          <a:prstGeom prst="rect">
+            <a:avLst/>
+          </a:prstGeom>
+        </p:spPr>
+      </p:pic>
+      <p:pic>
+        <p:nvPicPr>
+          <p:cNvPr id="13" name="図 12"/>
+          <p:cNvPicPr>
+            <a:picLocks noChangeAspect="1"/>
+          </p:cNvPicPr>
+          <p:nvPr/>
+        </p:nvPicPr>
+        <p:blipFill>
+          <a:blip r:embed="rId5">
+            <a:extLst>
+              <a:ext uri="{28A0092B-C50C-407E-A947-70E740481C1C}">
+                <a14:useLocalDpi xmlns:a14="http://schemas.microsoft.com/office/drawing/2010/main" val="0"/>
+              </a:ext>
+            </a:extLst>
+          </a:blip>
+          <a:stretch>
+            <a:fillRect/>
+          </a:stretch>
+        </p:blipFill>
+        <p:spPr>
+          <a:xfrm>
+            <a:off x="4476845" y="5714273"/>
+            <a:ext cx="1322164" cy="1117229"/>
+          </a:xfrm>
+          <a:prstGeom prst="rect">
+            <a:avLst/>
+          </a:prstGeom>
+        </p:spPr>
+      </p:pic>
     </p:spTree>
     <p:extLst>
       <p:ext uri="{BB962C8B-B14F-4D97-AF65-F5344CB8AC3E}">
-        <p14:creationId xmlns:p14="http://schemas.microsoft.com/office/powerpoint/2010/main" val="2018048290"/>
+        <p14:creationId xmlns:p14="http://schemas.microsoft.com/office/powerpoint/2010/main" val="1011196822"/>
       </p:ext>
     </p:extLst>
   </p:cSld>
@@ -12186,83 +13565,9 @@
           </a:prstGeom>
         </p:spPr>
       </p:pic>
-      <p:sp>
-        <p:nvSpPr>
-          <p:cNvPr id="4" name="テキスト ボックス 3"/>
-          <p:cNvSpPr txBox="1"/>
-          <p:nvPr/>
-        </p:nvSpPr>
-        <p:spPr>
-          <a:xfrm>
-            <a:off x="3869268" y="6273800"/>
-            <a:ext cx="2660726" cy="461665"/>
-          </a:xfrm>
-          <a:prstGeom prst="rect">
-            <a:avLst/>
-          </a:prstGeom>
-          <a:noFill/>
-        </p:spPr>
-        <p:txBody>
-          <a:bodyPr wrap="square" rtlCol="0">
-            <a:spAutoFit/>
-          </a:bodyPr>
-          <a:lstStyle/>
-          <a:p>
-            <a:pPr algn="ctr"/>
-            <a:r>
-              <a:rPr kumimoji="1" lang="ja-JP" altLang="en-US" sz="2400" dirty="0" smtClean="0">
-                <a:latin typeface="HG創英角ﾎﾟｯﾌﾟ体" panose="040B0A09000000000000" pitchFamily="49" charset="-128"/>
-                <a:ea typeface="HG創英角ﾎﾟｯﾌﾟ体" panose="040B0A09000000000000" pitchFamily="49" charset="-128"/>
-              </a:rPr>
-              <a:t>クライアント</a:t>
-            </a:r>
-            <a:endParaRPr kumimoji="1" lang="ja-JP" altLang="en-US" sz="2400" dirty="0">
-              <a:latin typeface="HG創英角ﾎﾟｯﾌﾟ体" panose="040B0A09000000000000" pitchFamily="49" charset="-128"/>
-              <a:ea typeface="HG創英角ﾎﾟｯﾌﾟ体" panose="040B0A09000000000000" pitchFamily="49" charset="-128"/>
-            </a:endParaRPr>
-          </a:p>
-        </p:txBody>
-      </p:sp>
-      <p:sp>
-        <p:nvSpPr>
-          <p:cNvPr id="7" name="テキスト ボックス 6"/>
-          <p:cNvSpPr txBox="1"/>
-          <p:nvPr/>
-        </p:nvSpPr>
-        <p:spPr>
-          <a:xfrm>
-            <a:off x="8784168" y="6273800"/>
-            <a:ext cx="2498224" cy="461665"/>
-          </a:xfrm>
-          <a:prstGeom prst="rect">
-            <a:avLst/>
-          </a:prstGeom>
-          <a:noFill/>
-        </p:spPr>
-        <p:txBody>
-          <a:bodyPr wrap="square" rtlCol="0">
-            <a:spAutoFit/>
-          </a:bodyPr>
-          <a:lstStyle/>
-          <a:p>
-            <a:pPr algn="ctr"/>
-            <a:r>
-              <a:rPr kumimoji="1" lang="ja-JP" altLang="en-US" sz="2400" dirty="0" smtClean="0">
-                <a:latin typeface="HG創英角ﾎﾟｯﾌﾟ体" panose="040B0A09000000000000" pitchFamily="49" charset="-128"/>
-                <a:ea typeface="HG創英角ﾎﾟｯﾌﾟ体" panose="040B0A09000000000000" pitchFamily="49" charset="-128"/>
-              </a:rPr>
-              <a:t>サーバ</a:t>
-            </a:r>
-            <a:endParaRPr kumimoji="1" lang="ja-JP" altLang="en-US" sz="2400" dirty="0">
-              <a:latin typeface="HG創英角ﾎﾟｯﾌﾟ体" panose="040B0A09000000000000" pitchFamily="49" charset="-128"/>
-              <a:ea typeface="HG創英角ﾎﾟｯﾌﾟ体" panose="040B0A09000000000000" pitchFamily="49" charset="-128"/>
-            </a:endParaRPr>
-          </a:p>
-        </p:txBody>
-      </p:sp>
       <p:pic>
         <p:nvPicPr>
-          <p:cNvPr id="5" name="図 4"/>
+          <p:cNvPr id="3" name="図 2"/>
           <p:cNvPicPr>
             <a:picLocks noChangeAspect="1"/>
           </p:cNvPicPr>
@@ -12282,18 +13587,92 @@
         </p:blipFill>
         <p:spPr>
           <a:xfrm>
-            <a:off x="3869268" y="2679032"/>
-            <a:ext cx="2662557" cy="3480467"/>
+            <a:off x="3869268" y="2681426"/>
+            <a:ext cx="2660726" cy="3478073"/>
           </a:xfrm>
           <a:prstGeom prst="rect">
             <a:avLst/>
           </a:prstGeom>
         </p:spPr>
       </p:pic>
+      <p:sp>
+        <p:nvSpPr>
+          <p:cNvPr id="4" name="テキスト ボックス 3"/>
+          <p:cNvSpPr txBox="1"/>
+          <p:nvPr/>
+        </p:nvSpPr>
+        <p:spPr>
+          <a:xfrm>
+            <a:off x="3869268" y="6273800"/>
+            <a:ext cx="2660726" cy="461665"/>
+          </a:xfrm>
+          <a:prstGeom prst="rect">
+            <a:avLst/>
+          </a:prstGeom>
+          <a:noFill/>
+        </p:spPr>
+        <p:txBody>
+          <a:bodyPr wrap="square" rtlCol="0">
+            <a:spAutoFit/>
+          </a:bodyPr>
+          <a:lstStyle/>
+          <a:p>
+            <a:pPr algn="ctr"/>
+            <a:r>
+              <a:rPr kumimoji="1" lang="ja-JP" altLang="en-US" sz="2400" dirty="0" smtClean="0">
+                <a:latin typeface="HG創英角ﾎﾟｯﾌﾟ体" panose="040B0A09000000000000" pitchFamily="49" charset="-128"/>
+                <a:ea typeface="HG創英角ﾎﾟｯﾌﾟ体" panose="040B0A09000000000000" pitchFamily="49" charset="-128"/>
+              </a:rPr>
+              <a:t>クライアント</a:t>
+            </a:r>
+            <a:endParaRPr kumimoji="1" lang="ja-JP" altLang="en-US" sz="2400" dirty="0">
+              <a:latin typeface="HG創英角ﾎﾟｯﾌﾟ体" panose="040B0A09000000000000" pitchFamily="49" charset="-128"/>
+              <a:ea typeface="HG創英角ﾎﾟｯﾌﾟ体" panose="040B0A09000000000000" pitchFamily="49" charset="-128"/>
+            </a:endParaRPr>
+          </a:p>
+        </p:txBody>
+      </p:sp>
+      <p:sp>
+        <p:nvSpPr>
+          <p:cNvPr id="7" name="テキスト ボックス 6"/>
+          <p:cNvSpPr txBox="1"/>
+          <p:nvPr/>
+        </p:nvSpPr>
+        <p:spPr>
+          <a:xfrm>
+            <a:off x="8784168" y="6273800"/>
+            <a:ext cx="2498224" cy="461665"/>
+          </a:xfrm>
+          <a:prstGeom prst="rect">
+            <a:avLst/>
+          </a:prstGeom>
+          <a:noFill/>
+        </p:spPr>
+        <p:txBody>
+          <a:bodyPr wrap="square" rtlCol="0">
+            <a:spAutoFit/>
+          </a:bodyPr>
+          <a:lstStyle/>
+          <a:p>
+            <a:pPr algn="ctr"/>
+            <a:r>
+              <a:rPr kumimoji="1" lang="ja-JP" altLang="en-US" sz="2400" dirty="0" smtClean="0">
+                <a:latin typeface="HG創英角ﾎﾟｯﾌﾟ体" panose="040B0A09000000000000" pitchFamily="49" charset="-128"/>
+                <a:ea typeface="HG創英角ﾎﾟｯﾌﾟ体" panose="040B0A09000000000000" pitchFamily="49" charset="-128"/>
+              </a:rPr>
+              <a:t>サーバ</a:t>
+            </a:r>
+            <a:endParaRPr kumimoji="1" lang="ja-JP" altLang="en-US" sz="2400" dirty="0">
+              <a:latin typeface="HG創英角ﾎﾟｯﾌﾟ体" panose="040B0A09000000000000" pitchFamily="49" charset="-128"/>
+              <a:ea typeface="HG創英角ﾎﾟｯﾌﾟ体" panose="040B0A09000000000000" pitchFamily="49" charset="-128"/>
+            </a:endParaRPr>
+          </a:p>
+        </p:txBody>
+      </p:sp>
     </p:spTree>
     <p:extLst>
       <p:ext uri="{BB962C8B-B14F-4D97-AF65-F5344CB8AC3E}">
-        <p14:creationId xmlns:p14="http://schemas.microsoft.com/office/powerpoint/2010/main" val="3925238584"/>
+        <p14:creationId xmlns:p14="http://schemas.microsoft.com/office/powerpoint/2010/main" val="2018048290"/>
       </p:ext>
     </p:extLst>
   </p:cSld>
@@ -12384,83 +13763,9 @@
           </a:p>
         </p:txBody>
       </p:sp>
-      <p:sp>
-        <p:nvSpPr>
-          <p:cNvPr id="4" name="テキスト ボックス 3"/>
-          <p:cNvSpPr txBox="1"/>
-          <p:nvPr/>
-        </p:nvSpPr>
-        <p:spPr>
-          <a:xfrm>
-            <a:off x="3869268" y="6273800"/>
-            <a:ext cx="2660726" cy="461665"/>
-          </a:xfrm>
-          <a:prstGeom prst="rect">
-            <a:avLst/>
-          </a:prstGeom>
-          <a:noFill/>
-        </p:spPr>
-        <p:txBody>
-          <a:bodyPr wrap="square" rtlCol="0">
-            <a:spAutoFit/>
-          </a:bodyPr>
-          <a:lstStyle/>
-          <a:p>
-            <a:pPr algn="ctr"/>
-            <a:r>
-              <a:rPr kumimoji="1" lang="ja-JP" altLang="en-US" sz="2400" dirty="0" smtClean="0">
-                <a:latin typeface="HG創英角ﾎﾟｯﾌﾟ体" panose="040B0A09000000000000" pitchFamily="49" charset="-128"/>
-                <a:ea typeface="HG創英角ﾎﾟｯﾌﾟ体" panose="040B0A09000000000000" pitchFamily="49" charset="-128"/>
-              </a:rPr>
-              <a:t>クライアント</a:t>
-            </a:r>
-            <a:endParaRPr kumimoji="1" lang="ja-JP" altLang="en-US" sz="2400" dirty="0">
-              <a:latin typeface="HG創英角ﾎﾟｯﾌﾟ体" panose="040B0A09000000000000" pitchFamily="49" charset="-128"/>
-              <a:ea typeface="HG創英角ﾎﾟｯﾌﾟ体" panose="040B0A09000000000000" pitchFamily="49" charset="-128"/>
-            </a:endParaRPr>
-          </a:p>
-        </p:txBody>
-      </p:sp>
-      <p:sp>
-        <p:nvSpPr>
-          <p:cNvPr id="7" name="テキスト ボックス 6"/>
-          <p:cNvSpPr txBox="1"/>
-          <p:nvPr/>
-        </p:nvSpPr>
-        <p:spPr>
-          <a:xfrm>
-            <a:off x="8784168" y="6273800"/>
-            <a:ext cx="2498224" cy="461665"/>
-          </a:xfrm>
-          <a:prstGeom prst="rect">
-            <a:avLst/>
-          </a:prstGeom>
-          <a:noFill/>
-        </p:spPr>
-        <p:txBody>
-          <a:bodyPr wrap="square" rtlCol="0">
-            <a:spAutoFit/>
-          </a:bodyPr>
-          <a:lstStyle/>
-          <a:p>
-            <a:pPr algn="ctr"/>
-            <a:r>
-              <a:rPr kumimoji="1" lang="ja-JP" altLang="en-US" sz="2400" dirty="0" smtClean="0">
-                <a:latin typeface="HG創英角ﾎﾟｯﾌﾟ体" panose="040B0A09000000000000" pitchFamily="49" charset="-128"/>
-                <a:ea typeface="HG創英角ﾎﾟｯﾌﾟ体" panose="040B0A09000000000000" pitchFamily="49" charset="-128"/>
-              </a:rPr>
-              <a:t>サーバ</a:t>
-            </a:r>
-            <a:endParaRPr kumimoji="1" lang="ja-JP" altLang="en-US" sz="2400" dirty="0">
-              <a:latin typeface="HG創英角ﾎﾟｯﾌﾟ体" panose="040B0A09000000000000" pitchFamily="49" charset="-128"/>
-              <a:ea typeface="HG創英角ﾎﾟｯﾌﾟ体" panose="040B0A09000000000000" pitchFamily="49" charset="-128"/>
-            </a:endParaRPr>
-          </a:p>
-        </p:txBody>
-      </p:sp>
       <p:pic>
         <p:nvPicPr>
-          <p:cNvPr id="5" name="図 4"/>
+          <p:cNvPr id="2" name="図 1"/>
           <p:cNvPicPr>
             <a:picLocks noChangeAspect="1"/>
           </p:cNvPicPr>
@@ -12480,17 +13785,91 @@
         </p:blipFill>
         <p:spPr>
           <a:xfrm>
-            <a:off x="7804319" y="2681426"/>
-            <a:ext cx="3478073" cy="3478073"/>
+            <a:off x="8784168" y="2793248"/>
+            <a:ext cx="2498224" cy="3366251"/>
           </a:xfrm>
           <a:prstGeom prst="rect">
             <a:avLst/>
           </a:prstGeom>
         </p:spPr>
       </p:pic>
+      <p:sp>
+        <p:nvSpPr>
+          <p:cNvPr id="4" name="テキスト ボックス 3"/>
+          <p:cNvSpPr txBox="1"/>
+          <p:nvPr/>
+        </p:nvSpPr>
+        <p:spPr>
+          <a:xfrm>
+            <a:off x="3869268" y="6273800"/>
+            <a:ext cx="2660726" cy="461665"/>
+          </a:xfrm>
+          <a:prstGeom prst="rect">
+            <a:avLst/>
+          </a:prstGeom>
+          <a:noFill/>
+        </p:spPr>
+        <p:txBody>
+          <a:bodyPr wrap="square" rtlCol="0">
+            <a:spAutoFit/>
+          </a:bodyPr>
+          <a:lstStyle/>
+          <a:p>
+            <a:pPr algn="ctr"/>
+            <a:r>
+              <a:rPr kumimoji="1" lang="ja-JP" altLang="en-US" sz="2400" dirty="0" smtClean="0">
+                <a:latin typeface="HG創英角ﾎﾟｯﾌﾟ体" panose="040B0A09000000000000" pitchFamily="49" charset="-128"/>
+                <a:ea typeface="HG創英角ﾎﾟｯﾌﾟ体" panose="040B0A09000000000000" pitchFamily="49" charset="-128"/>
+              </a:rPr>
+              <a:t>クライアント</a:t>
+            </a:r>
+            <a:endParaRPr kumimoji="1" lang="ja-JP" altLang="en-US" sz="2400" dirty="0">
+              <a:latin typeface="HG創英角ﾎﾟｯﾌﾟ体" panose="040B0A09000000000000" pitchFamily="49" charset="-128"/>
+              <a:ea typeface="HG創英角ﾎﾟｯﾌﾟ体" panose="040B0A09000000000000" pitchFamily="49" charset="-128"/>
+            </a:endParaRPr>
+          </a:p>
+        </p:txBody>
+      </p:sp>
+      <p:sp>
+        <p:nvSpPr>
+          <p:cNvPr id="7" name="テキスト ボックス 6"/>
+          <p:cNvSpPr txBox="1"/>
+          <p:nvPr/>
+        </p:nvSpPr>
+        <p:spPr>
+          <a:xfrm>
+            <a:off x="8784168" y="6273800"/>
+            <a:ext cx="2498224" cy="461665"/>
+          </a:xfrm>
+          <a:prstGeom prst="rect">
+            <a:avLst/>
+          </a:prstGeom>
+          <a:noFill/>
+        </p:spPr>
+        <p:txBody>
+          <a:bodyPr wrap="square" rtlCol="0">
+            <a:spAutoFit/>
+          </a:bodyPr>
+          <a:lstStyle/>
+          <a:p>
+            <a:pPr algn="ctr"/>
+            <a:r>
+              <a:rPr kumimoji="1" lang="ja-JP" altLang="en-US" sz="2400" dirty="0" smtClean="0">
+                <a:latin typeface="HG創英角ﾎﾟｯﾌﾟ体" panose="040B0A09000000000000" pitchFamily="49" charset="-128"/>
+                <a:ea typeface="HG創英角ﾎﾟｯﾌﾟ体" panose="040B0A09000000000000" pitchFamily="49" charset="-128"/>
+              </a:rPr>
+              <a:t>サーバ</a:t>
+            </a:r>
+            <a:endParaRPr kumimoji="1" lang="ja-JP" altLang="en-US" sz="2400" dirty="0">
+              <a:latin typeface="HG創英角ﾎﾟｯﾌﾟ体" panose="040B0A09000000000000" pitchFamily="49" charset="-128"/>
+              <a:ea typeface="HG創英角ﾎﾟｯﾌﾟ体" panose="040B0A09000000000000" pitchFamily="49" charset="-128"/>
+            </a:endParaRPr>
+          </a:p>
+        </p:txBody>
+      </p:sp>
       <p:pic>
         <p:nvPicPr>
-          <p:cNvPr id="6" name="図 5"/>
+          <p:cNvPr id="5" name="図 4"/>
           <p:cNvPicPr>
             <a:picLocks noChangeAspect="1"/>
           </p:cNvPicPr>
@@ -12510,8 +13889,8 @@
         </p:blipFill>
         <p:spPr>
           <a:xfrm>
-            <a:off x="3869268" y="2681425"/>
-            <a:ext cx="2660726" cy="3478074"/>
+            <a:off x="3869268" y="2679032"/>
+            <a:ext cx="2662557" cy="3480467"/>
           </a:xfrm>
           <a:prstGeom prst="rect">
             <a:avLst/>
@@ -12521,7 +13900,7 @@
     </p:spTree>
     <p:extLst>
       <p:ext uri="{BB962C8B-B14F-4D97-AF65-F5344CB8AC3E}">
-        <p14:creationId xmlns:p14="http://schemas.microsoft.com/office/powerpoint/2010/main" val="89620117"/>
+        <p14:creationId xmlns:p14="http://schemas.microsoft.com/office/powerpoint/2010/main" val="3925238584"/>
       </p:ext>
     </p:extLst>
   </p:cSld>
